--- a/doc/软件规格说明ppt.pptx
+++ b/doc/软件规格说明ppt.pptx
@@ -6,7 +6,7 @@
     <p:sldMasterId id="2147483679" r:id="rId2"/>
   </p:sldMasterIdLst>
   <p:notesMasterIdLst>
-    <p:notesMasterId r:id="rId33"/>
+    <p:notesMasterId r:id="rId40"/>
   </p:notesMasterIdLst>
   <p:sldIdLst>
     <p:sldId id="256" r:id="rId3"/>
@@ -17,28 +17,35 @@
     <p:sldId id="318" r:id="rId8"/>
     <p:sldId id="297" r:id="rId9"/>
     <p:sldId id="319" r:id="rId10"/>
-    <p:sldId id="320" r:id="rId11"/>
-    <p:sldId id="321" r:id="rId12"/>
-    <p:sldId id="322" r:id="rId13"/>
-    <p:sldId id="303" r:id="rId14"/>
-    <p:sldId id="304" r:id="rId15"/>
-    <p:sldId id="323" r:id="rId16"/>
-    <p:sldId id="324" r:id="rId17"/>
-    <p:sldId id="325" r:id="rId18"/>
-    <p:sldId id="326" r:id="rId19"/>
-    <p:sldId id="306" r:id="rId20"/>
-    <p:sldId id="307" r:id="rId21"/>
-    <p:sldId id="327" r:id="rId22"/>
-    <p:sldId id="328" r:id="rId23"/>
-    <p:sldId id="329" r:id="rId24"/>
-    <p:sldId id="330" r:id="rId25"/>
-    <p:sldId id="309" r:id="rId26"/>
-    <p:sldId id="310" r:id="rId27"/>
-    <p:sldId id="331" r:id="rId28"/>
-    <p:sldId id="333" r:id="rId29"/>
-    <p:sldId id="334" r:id="rId30"/>
-    <p:sldId id="312" r:id="rId31"/>
-    <p:sldId id="280" r:id="rId32"/>
+    <p:sldId id="321" r:id="rId11"/>
+    <p:sldId id="335" r:id="rId12"/>
+    <p:sldId id="340" r:id="rId13"/>
+    <p:sldId id="339" r:id="rId14"/>
+    <p:sldId id="341" r:id="rId15"/>
+    <p:sldId id="320" r:id="rId16"/>
+    <p:sldId id="322" r:id="rId17"/>
+    <p:sldId id="303" r:id="rId18"/>
+    <p:sldId id="304" r:id="rId19"/>
+    <p:sldId id="323" r:id="rId20"/>
+    <p:sldId id="324" r:id="rId21"/>
+    <p:sldId id="325" r:id="rId22"/>
+    <p:sldId id="336" r:id="rId23"/>
+    <p:sldId id="326" r:id="rId24"/>
+    <p:sldId id="337" r:id="rId25"/>
+    <p:sldId id="338" r:id="rId26"/>
+    <p:sldId id="306" r:id="rId27"/>
+    <p:sldId id="307" r:id="rId28"/>
+    <p:sldId id="327" r:id="rId29"/>
+    <p:sldId id="328" r:id="rId30"/>
+    <p:sldId id="329" r:id="rId31"/>
+    <p:sldId id="330" r:id="rId32"/>
+    <p:sldId id="309" r:id="rId33"/>
+    <p:sldId id="310" r:id="rId34"/>
+    <p:sldId id="331" r:id="rId35"/>
+    <p:sldId id="333" r:id="rId36"/>
+    <p:sldId id="334" r:id="rId37"/>
+    <p:sldId id="312" r:id="rId38"/>
+    <p:sldId id="280" r:id="rId39"/>
   </p:sldIdLst>
   <p:sldSz cx="12192000" cy="6858000"/>
   <p:notesSz cx="6858000" cy="9144000"/>
@@ -230,7 +237,7 @@
           <a:p>
             <a:fld id="{3E6E1E63-6347-BD4F-A808-7F54FA34CE72}" type="datetimeFigureOut">
               <a:rPr kumimoji="1" lang="zh-CN" altLang="en-US" smtClean="0"/>
-              <a:t>2017/11/12</a:t>
+              <a:t>2017/11/14</a:t>
             </a:fld>
             <a:endParaRPr kumimoji="1" lang="zh-CN" altLang="en-US"/>
           </a:p>
@@ -646,7 +653,7 @@
           <a:p>
             <a:fld id="{211EDE8F-5748-564A-B104-45C8D6344219}" type="slidenum">
               <a:rPr kumimoji="1" lang="zh-CN" altLang="en-US" smtClean="0"/>
-              <a:t>21</a:t>
+              <a:t>24</a:t>
             </a:fld>
             <a:endParaRPr kumimoji="1" lang="zh-CN" altLang="en-US"/>
           </a:p>
@@ -655,7 +662,7 @@
     </p:spTree>
     <p:extLst>
       <p:ext uri="{BB962C8B-B14F-4D97-AF65-F5344CB8AC3E}">
-        <p14:creationId xmlns:p14="http://schemas.microsoft.com/office/powerpoint/2010/main" val="344040454"/>
+        <p14:creationId xmlns:p14="http://schemas.microsoft.com/office/powerpoint/2010/main" val="1883049171"/>
       </p:ext>
     </p:extLst>
   </p:cSld>
@@ -730,7 +737,7 @@
           <a:p>
             <a:fld id="{211EDE8F-5748-564A-B104-45C8D6344219}" type="slidenum">
               <a:rPr kumimoji="1" lang="zh-CN" altLang="en-US" smtClean="0"/>
-              <a:t>22</a:t>
+              <a:t>26</a:t>
             </a:fld>
             <a:endParaRPr kumimoji="1" lang="zh-CN" altLang="en-US"/>
           </a:p>
@@ -739,7 +746,7 @@
     </p:spTree>
     <p:extLst>
       <p:ext uri="{BB962C8B-B14F-4D97-AF65-F5344CB8AC3E}">
-        <p14:creationId xmlns:p14="http://schemas.microsoft.com/office/powerpoint/2010/main" val="1170160750"/>
+        <p14:creationId xmlns:p14="http://schemas.microsoft.com/office/powerpoint/2010/main" val="3803033880"/>
       </p:ext>
     </p:extLst>
   </p:cSld>
@@ -814,7 +821,259 @@
           <a:p>
             <a:fld id="{211EDE8F-5748-564A-B104-45C8D6344219}" type="slidenum">
               <a:rPr kumimoji="1" lang="zh-CN" altLang="en-US" smtClean="0"/>
-              <a:t>23</a:t>
+              <a:t>27</a:t>
+            </a:fld>
+            <a:endParaRPr kumimoji="1" lang="zh-CN" altLang="en-US"/>
+          </a:p>
+        </p:txBody>
+      </p:sp>
+    </p:spTree>
+    <p:extLst>
+      <p:ext uri="{BB962C8B-B14F-4D97-AF65-F5344CB8AC3E}">
+        <p14:creationId xmlns:p14="http://schemas.microsoft.com/office/powerpoint/2010/main" val="89583146"/>
+      </p:ext>
+    </p:extLst>
+  </p:cSld>
+  <p:clrMapOvr>
+    <a:masterClrMapping/>
+  </p:clrMapOvr>
+</p:notes>
+</file>
+
+<file path=ppt/notesSlides/notesSlide13.xml><?xml version="1.0" encoding="utf-8"?>
+<p:notes xmlns:a="http://schemas.openxmlformats.org/drawingml/2006/main" xmlns:r="http://schemas.openxmlformats.org/officeDocument/2006/relationships" xmlns:p="http://schemas.openxmlformats.org/presentationml/2006/main">
+  <p:cSld>
+    <p:spTree>
+      <p:nvGrpSpPr>
+        <p:cNvPr id="1" name=""/>
+        <p:cNvGrpSpPr/>
+        <p:nvPr/>
+      </p:nvGrpSpPr>
+      <p:grpSpPr>
+        <a:xfrm>
+          <a:off x="0" y="0"/>
+          <a:ext cx="0" cy="0"/>
+          <a:chOff x="0" y="0"/>
+          <a:chExt cx="0" cy="0"/>
+        </a:xfrm>
+      </p:grpSpPr>
+      <p:sp>
+        <p:nvSpPr>
+          <p:cNvPr id="2" name="幻灯片图像占位符 1"/>
+          <p:cNvSpPr>
+            <a:spLocks noGrp="1" noRot="1" noChangeAspect="1"/>
+          </p:cNvSpPr>
+          <p:nvPr>
+            <p:ph type="sldImg"/>
+          </p:nvPr>
+        </p:nvSpPr>
+        <p:spPr/>
+      </p:sp>
+      <p:sp>
+        <p:nvSpPr>
+          <p:cNvPr id="3" name="备注占位符 2"/>
+          <p:cNvSpPr>
+            <a:spLocks noGrp="1"/>
+          </p:cNvSpPr>
+          <p:nvPr>
+            <p:ph type="body" idx="1"/>
+          </p:nvPr>
+        </p:nvSpPr>
+        <p:spPr/>
+        <p:txBody>
+          <a:bodyPr/>
+          <a:lstStyle/>
+          <a:p>
+            <a:endParaRPr lang="zh-CN" altLang="en-US" dirty="0"/>
+          </a:p>
+        </p:txBody>
+      </p:sp>
+      <p:sp>
+        <p:nvSpPr>
+          <p:cNvPr id="4" name="灯片编号占位符 3"/>
+          <p:cNvSpPr>
+            <a:spLocks noGrp="1"/>
+          </p:cNvSpPr>
+          <p:nvPr>
+            <p:ph type="sldNum" sz="quarter" idx="10"/>
+          </p:nvPr>
+        </p:nvSpPr>
+        <p:spPr/>
+        <p:txBody>
+          <a:bodyPr/>
+          <a:lstStyle/>
+          <a:p>
+            <a:fld id="{211EDE8F-5748-564A-B104-45C8D6344219}" type="slidenum">
+              <a:rPr kumimoji="1" lang="zh-CN" altLang="en-US" smtClean="0"/>
+              <a:t>28</a:t>
+            </a:fld>
+            <a:endParaRPr kumimoji="1" lang="zh-CN" altLang="en-US"/>
+          </a:p>
+        </p:txBody>
+      </p:sp>
+    </p:spTree>
+    <p:extLst>
+      <p:ext uri="{BB962C8B-B14F-4D97-AF65-F5344CB8AC3E}">
+        <p14:creationId xmlns:p14="http://schemas.microsoft.com/office/powerpoint/2010/main" val="344040454"/>
+      </p:ext>
+    </p:extLst>
+  </p:cSld>
+  <p:clrMapOvr>
+    <a:masterClrMapping/>
+  </p:clrMapOvr>
+</p:notes>
+</file>
+
+<file path=ppt/notesSlides/notesSlide14.xml><?xml version="1.0" encoding="utf-8"?>
+<p:notes xmlns:a="http://schemas.openxmlformats.org/drawingml/2006/main" xmlns:r="http://schemas.openxmlformats.org/officeDocument/2006/relationships" xmlns:p="http://schemas.openxmlformats.org/presentationml/2006/main">
+  <p:cSld>
+    <p:spTree>
+      <p:nvGrpSpPr>
+        <p:cNvPr id="1" name=""/>
+        <p:cNvGrpSpPr/>
+        <p:nvPr/>
+      </p:nvGrpSpPr>
+      <p:grpSpPr>
+        <a:xfrm>
+          <a:off x="0" y="0"/>
+          <a:ext cx="0" cy="0"/>
+          <a:chOff x="0" y="0"/>
+          <a:chExt cx="0" cy="0"/>
+        </a:xfrm>
+      </p:grpSpPr>
+      <p:sp>
+        <p:nvSpPr>
+          <p:cNvPr id="2" name="幻灯片图像占位符 1"/>
+          <p:cNvSpPr>
+            <a:spLocks noGrp="1" noRot="1" noChangeAspect="1"/>
+          </p:cNvSpPr>
+          <p:nvPr>
+            <p:ph type="sldImg"/>
+          </p:nvPr>
+        </p:nvSpPr>
+        <p:spPr/>
+      </p:sp>
+      <p:sp>
+        <p:nvSpPr>
+          <p:cNvPr id="3" name="备注占位符 2"/>
+          <p:cNvSpPr>
+            <a:spLocks noGrp="1"/>
+          </p:cNvSpPr>
+          <p:nvPr>
+            <p:ph type="body" idx="1"/>
+          </p:nvPr>
+        </p:nvSpPr>
+        <p:spPr/>
+        <p:txBody>
+          <a:bodyPr/>
+          <a:lstStyle/>
+          <a:p>
+            <a:endParaRPr lang="zh-CN" altLang="en-US" dirty="0"/>
+          </a:p>
+        </p:txBody>
+      </p:sp>
+      <p:sp>
+        <p:nvSpPr>
+          <p:cNvPr id="4" name="灯片编号占位符 3"/>
+          <p:cNvSpPr>
+            <a:spLocks noGrp="1"/>
+          </p:cNvSpPr>
+          <p:nvPr>
+            <p:ph type="sldNum" sz="quarter" idx="10"/>
+          </p:nvPr>
+        </p:nvSpPr>
+        <p:spPr/>
+        <p:txBody>
+          <a:bodyPr/>
+          <a:lstStyle/>
+          <a:p>
+            <a:fld id="{211EDE8F-5748-564A-B104-45C8D6344219}" type="slidenum">
+              <a:rPr kumimoji="1" lang="zh-CN" altLang="en-US" smtClean="0"/>
+              <a:t>29</a:t>
+            </a:fld>
+            <a:endParaRPr kumimoji="1" lang="zh-CN" altLang="en-US"/>
+          </a:p>
+        </p:txBody>
+      </p:sp>
+    </p:spTree>
+    <p:extLst>
+      <p:ext uri="{BB962C8B-B14F-4D97-AF65-F5344CB8AC3E}">
+        <p14:creationId xmlns:p14="http://schemas.microsoft.com/office/powerpoint/2010/main" val="1170160750"/>
+      </p:ext>
+    </p:extLst>
+  </p:cSld>
+  <p:clrMapOvr>
+    <a:masterClrMapping/>
+  </p:clrMapOvr>
+</p:notes>
+</file>
+
+<file path=ppt/notesSlides/notesSlide15.xml><?xml version="1.0" encoding="utf-8"?>
+<p:notes xmlns:a="http://schemas.openxmlformats.org/drawingml/2006/main" xmlns:r="http://schemas.openxmlformats.org/officeDocument/2006/relationships" xmlns:p="http://schemas.openxmlformats.org/presentationml/2006/main">
+  <p:cSld>
+    <p:spTree>
+      <p:nvGrpSpPr>
+        <p:cNvPr id="1" name=""/>
+        <p:cNvGrpSpPr/>
+        <p:nvPr/>
+      </p:nvGrpSpPr>
+      <p:grpSpPr>
+        <a:xfrm>
+          <a:off x="0" y="0"/>
+          <a:ext cx="0" cy="0"/>
+          <a:chOff x="0" y="0"/>
+          <a:chExt cx="0" cy="0"/>
+        </a:xfrm>
+      </p:grpSpPr>
+      <p:sp>
+        <p:nvSpPr>
+          <p:cNvPr id="2" name="幻灯片图像占位符 1"/>
+          <p:cNvSpPr>
+            <a:spLocks noGrp="1" noRot="1" noChangeAspect="1"/>
+          </p:cNvSpPr>
+          <p:nvPr>
+            <p:ph type="sldImg"/>
+          </p:nvPr>
+        </p:nvSpPr>
+        <p:spPr/>
+      </p:sp>
+      <p:sp>
+        <p:nvSpPr>
+          <p:cNvPr id="3" name="备注占位符 2"/>
+          <p:cNvSpPr>
+            <a:spLocks noGrp="1"/>
+          </p:cNvSpPr>
+          <p:nvPr>
+            <p:ph type="body" idx="1"/>
+          </p:nvPr>
+        </p:nvSpPr>
+        <p:spPr/>
+        <p:txBody>
+          <a:bodyPr/>
+          <a:lstStyle/>
+          <a:p>
+            <a:endParaRPr lang="zh-CN" altLang="en-US" dirty="0"/>
+          </a:p>
+        </p:txBody>
+      </p:sp>
+      <p:sp>
+        <p:nvSpPr>
+          <p:cNvPr id="4" name="灯片编号占位符 3"/>
+          <p:cNvSpPr>
+            <a:spLocks noGrp="1"/>
+          </p:cNvSpPr>
+          <p:nvPr>
+            <p:ph type="sldNum" sz="quarter" idx="10"/>
+          </p:nvPr>
+        </p:nvSpPr>
+        <p:spPr/>
+        <p:txBody>
+          <a:bodyPr/>
+          <a:lstStyle/>
+          <a:p>
+            <a:fld id="{211EDE8F-5748-564A-B104-45C8D6344219}" type="slidenum">
+              <a:rPr kumimoji="1" lang="zh-CN" altLang="en-US" smtClean="0"/>
+              <a:t>30</a:t>
             </a:fld>
             <a:endParaRPr kumimoji="1" lang="zh-CN" altLang="en-US"/>
           </a:p>
@@ -982,7 +1241,7 @@
           <a:p>
             <a:fld id="{211EDE8F-5748-564A-B104-45C8D6344219}" type="slidenum">
               <a:rPr kumimoji="1" lang="zh-CN" altLang="en-US" smtClean="0"/>
-              <a:t>13</a:t>
+              <a:t>17</a:t>
             </a:fld>
             <a:endParaRPr kumimoji="1" lang="zh-CN" altLang="en-US"/>
           </a:p>
@@ -1066,7 +1325,7 @@
           <a:p>
             <a:fld id="{211EDE8F-5748-564A-B104-45C8D6344219}" type="slidenum">
               <a:rPr kumimoji="1" lang="zh-CN" altLang="en-US" smtClean="0"/>
-              <a:t>14</a:t>
+              <a:t>18</a:t>
             </a:fld>
             <a:endParaRPr kumimoji="1" lang="zh-CN" altLang="en-US"/>
           </a:p>
@@ -1150,7 +1409,7 @@
           <a:p>
             <a:fld id="{211EDE8F-5748-564A-B104-45C8D6344219}" type="slidenum">
               <a:rPr kumimoji="1" lang="zh-CN" altLang="en-US" smtClean="0"/>
-              <a:t>15</a:t>
+              <a:t>19</a:t>
             </a:fld>
             <a:endParaRPr kumimoji="1" lang="zh-CN" altLang="en-US"/>
           </a:p>
@@ -1234,7 +1493,7 @@
           <a:p>
             <a:fld id="{211EDE8F-5748-564A-B104-45C8D6344219}" type="slidenum">
               <a:rPr kumimoji="1" lang="zh-CN" altLang="en-US" smtClean="0"/>
-              <a:t>16</a:t>
+              <a:t>20</a:t>
             </a:fld>
             <a:endParaRPr kumimoji="1" lang="zh-CN" altLang="en-US"/>
           </a:p>
@@ -1318,7 +1577,7 @@
           <a:p>
             <a:fld id="{211EDE8F-5748-564A-B104-45C8D6344219}" type="slidenum">
               <a:rPr kumimoji="1" lang="zh-CN" altLang="en-US" smtClean="0"/>
-              <a:t>17</a:t>
+              <a:t>21</a:t>
             </a:fld>
             <a:endParaRPr kumimoji="1" lang="zh-CN" altLang="en-US"/>
           </a:p>
@@ -1327,7 +1586,7 @@
     </p:spTree>
     <p:extLst>
       <p:ext uri="{BB962C8B-B14F-4D97-AF65-F5344CB8AC3E}">
-        <p14:creationId xmlns:p14="http://schemas.microsoft.com/office/powerpoint/2010/main" val="1695466914"/>
+        <p14:creationId xmlns:p14="http://schemas.microsoft.com/office/powerpoint/2010/main" val="1382493682"/>
       </p:ext>
     </p:extLst>
   </p:cSld>
@@ -1402,7 +1661,7 @@
           <a:p>
             <a:fld id="{211EDE8F-5748-564A-B104-45C8D6344219}" type="slidenum">
               <a:rPr kumimoji="1" lang="zh-CN" altLang="en-US" smtClean="0"/>
-              <a:t>19</a:t>
+              <a:t>22</a:t>
             </a:fld>
             <a:endParaRPr kumimoji="1" lang="zh-CN" altLang="en-US"/>
           </a:p>
@@ -1411,7 +1670,7 @@
     </p:spTree>
     <p:extLst>
       <p:ext uri="{BB962C8B-B14F-4D97-AF65-F5344CB8AC3E}">
-        <p14:creationId xmlns:p14="http://schemas.microsoft.com/office/powerpoint/2010/main" val="3803033880"/>
+        <p14:creationId xmlns:p14="http://schemas.microsoft.com/office/powerpoint/2010/main" val="1695466914"/>
       </p:ext>
     </p:extLst>
   </p:cSld>
@@ -1486,7 +1745,7 @@
           <a:p>
             <a:fld id="{211EDE8F-5748-564A-B104-45C8D6344219}" type="slidenum">
               <a:rPr kumimoji="1" lang="zh-CN" altLang="en-US" smtClean="0"/>
-              <a:t>20</a:t>
+              <a:t>23</a:t>
             </a:fld>
             <a:endParaRPr kumimoji="1" lang="zh-CN" altLang="en-US"/>
           </a:p>
@@ -1495,7 +1754,7 @@
     </p:spTree>
     <p:extLst>
       <p:ext uri="{BB962C8B-B14F-4D97-AF65-F5344CB8AC3E}">
-        <p14:creationId xmlns:p14="http://schemas.microsoft.com/office/powerpoint/2010/main" val="89583146"/>
+        <p14:creationId xmlns:p14="http://schemas.microsoft.com/office/powerpoint/2010/main" val="1534260427"/>
       </p:ext>
     </p:extLst>
   </p:cSld>
@@ -11497,8 +11756,8 @@
         </p:nvSpPr>
         <p:spPr>
           <a:xfrm>
-            <a:off x="970383" y="1305240"/>
-            <a:ext cx="10419106" cy="4221990"/>
+            <a:off x="-1" y="1085321"/>
+            <a:ext cx="2419109" cy="731290"/>
           </a:xfrm>
           <a:prstGeom prst="rect">
             <a:avLst/>
@@ -11522,328 +11781,12 @@
               </a:spcAft>
             </a:pPr>
             <a:r>
-              <a:rPr lang="en-US" altLang="zh-CN" sz="2400" b="1" kern="100" dirty="0">
-                <a:latin typeface="DengXian Light" charset="-122"/>
-                <a:ea typeface="DengXian Light" charset="-122"/>
-                <a:cs typeface="Times New Roman" charset="0"/>
-              </a:rPr>
-              <a:t>2.3</a:t>
-            </a:r>
-            <a:r>
-              <a:rPr lang="zh-CN" altLang="zh-CN" sz="2400" b="1" kern="100" dirty="0" smtClean="0">
-                <a:latin typeface="DengXian Light" charset="-122"/>
-                <a:ea typeface="DengXian Light" charset="-122"/>
-                <a:cs typeface="Times New Roman" charset="0"/>
-              </a:rPr>
-              <a:t>用户</a:t>
-            </a:r>
-            <a:r>
               <a:rPr lang="zh-CN" altLang="en-US" sz="2400" b="1" kern="100" dirty="0" smtClean="0">
                 <a:latin typeface="DengXian Light" charset="-122"/>
                 <a:ea typeface="DengXian Light" charset="-122"/>
                 <a:cs typeface="Times New Roman" charset="0"/>
               </a:rPr>
-              <a:t>类型及</a:t>
-            </a:r>
-            <a:r>
-              <a:rPr lang="zh-CN" altLang="zh-CN" sz="2400" b="1" kern="100" dirty="0" smtClean="0">
-                <a:latin typeface="DengXian Light" charset="-122"/>
-                <a:ea typeface="DengXian Light" charset="-122"/>
-                <a:cs typeface="Times New Roman" charset="0"/>
-              </a:rPr>
-              <a:t>特点</a:t>
-            </a:r>
-            <a:endParaRPr lang="zh-CN" altLang="zh-CN" sz="2400" b="1" kern="100" dirty="0">
-              <a:latin typeface="DengXian Light" charset="-122"/>
-              <a:ea typeface="DengXian Light" charset="-122"/>
-              <a:cs typeface="Times New Roman" charset="0"/>
-            </a:endParaRPr>
-          </a:p>
-          <a:p>
-            <a:pPr algn="just">
-              <a:spcAft>
-                <a:spcPts val="0"/>
-              </a:spcAft>
-            </a:pPr>
-            <a:r>
-              <a:rPr lang="en-US" altLang="zh-CN" kern="100" dirty="0" smtClean="0">
-                <a:latin typeface="DengXian" charset="-122"/>
-                <a:ea typeface="DengXian" charset="-122"/>
-                <a:cs typeface="Times New Roman" charset="0"/>
-              </a:rPr>
-              <a:t>1</a:t>
-            </a:r>
-            <a:r>
-              <a:rPr lang="en-US" altLang="zh-CN" kern="100" dirty="0">
-                <a:latin typeface="DengXian" charset="-122"/>
-                <a:ea typeface="DengXian" charset="-122"/>
-                <a:cs typeface="Times New Roman" charset="0"/>
-              </a:rPr>
-              <a:t>:</a:t>
-            </a:r>
-            <a:r>
-              <a:rPr lang="zh-CN" altLang="zh-CN" kern="100" dirty="0">
-                <a:latin typeface="DengXian" charset="-122"/>
-                <a:ea typeface="DengXian" charset="-122"/>
-                <a:cs typeface="Times New Roman" charset="0"/>
-              </a:rPr>
-              <a:t>城院</a:t>
-            </a:r>
-            <a:r>
-              <a:rPr lang="zh-CN" altLang="zh-CN" kern="100" dirty="0" smtClean="0">
-                <a:latin typeface="DengXian" charset="-122"/>
-                <a:ea typeface="DengXian" charset="-122"/>
-                <a:cs typeface="Times New Roman" charset="0"/>
-              </a:rPr>
-              <a:t>学生</a:t>
-            </a:r>
-            <a:r>
-              <a:rPr lang="zh-CN" altLang="en-US" kern="100" dirty="0" smtClean="0">
-                <a:latin typeface="DengXian" charset="-122"/>
-                <a:ea typeface="DengXian" charset="-122"/>
-                <a:cs typeface="Times New Roman" charset="0"/>
-              </a:rPr>
-              <a:t>：</a:t>
-            </a:r>
-            <a:endParaRPr lang="en-US" altLang="zh-CN" kern="100" dirty="0" smtClean="0">
-              <a:latin typeface="DengXian" charset="-122"/>
-              <a:ea typeface="DengXian" charset="-122"/>
-              <a:cs typeface="Times New Roman" charset="0"/>
-            </a:endParaRPr>
-          </a:p>
-          <a:p>
-            <a:pPr algn="just">
-              <a:spcAft>
-                <a:spcPts val="0"/>
-              </a:spcAft>
-            </a:pPr>
-            <a:r>
-              <a:rPr lang="zh-CN" altLang="zh-CN" kern="100" dirty="0" smtClean="0">
-                <a:latin typeface="DengXian" charset="-122"/>
-                <a:ea typeface="DengXian" charset="-122"/>
-                <a:cs typeface="Times New Roman" charset="0"/>
-              </a:rPr>
-              <a:t>该</a:t>
-            </a:r>
-            <a:r>
-              <a:rPr lang="zh-CN" altLang="zh-CN" kern="100" dirty="0">
-                <a:latin typeface="DengXian" charset="-122"/>
-                <a:ea typeface="DengXian" charset="-122"/>
-                <a:cs typeface="Times New Roman" charset="0"/>
-              </a:rPr>
-              <a:t>群体接受能力强，并且熟练使用智能手机。该群体是本产品的主要使用者。城院学生在学习生活中会参加大量的学生活动，但是缺乏一个便于申请的平台，所以为满足该群体的需求，我们针对该群体进行设计开发我们的产品</a:t>
-            </a:r>
-            <a:r>
-              <a:rPr lang="zh-CN" altLang="zh-CN" kern="100" dirty="0" smtClean="0">
-                <a:latin typeface="DengXian" charset="-122"/>
-                <a:ea typeface="DengXian" charset="-122"/>
-                <a:cs typeface="Times New Roman" charset="0"/>
-              </a:rPr>
-              <a:t>。</a:t>
-            </a:r>
-            <a:endParaRPr lang="en-US" altLang="zh-CN" kern="100" dirty="0" smtClean="0">
-              <a:latin typeface="DengXian" charset="-122"/>
-              <a:ea typeface="DengXian" charset="-122"/>
-              <a:cs typeface="Times New Roman" charset="0"/>
-            </a:endParaRPr>
-          </a:p>
-          <a:p>
-            <a:pPr algn="just"/>
-            <a:r>
-              <a:rPr lang="zh-CN" altLang="zh-CN" dirty="0">
-                <a:latin typeface="DengXian" charset="-122"/>
-                <a:ea typeface="DengXian" charset="-122"/>
-                <a:cs typeface="DengXian" charset="-122"/>
-              </a:rPr>
-              <a:t>用户代表：钱金港。该同学在学生组织任职多年，了解学生活动</a:t>
-            </a:r>
-            <a:r>
-              <a:rPr lang="zh-CN" altLang="zh-CN" dirty="0" smtClean="0">
-                <a:latin typeface="DengXian" charset="-122"/>
-                <a:ea typeface="DengXian" charset="-122"/>
-                <a:cs typeface="DengXian" charset="-122"/>
-              </a:rPr>
-              <a:t>。</a:t>
-            </a:r>
-            <a:endParaRPr lang="en-US" altLang="zh-CN" dirty="0" smtClean="0">
-              <a:latin typeface="DengXian" charset="-122"/>
-              <a:ea typeface="DengXian" charset="-122"/>
-              <a:cs typeface="DengXian" charset="-122"/>
-            </a:endParaRPr>
-          </a:p>
-          <a:p>
-            <a:pPr algn="just"/>
-            <a:endParaRPr lang="zh-CN" altLang="zh-CN" kern="100" dirty="0">
-              <a:latin typeface="DengXian" charset="-122"/>
-              <a:ea typeface="DengXian" charset="-122"/>
-              <a:cs typeface="Times New Roman" charset="0"/>
-            </a:endParaRPr>
-          </a:p>
-          <a:p>
-            <a:pPr algn="just">
-              <a:spcAft>
-                <a:spcPts val="0"/>
-              </a:spcAft>
-            </a:pPr>
-            <a:r>
-              <a:rPr lang="en-US" altLang="zh-CN" kern="100" dirty="0">
-                <a:latin typeface="DengXian" charset="-122"/>
-                <a:ea typeface="DengXian" charset="-122"/>
-                <a:cs typeface="Times New Roman" charset="0"/>
-              </a:rPr>
-              <a:t>2:</a:t>
-            </a:r>
-            <a:r>
-              <a:rPr lang="zh-CN" altLang="zh-CN" kern="100" dirty="0">
-                <a:latin typeface="DengXian" charset="-122"/>
-                <a:ea typeface="DengXian" charset="-122"/>
-                <a:cs typeface="Times New Roman" charset="0"/>
-              </a:rPr>
-              <a:t>城院</a:t>
-            </a:r>
-            <a:r>
-              <a:rPr lang="zh-CN" altLang="zh-CN" kern="100" dirty="0" smtClean="0">
-                <a:latin typeface="DengXian" charset="-122"/>
-                <a:ea typeface="DengXian" charset="-122"/>
-                <a:cs typeface="Times New Roman" charset="0"/>
-              </a:rPr>
-              <a:t>教师</a:t>
-            </a:r>
-            <a:r>
-              <a:rPr lang="zh-CN" altLang="en-US" kern="100" dirty="0" smtClean="0">
-                <a:latin typeface="DengXian" charset="-122"/>
-                <a:ea typeface="DengXian" charset="-122"/>
-                <a:cs typeface="Times New Roman" charset="0"/>
-              </a:rPr>
-              <a:t>：</a:t>
-            </a:r>
-            <a:endParaRPr lang="en-US" altLang="zh-CN" kern="100" dirty="0" smtClean="0">
-              <a:latin typeface="DengXian" charset="-122"/>
-              <a:ea typeface="DengXian" charset="-122"/>
-              <a:cs typeface="Times New Roman" charset="0"/>
-            </a:endParaRPr>
-          </a:p>
-          <a:p>
-            <a:pPr algn="just">
-              <a:spcAft>
-                <a:spcPts val="0"/>
-              </a:spcAft>
-            </a:pPr>
-            <a:r>
-              <a:rPr lang="zh-CN" altLang="zh-CN" kern="100" dirty="0" smtClean="0">
-                <a:latin typeface="DengXian" charset="-122"/>
-                <a:ea typeface="DengXian" charset="-122"/>
-                <a:cs typeface="Times New Roman" charset="0"/>
-              </a:rPr>
-              <a:t>由于</a:t>
-            </a:r>
-            <a:r>
-              <a:rPr lang="zh-CN" altLang="zh-CN" kern="100" dirty="0">
-                <a:latin typeface="DengXian" charset="-122"/>
-                <a:ea typeface="DengXian" charset="-122"/>
-                <a:cs typeface="Times New Roman" charset="0"/>
-              </a:rPr>
-              <a:t>城院学生活动主要由教师进行审批通过，该群体也是我们产品的主要用户。该群体对智能手机的使用有一定的了解。进行一定的指导之后就能熟练使用</a:t>
-            </a:r>
-            <a:r>
-              <a:rPr lang="zh-CN" altLang="zh-CN" kern="100" dirty="0" smtClean="0">
-                <a:latin typeface="DengXian" charset="-122"/>
-                <a:ea typeface="DengXian" charset="-122"/>
-                <a:cs typeface="Times New Roman" charset="0"/>
-              </a:rPr>
-              <a:t>。</a:t>
-            </a:r>
-            <a:endParaRPr lang="en-US" altLang="zh-CN" kern="100" dirty="0" smtClean="0">
-              <a:latin typeface="DengXian" charset="-122"/>
-              <a:ea typeface="DengXian" charset="-122"/>
-              <a:cs typeface="Times New Roman" charset="0"/>
-            </a:endParaRPr>
-          </a:p>
-          <a:p>
-            <a:pPr algn="just">
-              <a:spcAft>
-                <a:spcPts val="0"/>
-              </a:spcAft>
-            </a:pPr>
-            <a:r>
-              <a:rPr lang="zh-CN" altLang="en-US" kern="100" dirty="0" smtClean="0">
-                <a:latin typeface="DengXian" charset="-122"/>
-                <a:ea typeface="DengXian" charset="-122"/>
-                <a:cs typeface="Times New Roman" charset="0"/>
-              </a:rPr>
-              <a:t>用户代表：杨枨老师</a:t>
-            </a:r>
-            <a:endParaRPr lang="en-US" altLang="zh-CN" kern="100" dirty="0" smtClean="0">
-              <a:latin typeface="DengXian" charset="-122"/>
-              <a:ea typeface="DengXian" charset="-122"/>
-              <a:cs typeface="Times New Roman" charset="0"/>
-            </a:endParaRPr>
-          </a:p>
-          <a:p>
-            <a:pPr algn="just">
-              <a:spcAft>
-                <a:spcPts val="0"/>
-              </a:spcAft>
-            </a:pPr>
-            <a:endParaRPr lang="zh-CN" altLang="zh-CN" kern="100" dirty="0">
-              <a:latin typeface="DengXian" charset="-122"/>
-              <a:ea typeface="DengXian" charset="-122"/>
-              <a:cs typeface="Times New Roman" charset="0"/>
-            </a:endParaRPr>
-          </a:p>
-          <a:p>
-            <a:pPr algn="just">
-              <a:spcAft>
-                <a:spcPts val="0"/>
-              </a:spcAft>
-            </a:pPr>
-            <a:r>
-              <a:rPr lang="en-US" altLang="zh-CN" kern="100" dirty="0">
-                <a:latin typeface="DengXian" charset="-122"/>
-                <a:ea typeface="DengXian" charset="-122"/>
-                <a:cs typeface="Times New Roman" charset="0"/>
-              </a:rPr>
-              <a:t>3:</a:t>
-            </a:r>
-            <a:r>
-              <a:rPr lang="zh-CN" altLang="zh-CN" kern="100" dirty="0">
-                <a:latin typeface="DengXian" charset="-122"/>
-                <a:ea typeface="DengXian" charset="-122"/>
-                <a:cs typeface="Times New Roman" charset="0"/>
-              </a:rPr>
-              <a:t>杨枨</a:t>
-            </a:r>
-            <a:r>
-              <a:rPr lang="zh-CN" altLang="zh-CN" kern="100" dirty="0" smtClean="0">
-                <a:latin typeface="DengXian" charset="-122"/>
-                <a:ea typeface="DengXian" charset="-122"/>
-                <a:cs typeface="Times New Roman" charset="0"/>
-              </a:rPr>
-              <a:t>老师</a:t>
-            </a:r>
-            <a:r>
-              <a:rPr lang="zh-CN" altLang="en-US" kern="100" dirty="0" smtClean="0">
-                <a:latin typeface="DengXian" charset="-122"/>
-                <a:ea typeface="DengXian" charset="-122"/>
-                <a:cs typeface="Times New Roman" charset="0"/>
-              </a:rPr>
-              <a:t>：</a:t>
-            </a:r>
-            <a:r>
-              <a:rPr lang="zh-CN" altLang="zh-CN" kern="100" dirty="0" smtClean="0">
-                <a:latin typeface="DengXian" charset="-122"/>
-                <a:ea typeface="DengXian" charset="-122"/>
-                <a:cs typeface="Times New Roman" charset="0"/>
-              </a:rPr>
-              <a:t>杨枨</a:t>
-            </a:r>
-            <a:r>
-              <a:rPr lang="zh-CN" altLang="zh-CN" kern="100" dirty="0">
-                <a:latin typeface="DengXian" charset="-122"/>
-                <a:ea typeface="DengXian" charset="-122"/>
-                <a:cs typeface="Times New Roman" charset="0"/>
-              </a:rPr>
-              <a:t>老师作为课程教师，也是产品用户。</a:t>
+              <a:t>用户访谈问题</a:t>
             </a:r>
             <a:endParaRPr lang="zh-CN" altLang="zh-CN" kern="100" dirty="0">
               <a:effectLst/>
@@ -11854,10 +11797,70 @@
           </a:p>
         </p:txBody>
       </p:sp>
+      <p:pic>
+        <p:nvPicPr>
+          <p:cNvPr id="8" name="图片 7"/>
+          <p:cNvPicPr>
+            <a:picLocks noChangeAspect="1"/>
+          </p:cNvPicPr>
+          <p:nvPr/>
+        </p:nvPicPr>
+        <p:blipFill>
+          <a:blip r:embed="rId3">
+            <a:extLst>
+              <a:ext uri="{28A0092B-C50C-407E-A947-70E740481C1C}">
+                <a14:useLocalDpi xmlns:a14="http://schemas.microsoft.com/office/drawing/2010/main" val="0"/>
+              </a:ext>
+            </a:extLst>
+          </a:blip>
+          <a:stretch>
+            <a:fillRect/>
+          </a:stretch>
+        </p:blipFill>
+        <p:spPr>
+          <a:xfrm>
+            <a:off x="2671028" y="550118"/>
+            <a:ext cx="4724400" cy="5410200"/>
+          </a:xfrm>
+          <a:prstGeom prst="rect">
+            <a:avLst/>
+          </a:prstGeom>
+        </p:spPr>
+      </p:pic>
+      <p:pic>
+        <p:nvPicPr>
+          <p:cNvPr id="9" name="图片 8"/>
+          <p:cNvPicPr>
+            <a:picLocks noChangeAspect="1"/>
+          </p:cNvPicPr>
+          <p:nvPr/>
+        </p:nvPicPr>
+        <p:blipFill>
+          <a:blip r:embed="rId4">
+            <a:extLst>
+              <a:ext uri="{28A0092B-C50C-407E-A947-70E740481C1C}">
+                <a14:useLocalDpi xmlns:a14="http://schemas.microsoft.com/office/drawing/2010/main" val="0"/>
+              </a:ext>
+            </a:extLst>
+          </a:blip>
+          <a:stretch>
+            <a:fillRect/>
+          </a:stretch>
+        </p:blipFill>
+        <p:spPr>
+          <a:xfrm>
+            <a:off x="7293727" y="2204170"/>
+            <a:ext cx="4732020" cy="2606040"/>
+          </a:xfrm>
+          <a:prstGeom prst="rect">
+            <a:avLst/>
+          </a:prstGeom>
+        </p:spPr>
+      </p:pic>
     </p:spTree>
     <p:extLst>
       <p:ext uri="{BB962C8B-B14F-4D97-AF65-F5344CB8AC3E}">
-        <p14:creationId xmlns:p14="http://schemas.microsoft.com/office/powerpoint/2010/main" val="1254770814"/>
+        <p14:creationId xmlns:p14="http://schemas.microsoft.com/office/powerpoint/2010/main" val="1523297432"/>
       </p:ext>
     </p:extLst>
   </p:cSld>
@@ -11875,6 +11878,1244 @@
 </file>
 
 <file path=ppt/slides/slide11.xml><?xml version="1.0" encoding="utf-8"?>
+<p:sld xmlns:a="http://schemas.openxmlformats.org/drawingml/2006/main" xmlns:r="http://schemas.openxmlformats.org/officeDocument/2006/relationships" xmlns:p="http://schemas.openxmlformats.org/presentationml/2006/main">
+  <p:cSld>
+    <p:spTree>
+      <p:nvGrpSpPr>
+        <p:cNvPr id="1" name=""/>
+        <p:cNvGrpSpPr/>
+        <p:nvPr/>
+      </p:nvGrpSpPr>
+      <p:grpSpPr>
+        <a:xfrm>
+          <a:off x="0" y="0"/>
+          <a:ext cx="0" cy="0"/>
+          <a:chOff x="0" y="0"/>
+          <a:chExt cx="0" cy="0"/>
+        </a:xfrm>
+      </p:grpSpPr>
+      <p:sp>
+        <p:nvSpPr>
+          <p:cNvPr id="2" name="文本占位符 1"/>
+          <p:cNvSpPr>
+            <a:spLocks noGrp="1"/>
+          </p:cNvSpPr>
+          <p:nvPr>
+            <p:ph type="body" sz="quarter" idx="12"/>
+          </p:nvPr>
+        </p:nvSpPr>
+        <p:spPr/>
+        <p:txBody>
+          <a:bodyPr/>
+          <a:lstStyle/>
+          <a:p>
+            <a:r>
+              <a:rPr kumimoji="1" lang="en-US" altLang="zh-CN" dirty="0" smtClean="0"/>
+              <a:t>02</a:t>
+            </a:r>
+            <a:endParaRPr kumimoji="1" lang="zh-CN" altLang="en-US" dirty="0"/>
+          </a:p>
+        </p:txBody>
+      </p:sp>
+      <p:sp>
+        <p:nvSpPr>
+          <p:cNvPr id="3" name="文本占位符 2"/>
+          <p:cNvSpPr>
+            <a:spLocks noGrp="1"/>
+          </p:cNvSpPr>
+          <p:nvPr>
+            <p:ph type="body" sz="quarter" idx="13"/>
+          </p:nvPr>
+        </p:nvSpPr>
+        <p:spPr/>
+        <p:txBody>
+          <a:bodyPr/>
+          <a:lstStyle/>
+          <a:p>
+            <a:r>
+              <a:rPr kumimoji="1" lang="zh-CN" altLang="en-US" dirty="0" smtClean="0"/>
+              <a:t>需求概述</a:t>
+            </a:r>
+            <a:endParaRPr kumimoji="1" lang="zh-CN" altLang="en-US" dirty="0"/>
+          </a:p>
+        </p:txBody>
+      </p:sp>
+      <p:pic>
+        <p:nvPicPr>
+          <p:cNvPr id="5" name="图片 4"/>
+          <p:cNvPicPr>
+            <a:picLocks noChangeAspect="1"/>
+          </p:cNvPicPr>
+          <p:nvPr/>
+        </p:nvPicPr>
+        <p:blipFill>
+          <a:blip r:embed="rId2">
+            <a:extLst>
+              <a:ext uri="{28A0092B-C50C-407E-A947-70E740481C1C}">
+                <a14:useLocalDpi xmlns:a14="http://schemas.microsoft.com/office/drawing/2010/main" val="0"/>
+              </a:ext>
+            </a:extLst>
+          </a:blip>
+          <a:stretch>
+            <a:fillRect/>
+          </a:stretch>
+        </p:blipFill>
+        <p:spPr>
+          <a:xfrm>
+            <a:off x="9781311" y="162538"/>
+            <a:ext cx="2244436" cy="713763"/>
+          </a:xfrm>
+          <a:prstGeom prst="rect">
+            <a:avLst/>
+          </a:prstGeom>
+        </p:spPr>
+      </p:pic>
+      <p:sp>
+        <p:nvSpPr>
+          <p:cNvPr id="4" name="矩形 3"/>
+          <p:cNvSpPr/>
+          <p:nvPr/>
+        </p:nvSpPr>
+        <p:spPr>
+          <a:xfrm>
+            <a:off x="1110083" y="763885"/>
+            <a:ext cx="10419106" cy="653769"/>
+          </a:xfrm>
+          <a:prstGeom prst="rect">
+            <a:avLst/>
+          </a:prstGeom>
+        </p:spPr>
+        <p:txBody>
+          <a:bodyPr wrap="square">
+            <a:spAutoFit/>
+          </a:bodyPr>
+          <a:lstStyle/>
+          <a:p>
+            <a:pPr algn="just">
+              <a:lnSpc>
+                <a:spcPct val="173000"/>
+              </a:lnSpc>
+              <a:spcBef>
+                <a:spcPts val="1300"/>
+              </a:spcBef>
+              <a:spcAft>
+                <a:spcPts val="1300"/>
+              </a:spcAft>
+            </a:pPr>
+            <a:r>
+              <a:rPr lang="zh-CN" altLang="en-US" sz="2400" b="1" kern="100" dirty="0" smtClean="0">
+                <a:latin typeface="DengXian Light" charset="-122"/>
+                <a:ea typeface="DengXian Light" charset="-122"/>
+                <a:cs typeface="Times New Roman" charset="0"/>
+              </a:rPr>
+              <a:t>数据分析</a:t>
+            </a:r>
+            <a:endParaRPr lang="zh-CN" altLang="zh-CN" kern="100" dirty="0">
+              <a:effectLst/>
+              <a:latin typeface="DengXian" charset="-122"/>
+              <a:ea typeface="DengXian" charset="-122"/>
+              <a:cs typeface="Times New Roman" charset="0"/>
+            </a:endParaRPr>
+          </a:p>
+        </p:txBody>
+      </p:sp>
+      <p:pic>
+        <p:nvPicPr>
+          <p:cNvPr id="6" name="图片 5"/>
+          <p:cNvPicPr>
+            <a:picLocks noChangeAspect="1"/>
+          </p:cNvPicPr>
+          <p:nvPr/>
+        </p:nvPicPr>
+        <p:blipFill>
+          <a:blip r:embed="rId3">
+            <a:extLst>
+              <a:ext uri="{28A0092B-C50C-407E-A947-70E740481C1C}">
+                <a14:useLocalDpi xmlns:a14="http://schemas.microsoft.com/office/drawing/2010/main" val="0"/>
+              </a:ext>
+            </a:extLst>
+          </a:blip>
+          <a:stretch>
+            <a:fillRect/>
+          </a:stretch>
+        </p:blipFill>
+        <p:spPr>
+          <a:xfrm>
+            <a:off x="7859368" y="3126718"/>
+            <a:ext cx="4152900" cy="2720340"/>
+          </a:xfrm>
+          <a:prstGeom prst="rect">
+            <a:avLst/>
+          </a:prstGeom>
+        </p:spPr>
+      </p:pic>
+      <p:pic>
+        <p:nvPicPr>
+          <p:cNvPr id="7" name="图片 6"/>
+          <p:cNvPicPr>
+            <a:picLocks noChangeAspect="1"/>
+          </p:cNvPicPr>
+          <p:nvPr/>
+        </p:nvPicPr>
+        <p:blipFill>
+          <a:blip r:embed="rId4">
+            <a:extLst>
+              <a:ext uri="{28A0092B-C50C-407E-A947-70E740481C1C}">
+                <a14:useLocalDpi xmlns:a14="http://schemas.microsoft.com/office/drawing/2010/main" val="0"/>
+              </a:ext>
+            </a:extLst>
+          </a:blip>
+          <a:stretch>
+            <a:fillRect/>
+          </a:stretch>
+        </p:blipFill>
+        <p:spPr>
+          <a:xfrm>
+            <a:off x="657721" y="1640186"/>
+            <a:ext cx="6675120" cy="2865120"/>
+          </a:xfrm>
+          <a:prstGeom prst="rect">
+            <a:avLst/>
+          </a:prstGeom>
+        </p:spPr>
+      </p:pic>
+      <p:pic>
+        <p:nvPicPr>
+          <p:cNvPr id="8" name="图片 7"/>
+          <p:cNvPicPr>
+            <a:picLocks noChangeAspect="1"/>
+          </p:cNvPicPr>
+          <p:nvPr/>
+        </p:nvPicPr>
+        <p:blipFill>
+          <a:blip r:embed="rId5">
+            <a:extLst>
+              <a:ext uri="{28A0092B-C50C-407E-A947-70E740481C1C}">
+                <a14:useLocalDpi xmlns:a14="http://schemas.microsoft.com/office/drawing/2010/main" val="0"/>
+              </a:ext>
+            </a:extLst>
+          </a:blip>
+          <a:stretch>
+            <a:fillRect/>
+          </a:stretch>
+        </p:blipFill>
+        <p:spPr>
+          <a:xfrm>
+            <a:off x="7840318" y="0"/>
+            <a:ext cx="4191000" cy="2964180"/>
+          </a:xfrm>
+          <a:prstGeom prst="rect">
+            <a:avLst/>
+          </a:prstGeom>
+        </p:spPr>
+      </p:pic>
+    </p:spTree>
+    <p:extLst>
+      <p:ext uri="{BB962C8B-B14F-4D97-AF65-F5344CB8AC3E}">
+        <p14:creationId xmlns:p14="http://schemas.microsoft.com/office/powerpoint/2010/main" val="2130811149"/>
+      </p:ext>
+    </p:extLst>
+  </p:cSld>
+  <p:clrMapOvr>
+    <a:masterClrMapping/>
+  </p:clrMapOvr>
+  <p:timing>
+    <p:tnLst>
+      <p:par>
+        <p:cTn id="1" dur="indefinite" restart="never" nodeType="tmRoot"/>
+      </p:par>
+    </p:tnLst>
+  </p:timing>
+</p:sld>
+</file>
+
+<file path=ppt/slides/slide12.xml><?xml version="1.0" encoding="utf-8"?>
+<p:sld xmlns:a="http://schemas.openxmlformats.org/drawingml/2006/main" xmlns:r="http://schemas.openxmlformats.org/officeDocument/2006/relationships" xmlns:p="http://schemas.openxmlformats.org/presentationml/2006/main">
+  <p:cSld>
+    <p:spTree>
+      <p:nvGrpSpPr>
+        <p:cNvPr id="1" name=""/>
+        <p:cNvGrpSpPr/>
+        <p:nvPr/>
+      </p:nvGrpSpPr>
+      <p:grpSpPr>
+        <a:xfrm>
+          <a:off x="0" y="0"/>
+          <a:ext cx="0" cy="0"/>
+          <a:chOff x="0" y="0"/>
+          <a:chExt cx="0" cy="0"/>
+        </a:xfrm>
+      </p:grpSpPr>
+      <p:sp>
+        <p:nvSpPr>
+          <p:cNvPr id="2" name="文本占位符 1"/>
+          <p:cNvSpPr>
+            <a:spLocks noGrp="1"/>
+          </p:cNvSpPr>
+          <p:nvPr>
+            <p:ph type="body" sz="quarter" idx="12"/>
+          </p:nvPr>
+        </p:nvSpPr>
+        <p:spPr/>
+        <p:txBody>
+          <a:bodyPr/>
+          <a:lstStyle/>
+          <a:p>
+            <a:r>
+              <a:rPr kumimoji="1" lang="en-US" altLang="zh-CN" dirty="0" smtClean="0"/>
+              <a:t>02</a:t>
+            </a:r>
+            <a:endParaRPr kumimoji="1" lang="zh-CN" altLang="en-US" dirty="0"/>
+          </a:p>
+        </p:txBody>
+      </p:sp>
+      <p:sp>
+        <p:nvSpPr>
+          <p:cNvPr id="3" name="文本占位符 2"/>
+          <p:cNvSpPr>
+            <a:spLocks noGrp="1"/>
+          </p:cNvSpPr>
+          <p:nvPr>
+            <p:ph type="body" sz="quarter" idx="13"/>
+          </p:nvPr>
+        </p:nvSpPr>
+        <p:spPr/>
+        <p:txBody>
+          <a:bodyPr/>
+          <a:lstStyle/>
+          <a:p>
+            <a:r>
+              <a:rPr kumimoji="1" lang="zh-CN" altLang="en-US" dirty="0" smtClean="0"/>
+              <a:t>需求概述</a:t>
+            </a:r>
+            <a:endParaRPr kumimoji="1" lang="zh-CN" altLang="en-US" dirty="0"/>
+          </a:p>
+        </p:txBody>
+      </p:sp>
+      <p:pic>
+        <p:nvPicPr>
+          <p:cNvPr id="5" name="图片 4"/>
+          <p:cNvPicPr>
+            <a:picLocks noChangeAspect="1"/>
+          </p:cNvPicPr>
+          <p:nvPr/>
+        </p:nvPicPr>
+        <p:blipFill>
+          <a:blip r:embed="rId2">
+            <a:extLst>
+              <a:ext uri="{28A0092B-C50C-407E-A947-70E740481C1C}">
+                <a14:useLocalDpi xmlns:a14="http://schemas.microsoft.com/office/drawing/2010/main" val="0"/>
+              </a:ext>
+            </a:extLst>
+          </a:blip>
+          <a:stretch>
+            <a:fillRect/>
+          </a:stretch>
+        </p:blipFill>
+        <p:spPr>
+          <a:xfrm>
+            <a:off x="9781311" y="162538"/>
+            <a:ext cx="2244436" cy="713763"/>
+          </a:xfrm>
+          <a:prstGeom prst="rect">
+            <a:avLst/>
+          </a:prstGeom>
+        </p:spPr>
+      </p:pic>
+      <p:sp>
+        <p:nvSpPr>
+          <p:cNvPr id="4" name="矩形 3"/>
+          <p:cNvSpPr/>
+          <p:nvPr/>
+        </p:nvSpPr>
+        <p:spPr>
+          <a:xfrm>
+            <a:off x="970383" y="1305240"/>
+            <a:ext cx="10419106" cy="513474"/>
+          </a:xfrm>
+          <a:prstGeom prst="rect">
+            <a:avLst/>
+          </a:prstGeom>
+        </p:spPr>
+        <p:txBody>
+          <a:bodyPr wrap="square">
+            <a:spAutoFit/>
+          </a:bodyPr>
+          <a:lstStyle/>
+          <a:p>
+            <a:pPr algn="just">
+              <a:lnSpc>
+                <a:spcPct val="173000"/>
+              </a:lnSpc>
+              <a:spcBef>
+                <a:spcPts val="1300"/>
+              </a:spcBef>
+              <a:spcAft>
+                <a:spcPts val="1300"/>
+              </a:spcAft>
+            </a:pPr>
+            <a:r>
+              <a:rPr lang="zh-CN" altLang="en-US" kern="100" dirty="0" smtClean="0">
+                <a:latin typeface="DengXian" charset="-122"/>
+                <a:ea typeface="DengXian" charset="-122"/>
+                <a:cs typeface="Times New Roman" charset="0"/>
+              </a:rPr>
+              <a:t>用户的建议</a:t>
+            </a:r>
+            <a:endParaRPr lang="zh-CN" altLang="zh-CN" kern="100" dirty="0">
+              <a:effectLst/>
+              <a:latin typeface="DengXian" charset="-122"/>
+              <a:ea typeface="DengXian" charset="-122"/>
+              <a:cs typeface="Times New Roman" charset="0"/>
+            </a:endParaRPr>
+          </a:p>
+        </p:txBody>
+      </p:sp>
+      <p:pic>
+        <p:nvPicPr>
+          <p:cNvPr id="6" name="图片 5"/>
+          <p:cNvPicPr>
+            <a:picLocks noChangeAspect="1"/>
+          </p:cNvPicPr>
+          <p:nvPr/>
+        </p:nvPicPr>
+        <p:blipFill>
+          <a:blip r:embed="rId3">
+            <a:extLst>
+              <a:ext uri="{28A0092B-C50C-407E-A947-70E740481C1C}">
+                <a14:useLocalDpi xmlns:a14="http://schemas.microsoft.com/office/drawing/2010/main" val="0"/>
+              </a:ext>
+            </a:extLst>
+          </a:blip>
+          <a:stretch>
+            <a:fillRect/>
+          </a:stretch>
+        </p:blipFill>
+        <p:spPr>
+          <a:xfrm>
+            <a:off x="1337310" y="1921510"/>
+            <a:ext cx="5478780" cy="1120140"/>
+          </a:xfrm>
+          <a:prstGeom prst="rect">
+            <a:avLst/>
+          </a:prstGeom>
+        </p:spPr>
+      </p:pic>
+      <p:pic>
+        <p:nvPicPr>
+          <p:cNvPr id="7" name="图片 6"/>
+          <p:cNvPicPr>
+            <a:picLocks noChangeAspect="1"/>
+          </p:cNvPicPr>
+          <p:nvPr/>
+        </p:nvPicPr>
+        <p:blipFill>
+          <a:blip r:embed="rId4">
+            <a:extLst>
+              <a:ext uri="{28A0092B-C50C-407E-A947-70E740481C1C}">
+                <a14:useLocalDpi xmlns:a14="http://schemas.microsoft.com/office/drawing/2010/main" val="0"/>
+              </a:ext>
+            </a:extLst>
+          </a:blip>
+          <a:stretch>
+            <a:fillRect/>
+          </a:stretch>
+        </p:blipFill>
+        <p:spPr>
+          <a:xfrm>
+            <a:off x="7090526" y="1921510"/>
+            <a:ext cx="3528060" cy="1402080"/>
+          </a:xfrm>
+          <a:prstGeom prst="rect">
+            <a:avLst/>
+          </a:prstGeom>
+        </p:spPr>
+      </p:pic>
+      <p:pic>
+        <p:nvPicPr>
+          <p:cNvPr id="8" name="图片 7"/>
+          <p:cNvPicPr>
+            <a:picLocks noChangeAspect="1"/>
+          </p:cNvPicPr>
+          <p:nvPr/>
+        </p:nvPicPr>
+        <p:blipFill>
+          <a:blip r:embed="rId5">
+            <a:extLst>
+              <a:ext uri="{28A0092B-C50C-407E-A947-70E740481C1C}">
+                <a14:useLocalDpi xmlns:a14="http://schemas.microsoft.com/office/drawing/2010/main" val="0"/>
+              </a:ext>
+            </a:extLst>
+          </a:blip>
+          <a:stretch>
+            <a:fillRect/>
+          </a:stretch>
+        </p:blipFill>
+        <p:spPr>
+          <a:xfrm>
+            <a:off x="1546976" y="3801310"/>
+            <a:ext cx="4632960" cy="1013460"/>
+          </a:xfrm>
+          <a:prstGeom prst="rect">
+            <a:avLst/>
+          </a:prstGeom>
+        </p:spPr>
+      </p:pic>
+      <p:pic>
+        <p:nvPicPr>
+          <p:cNvPr id="9" name="图片 8"/>
+          <p:cNvPicPr>
+            <a:picLocks noChangeAspect="1"/>
+          </p:cNvPicPr>
+          <p:nvPr/>
+        </p:nvPicPr>
+        <p:blipFill>
+          <a:blip r:embed="rId6">
+            <a:extLst>
+              <a:ext uri="{28A0092B-C50C-407E-A947-70E740481C1C}">
+                <a14:useLocalDpi xmlns:a14="http://schemas.microsoft.com/office/drawing/2010/main" val="0"/>
+              </a:ext>
+            </a:extLst>
+          </a:blip>
+          <a:stretch>
+            <a:fillRect/>
+          </a:stretch>
+        </p:blipFill>
+        <p:spPr>
+          <a:xfrm>
+            <a:off x="6179936" y="3816550"/>
+            <a:ext cx="5349240" cy="998220"/>
+          </a:xfrm>
+          <a:prstGeom prst="rect">
+            <a:avLst/>
+          </a:prstGeom>
+        </p:spPr>
+      </p:pic>
+    </p:spTree>
+    <p:extLst>
+      <p:ext uri="{BB962C8B-B14F-4D97-AF65-F5344CB8AC3E}">
+        <p14:creationId xmlns:p14="http://schemas.microsoft.com/office/powerpoint/2010/main" val="328631598"/>
+      </p:ext>
+    </p:extLst>
+  </p:cSld>
+  <p:clrMapOvr>
+    <a:masterClrMapping/>
+  </p:clrMapOvr>
+  <p:timing>
+    <p:tnLst>
+      <p:par>
+        <p:cTn id="1" dur="indefinite" restart="never" nodeType="tmRoot"/>
+      </p:par>
+    </p:tnLst>
+  </p:timing>
+</p:sld>
+</file>
+
+<file path=ppt/slides/slide13.xml><?xml version="1.0" encoding="utf-8"?>
+<p:sld xmlns:a="http://schemas.openxmlformats.org/drawingml/2006/main" xmlns:r="http://schemas.openxmlformats.org/officeDocument/2006/relationships" xmlns:p="http://schemas.openxmlformats.org/presentationml/2006/main">
+  <p:cSld>
+    <p:spTree>
+      <p:nvGrpSpPr>
+        <p:cNvPr id="1" name=""/>
+        <p:cNvGrpSpPr/>
+        <p:nvPr/>
+      </p:nvGrpSpPr>
+      <p:grpSpPr>
+        <a:xfrm>
+          <a:off x="0" y="0"/>
+          <a:ext cx="0" cy="0"/>
+          <a:chOff x="0" y="0"/>
+          <a:chExt cx="0" cy="0"/>
+        </a:xfrm>
+      </p:grpSpPr>
+      <p:sp>
+        <p:nvSpPr>
+          <p:cNvPr id="2" name="文本占位符 1"/>
+          <p:cNvSpPr>
+            <a:spLocks noGrp="1"/>
+          </p:cNvSpPr>
+          <p:nvPr>
+            <p:ph type="body" sz="quarter" idx="12"/>
+          </p:nvPr>
+        </p:nvSpPr>
+        <p:spPr/>
+        <p:txBody>
+          <a:bodyPr/>
+          <a:lstStyle/>
+          <a:p>
+            <a:r>
+              <a:rPr kumimoji="1" lang="en-US" altLang="zh-CN" dirty="0" smtClean="0"/>
+              <a:t>02</a:t>
+            </a:r>
+            <a:endParaRPr kumimoji="1" lang="zh-CN" altLang="en-US" dirty="0"/>
+          </a:p>
+        </p:txBody>
+      </p:sp>
+      <p:sp>
+        <p:nvSpPr>
+          <p:cNvPr id="3" name="文本占位符 2"/>
+          <p:cNvSpPr>
+            <a:spLocks noGrp="1"/>
+          </p:cNvSpPr>
+          <p:nvPr>
+            <p:ph type="body" sz="quarter" idx="13"/>
+          </p:nvPr>
+        </p:nvSpPr>
+        <p:spPr/>
+        <p:txBody>
+          <a:bodyPr/>
+          <a:lstStyle/>
+          <a:p>
+            <a:r>
+              <a:rPr kumimoji="1" lang="zh-CN" altLang="en-US" dirty="0" smtClean="0"/>
+              <a:t>需求概述</a:t>
+            </a:r>
+            <a:endParaRPr kumimoji="1" lang="zh-CN" altLang="en-US" dirty="0"/>
+          </a:p>
+        </p:txBody>
+      </p:sp>
+      <p:pic>
+        <p:nvPicPr>
+          <p:cNvPr id="5" name="图片 4"/>
+          <p:cNvPicPr>
+            <a:picLocks noChangeAspect="1"/>
+          </p:cNvPicPr>
+          <p:nvPr/>
+        </p:nvPicPr>
+        <p:blipFill>
+          <a:blip r:embed="rId2">
+            <a:extLst>
+              <a:ext uri="{28A0092B-C50C-407E-A947-70E740481C1C}">
+                <a14:useLocalDpi xmlns:a14="http://schemas.microsoft.com/office/drawing/2010/main" val="0"/>
+              </a:ext>
+            </a:extLst>
+          </a:blip>
+          <a:stretch>
+            <a:fillRect/>
+          </a:stretch>
+        </p:blipFill>
+        <p:spPr>
+          <a:xfrm>
+            <a:off x="9781311" y="162538"/>
+            <a:ext cx="2244436" cy="713763"/>
+          </a:xfrm>
+          <a:prstGeom prst="rect">
+            <a:avLst/>
+          </a:prstGeom>
+        </p:spPr>
+      </p:pic>
+      <p:sp>
+        <p:nvSpPr>
+          <p:cNvPr id="4" name="矩形 3"/>
+          <p:cNvSpPr/>
+          <p:nvPr/>
+        </p:nvSpPr>
+        <p:spPr>
+          <a:xfrm>
+            <a:off x="970383" y="1305240"/>
+            <a:ext cx="10419106" cy="653769"/>
+          </a:xfrm>
+          <a:prstGeom prst="rect">
+            <a:avLst/>
+          </a:prstGeom>
+        </p:spPr>
+        <p:txBody>
+          <a:bodyPr wrap="square">
+            <a:spAutoFit/>
+          </a:bodyPr>
+          <a:lstStyle/>
+          <a:p>
+            <a:pPr algn="just">
+              <a:lnSpc>
+                <a:spcPct val="173000"/>
+              </a:lnSpc>
+              <a:spcBef>
+                <a:spcPts val="1300"/>
+              </a:spcBef>
+              <a:spcAft>
+                <a:spcPts val="1300"/>
+              </a:spcAft>
+            </a:pPr>
+            <a:r>
+              <a:rPr lang="zh-CN" altLang="en-US" sz="2400" b="1" kern="100" dirty="0" smtClean="0">
+                <a:latin typeface="DengXian Light" charset="-122"/>
+                <a:ea typeface="DengXian Light" charset="-122"/>
+                <a:cs typeface="Times New Roman" charset="0"/>
+              </a:rPr>
+              <a:t>数据分析</a:t>
+            </a:r>
+            <a:endParaRPr lang="zh-CN" altLang="zh-CN" kern="100" dirty="0">
+              <a:effectLst/>
+              <a:latin typeface="DengXian" charset="-122"/>
+              <a:ea typeface="DengXian" charset="-122"/>
+              <a:cs typeface="Times New Roman" charset="0"/>
+            </a:endParaRPr>
+          </a:p>
+        </p:txBody>
+      </p:sp>
+      <p:sp>
+        <p:nvSpPr>
+          <p:cNvPr id="6" name="矩形 5"/>
+          <p:cNvSpPr/>
+          <p:nvPr/>
+        </p:nvSpPr>
+        <p:spPr>
+          <a:xfrm>
+            <a:off x="1110083" y="2225115"/>
+            <a:ext cx="6096000" cy="2031325"/>
+          </a:xfrm>
+          <a:prstGeom prst="rect">
+            <a:avLst/>
+          </a:prstGeom>
+        </p:spPr>
+        <p:txBody>
+          <a:bodyPr>
+            <a:spAutoFit/>
+          </a:bodyPr>
+          <a:lstStyle/>
+          <a:p>
+            <a:r>
+              <a:rPr lang="en-US" altLang="zh-CN" dirty="0" smtClean="0">
+                <a:latin typeface="Helvetica Neue" charset="0"/>
+              </a:rPr>
+              <a:t>1</a:t>
+            </a:r>
+            <a:r>
+              <a:rPr lang="zh-CN" altLang="en-US" dirty="0">
+                <a:latin typeface="Helvetica Neue" charset="0"/>
+              </a:rPr>
+              <a:t>、大多数人一周至少参加一次活动 </a:t>
+            </a:r>
+            <a:r>
+              <a:rPr lang="zh-CN" altLang="en-US" dirty="0" smtClean="0">
+                <a:latin typeface="Helvetica Neue" charset="0"/>
+              </a:rPr>
+              <a:t>；</a:t>
+            </a:r>
+            <a:endParaRPr lang="en-US" altLang="zh-CN" dirty="0" smtClean="0">
+              <a:latin typeface="Helvetica Neue" charset="0"/>
+            </a:endParaRPr>
+          </a:p>
+          <a:p>
+            <a:endParaRPr lang="en-US" altLang="zh-CN" dirty="0" smtClean="0">
+              <a:latin typeface="Helvetica Neue" charset="0"/>
+            </a:endParaRPr>
+          </a:p>
+          <a:p>
+            <a:r>
+              <a:rPr lang="en-US" altLang="zh-CN" dirty="0" smtClean="0">
+                <a:latin typeface="Helvetica Neue" charset="0"/>
+              </a:rPr>
+              <a:t>2</a:t>
+            </a:r>
+            <a:r>
+              <a:rPr lang="zh-CN" altLang="en-US" dirty="0">
+                <a:latin typeface="Helvetica Neue" charset="0"/>
+              </a:rPr>
+              <a:t>、但是获得活动信息来源与报名渠道多种多样，没有固定的平台</a:t>
+            </a:r>
+            <a:r>
+              <a:rPr lang="zh-CN" altLang="en-US" dirty="0" smtClean="0">
+                <a:latin typeface="Helvetica Neue" charset="0"/>
+              </a:rPr>
+              <a:t>；</a:t>
+            </a:r>
+            <a:endParaRPr lang="en-US" altLang="zh-CN" dirty="0" smtClean="0">
+              <a:latin typeface="Helvetica Neue" charset="0"/>
+            </a:endParaRPr>
+          </a:p>
+          <a:p>
+            <a:r>
+              <a:rPr lang="en-US" altLang="zh-CN" dirty="0" smtClean="0">
+                <a:latin typeface="Helvetica Neue" charset="0"/>
+              </a:rPr>
+              <a:t>3</a:t>
+            </a:r>
+            <a:r>
+              <a:rPr lang="zh-CN" altLang="en-US" dirty="0">
+                <a:latin typeface="Helvetica Neue" charset="0"/>
+              </a:rPr>
+              <a:t>、且有一部分同学会因为平台过多而没能注意到一些想参加的活动</a:t>
+            </a:r>
+            <a:r>
+              <a:rPr lang="zh-CN" altLang="en-US" dirty="0" smtClean="0">
+                <a:latin typeface="Helvetica Neue" charset="0"/>
+              </a:rPr>
+              <a:t>。</a:t>
+            </a:r>
+            <a:endParaRPr lang="en-US" altLang="zh-CN" dirty="0" smtClean="0">
+              <a:latin typeface="Helvetica Neue" charset="0"/>
+            </a:endParaRPr>
+          </a:p>
+          <a:p>
+            <a:r>
+              <a:rPr lang="en-US" altLang="zh-CN" dirty="0" smtClean="0">
+                <a:latin typeface="Helvetica Neue" charset="0"/>
+              </a:rPr>
+              <a:t>4</a:t>
+            </a:r>
+            <a:r>
+              <a:rPr lang="zh-CN" altLang="en-US" dirty="0">
+                <a:latin typeface="Helvetica Neue" charset="0"/>
+              </a:rPr>
+              <a:t>、对于活动评价反馈功能很少有平台能提供支持。</a:t>
+            </a:r>
+            <a:endParaRPr lang="zh-CN" altLang="en-US" dirty="0">
+              <a:effectLst/>
+              <a:latin typeface="Helvetica Neue" charset="0"/>
+            </a:endParaRPr>
+          </a:p>
+        </p:txBody>
+      </p:sp>
+    </p:spTree>
+    <p:extLst>
+      <p:ext uri="{BB962C8B-B14F-4D97-AF65-F5344CB8AC3E}">
+        <p14:creationId xmlns:p14="http://schemas.microsoft.com/office/powerpoint/2010/main" val="1679099420"/>
+      </p:ext>
+    </p:extLst>
+  </p:cSld>
+  <p:clrMapOvr>
+    <a:masterClrMapping/>
+  </p:clrMapOvr>
+  <p:timing>
+    <p:tnLst>
+      <p:par>
+        <p:cTn id="1" dur="indefinite" restart="never" nodeType="tmRoot"/>
+      </p:par>
+    </p:tnLst>
+  </p:timing>
+</p:sld>
+</file>
+
+<file path=ppt/slides/slide14.xml><?xml version="1.0" encoding="utf-8"?>
+<p:sld xmlns:a="http://schemas.openxmlformats.org/drawingml/2006/main" xmlns:r="http://schemas.openxmlformats.org/officeDocument/2006/relationships" xmlns:p="http://schemas.openxmlformats.org/presentationml/2006/main">
+  <p:cSld>
+    <p:spTree>
+      <p:nvGrpSpPr>
+        <p:cNvPr id="1" name=""/>
+        <p:cNvGrpSpPr/>
+        <p:nvPr/>
+      </p:nvGrpSpPr>
+      <p:grpSpPr>
+        <a:xfrm>
+          <a:off x="0" y="0"/>
+          <a:ext cx="0" cy="0"/>
+          <a:chOff x="0" y="0"/>
+          <a:chExt cx="0" cy="0"/>
+        </a:xfrm>
+      </p:grpSpPr>
+      <p:sp>
+        <p:nvSpPr>
+          <p:cNvPr id="2" name="文本占位符 1"/>
+          <p:cNvSpPr>
+            <a:spLocks noGrp="1"/>
+          </p:cNvSpPr>
+          <p:nvPr>
+            <p:ph type="body" sz="quarter" idx="12"/>
+          </p:nvPr>
+        </p:nvSpPr>
+        <p:spPr/>
+        <p:txBody>
+          <a:bodyPr/>
+          <a:lstStyle/>
+          <a:p>
+            <a:r>
+              <a:rPr kumimoji="1" lang="en-US" altLang="zh-CN" dirty="0" smtClean="0"/>
+              <a:t>02</a:t>
+            </a:r>
+            <a:endParaRPr kumimoji="1" lang="zh-CN" altLang="en-US" dirty="0"/>
+          </a:p>
+        </p:txBody>
+      </p:sp>
+      <p:sp>
+        <p:nvSpPr>
+          <p:cNvPr id="3" name="文本占位符 2"/>
+          <p:cNvSpPr>
+            <a:spLocks noGrp="1"/>
+          </p:cNvSpPr>
+          <p:nvPr>
+            <p:ph type="body" sz="quarter" idx="13"/>
+          </p:nvPr>
+        </p:nvSpPr>
+        <p:spPr/>
+        <p:txBody>
+          <a:bodyPr/>
+          <a:lstStyle/>
+          <a:p>
+            <a:r>
+              <a:rPr kumimoji="1" lang="zh-CN" altLang="en-US" dirty="0" smtClean="0"/>
+              <a:t>需求概述</a:t>
+            </a:r>
+            <a:endParaRPr kumimoji="1" lang="zh-CN" altLang="en-US" dirty="0"/>
+          </a:p>
+        </p:txBody>
+      </p:sp>
+      <p:pic>
+        <p:nvPicPr>
+          <p:cNvPr id="5" name="图片 4"/>
+          <p:cNvPicPr>
+            <a:picLocks noChangeAspect="1"/>
+          </p:cNvPicPr>
+          <p:nvPr/>
+        </p:nvPicPr>
+        <p:blipFill>
+          <a:blip r:embed="rId2">
+            <a:extLst>
+              <a:ext uri="{28A0092B-C50C-407E-A947-70E740481C1C}">
+                <a14:useLocalDpi xmlns:a14="http://schemas.microsoft.com/office/drawing/2010/main" val="0"/>
+              </a:ext>
+            </a:extLst>
+          </a:blip>
+          <a:stretch>
+            <a:fillRect/>
+          </a:stretch>
+        </p:blipFill>
+        <p:spPr>
+          <a:xfrm>
+            <a:off x="9781311" y="162538"/>
+            <a:ext cx="2244436" cy="713763"/>
+          </a:xfrm>
+          <a:prstGeom prst="rect">
+            <a:avLst/>
+          </a:prstGeom>
+        </p:spPr>
+      </p:pic>
+      <p:sp>
+        <p:nvSpPr>
+          <p:cNvPr id="6" name="矩形 5"/>
+          <p:cNvSpPr/>
+          <p:nvPr/>
+        </p:nvSpPr>
+        <p:spPr>
+          <a:xfrm>
+            <a:off x="1279589" y="1268518"/>
+            <a:ext cx="6096000" cy="2668936"/>
+          </a:xfrm>
+          <a:prstGeom prst="rect">
+            <a:avLst/>
+          </a:prstGeom>
+        </p:spPr>
+        <p:txBody>
+          <a:bodyPr>
+            <a:spAutoFit/>
+          </a:bodyPr>
+          <a:lstStyle/>
+          <a:p>
+            <a:pPr algn="just">
+              <a:lnSpc>
+                <a:spcPct val="173000"/>
+              </a:lnSpc>
+              <a:spcBef>
+                <a:spcPts val="1300"/>
+              </a:spcBef>
+              <a:spcAft>
+                <a:spcPts val="1300"/>
+              </a:spcAft>
+            </a:pPr>
+            <a:r>
+              <a:rPr lang="en-US" altLang="zh-CN" sz="2000" b="1" kern="100" dirty="0" smtClean="0">
+                <a:latin typeface="DengXian Light" charset="-122"/>
+                <a:ea typeface="DengXian Light" charset="-122"/>
+                <a:cs typeface="Times New Roman" charset="0"/>
+              </a:rPr>
+              <a:t>2.3</a:t>
+            </a:r>
+            <a:r>
+              <a:rPr lang="zh-CN" altLang="zh-CN" sz="2000" b="1" kern="100" dirty="0" smtClean="0">
+                <a:latin typeface="DengXian Light" charset="-122"/>
+                <a:ea typeface="DengXian Light" charset="-122"/>
+                <a:cs typeface="Times New Roman" charset="0"/>
+              </a:rPr>
+              <a:t>主要</a:t>
+            </a:r>
+            <a:r>
+              <a:rPr lang="zh-CN" altLang="zh-CN" sz="2000" b="1" kern="100" dirty="0">
+                <a:latin typeface="DengXian Light" charset="-122"/>
+                <a:ea typeface="DengXian Light" charset="-122"/>
+                <a:cs typeface="Times New Roman" charset="0"/>
+              </a:rPr>
+              <a:t>功能</a:t>
+            </a:r>
+          </a:p>
+          <a:p>
+            <a:pPr indent="266700" algn="just">
+              <a:spcAft>
+                <a:spcPts val="0"/>
+              </a:spcAft>
+              <a:tabLst>
+                <a:tab pos="355600" algn="l"/>
+                <a:tab pos="711200" algn="l"/>
+                <a:tab pos="1066800" algn="l"/>
+                <a:tab pos="1422400" algn="l"/>
+                <a:tab pos="1778000" algn="l"/>
+                <a:tab pos="2133600" algn="l"/>
+                <a:tab pos="2489200" algn="l"/>
+                <a:tab pos="2844800" algn="l"/>
+                <a:tab pos="3200400" algn="l"/>
+                <a:tab pos="3556000" algn="l"/>
+                <a:tab pos="3911600" algn="l"/>
+                <a:tab pos="4267200" algn="l"/>
+              </a:tabLst>
+            </a:pPr>
+            <a:r>
+              <a:rPr lang="zh-CN" altLang="zh-CN" kern="0" dirty="0">
+                <a:solidFill>
+                  <a:srgbClr val="000000"/>
+                </a:solidFill>
+                <a:latin typeface="Helvetica" charset="0"/>
+                <a:ea typeface="DengXian" charset="-122"/>
+                <a:cs typeface="Helvetica" charset="0"/>
+              </a:rPr>
+              <a:t>活动浏览模块：浏览活动</a:t>
+            </a:r>
+            <a:r>
+              <a:rPr lang="en-US" altLang="zh-CN" kern="0" dirty="0">
+                <a:solidFill>
+                  <a:srgbClr val="000000"/>
+                </a:solidFill>
+                <a:latin typeface="Helvetica" charset="0"/>
+                <a:ea typeface="DengXian" charset="-122"/>
+                <a:cs typeface="Helvetica" charset="0"/>
+              </a:rPr>
+              <a:t>/</a:t>
+            </a:r>
+            <a:r>
+              <a:rPr lang="zh-CN" altLang="zh-CN" kern="0" dirty="0">
+                <a:solidFill>
+                  <a:srgbClr val="000000"/>
+                </a:solidFill>
+                <a:latin typeface="Helvetica" charset="0"/>
+                <a:ea typeface="DengXian" charset="-122"/>
+                <a:cs typeface="Helvetica" charset="0"/>
+              </a:rPr>
+              <a:t>搜索活动</a:t>
+            </a:r>
+            <a:r>
+              <a:rPr lang="en-US" altLang="zh-CN" kern="0" dirty="0">
+                <a:solidFill>
+                  <a:srgbClr val="000000"/>
+                </a:solidFill>
+                <a:latin typeface="Helvetica" charset="0"/>
+                <a:ea typeface="DengXian" charset="-122"/>
+                <a:cs typeface="Helvetica" charset="0"/>
+              </a:rPr>
+              <a:t>/</a:t>
+            </a:r>
+            <a:r>
+              <a:rPr lang="zh-CN" altLang="zh-CN" kern="0" dirty="0">
+                <a:solidFill>
+                  <a:srgbClr val="000000"/>
+                </a:solidFill>
+                <a:latin typeface="Helvetica" charset="0"/>
+                <a:ea typeface="DengXian" charset="-122"/>
+                <a:cs typeface="Helvetica" charset="0"/>
+              </a:rPr>
+              <a:t>活动详细信息（活动本身信息、参与者点评评论回复）</a:t>
+            </a:r>
+            <a:endParaRPr lang="zh-CN" altLang="zh-CN" sz="1600" kern="100" dirty="0">
+              <a:latin typeface="DengXian" charset="-122"/>
+              <a:ea typeface="DengXian" charset="-122"/>
+              <a:cs typeface="Times New Roman" charset="0"/>
+            </a:endParaRPr>
+          </a:p>
+          <a:p>
+            <a:pPr indent="266700" algn="just">
+              <a:spcAft>
+                <a:spcPts val="0"/>
+              </a:spcAft>
+              <a:tabLst>
+                <a:tab pos="355600" algn="l"/>
+                <a:tab pos="711200" algn="l"/>
+                <a:tab pos="1066800" algn="l"/>
+                <a:tab pos="1422400" algn="l"/>
+                <a:tab pos="1778000" algn="l"/>
+                <a:tab pos="2133600" algn="l"/>
+                <a:tab pos="2489200" algn="l"/>
+                <a:tab pos="2844800" algn="l"/>
+                <a:tab pos="3200400" algn="l"/>
+                <a:tab pos="3556000" algn="l"/>
+                <a:tab pos="3911600" algn="l"/>
+                <a:tab pos="4267200" algn="l"/>
+              </a:tabLst>
+            </a:pPr>
+            <a:r>
+              <a:rPr lang="zh-CN" altLang="zh-CN" kern="0" dirty="0">
+                <a:solidFill>
+                  <a:srgbClr val="000000"/>
+                </a:solidFill>
+                <a:latin typeface="Helvetica" charset="0"/>
+                <a:ea typeface="DengXian" charset="-122"/>
+                <a:cs typeface="Helvetica" charset="0"/>
+              </a:rPr>
+              <a:t>活动申请模块：填写活动申请表、查看活动申请进程</a:t>
+            </a:r>
+            <a:endParaRPr lang="zh-CN" altLang="zh-CN" sz="1600" kern="100" dirty="0">
+              <a:latin typeface="DengXian" charset="-122"/>
+              <a:ea typeface="DengXian" charset="-122"/>
+              <a:cs typeface="Times New Roman" charset="0"/>
+            </a:endParaRPr>
+          </a:p>
+          <a:p>
+            <a:pPr indent="266700" algn="just">
+              <a:spcAft>
+                <a:spcPts val="0"/>
+              </a:spcAft>
+              <a:tabLst>
+                <a:tab pos="355600" algn="l"/>
+                <a:tab pos="711200" algn="l"/>
+                <a:tab pos="1066800" algn="l"/>
+                <a:tab pos="1422400" algn="l"/>
+                <a:tab pos="1778000" algn="l"/>
+                <a:tab pos="2133600" algn="l"/>
+                <a:tab pos="2489200" algn="l"/>
+                <a:tab pos="2844800" algn="l"/>
+                <a:tab pos="3200400" algn="l"/>
+                <a:tab pos="3556000" algn="l"/>
+                <a:tab pos="3911600" algn="l"/>
+                <a:tab pos="4267200" algn="l"/>
+              </a:tabLst>
+            </a:pPr>
+            <a:r>
+              <a:rPr lang="zh-CN" altLang="zh-CN" kern="0" dirty="0">
+                <a:solidFill>
+                  <a:srgbClr val="000000"/>
+                </a:solidFill>
+                <a:latin typeface="Helvetica" charset="0"/>
+                <a:ea typeface="DengXian" charset="-122"/>
+                <a:cs typeface="Helvetica" charset="0"/>
+              </a:rPr>
+              <a:t>个人活动模块：浏览已参加、准备参加的活动</a:t>
+            </a:r>
+            <a:r>
+              <a:rPr lang="en-US" altLang="zh-CN" kern="0" dirty="0">
+                <a:solidFill>
+                  <a:srgbClr val="000000"/>
+                </a:solidFill>
+                <a:latin typeface="Helvetica" charset="0"/>
+                <a:ea typeface="DengXian" charset="-122"/>
+                <a:cs typeface="Helvetica" charset="0"/>
+              </a:rPr>
+              <a:t>/</a:t>
+            </a:r>
+            <a:r>
+              <a:rPr lang="zh-CN" altLang="zh-CN" kern="0" dirty="0">
+                <a:solidFill>
+                  <a:srgbClr val="000000"/>
+                </a:solidFill>
+                <a:latin typeface="Helvetica" charset="0"/>
+                <a:ea typeface="DengXian" charset="-122"/>
+                <a:cs typeface="Helvetica" charset="0"/>
+              </a:rPr>
+              <a:t>查看信息</a:t>
+            </a:r>
+            <a:endParaRPr lang="zh-CN" altLang="zh-CN" sz="1600" kern="100" dirty="0">
+              <a:latin typeface="DengXian" charset="-122"/>
+              <a:ea typeface="DengXian" charset="-122"/>
+              <a:cs typeface="Times New Roman" charset="0"/>
+            </a:endParaRPr>
+          </a:p>
+          <a:p>
+            <a:pPr indent="266700" algn="just">
+              <a:spcAft>
+                <a:spcPts val="0"/>
+              </a:spcAft>
+              <a:tabLst>
+                <a:tab pos="355600" algn="l"/>
+                <a:tab pos="711200" algn="l"/>
+                <a:tab pos="1066800" algn="l"/>
+                <a:tab pos="1422400" algn="l"/>
+                <a:tab pos="1778000" algn="l"/>
+                <a:tab pos="2133600" algn="l"/>
+                <a:tab pos="2489200" algn="l"/>
+                <a:tab pos="2844800" algn="l"/>
+                <a:tab pos="3200400" algn="l"/>
+                <a:tab pos="3556000" algn="l"/>
+                <a:tab pos="3911600" algn="l"/>
+                <a:tab pos="4267200" algn="l"/>
+              </a:tabLst>
+            </a:pPr>
+            <a:r>
+              <a:rPr lang="zh-CN" altLang="zh-CN" kern="0" dirty="0">
+                <a:solidFill>
+                  <a:srgbClr val="000000"/>
+                </a:solidFill>
+                <a:latin typeface="Helvetica" charset="0"/>
+                <a:ea typeface="DengXian" charset="-122"/>
+                <a:cs typeface="Helvetica" charset="0"/>
+              </a:rPr>
+              <a:t>个人界面模块：查看、更改个人信息</a:t>
+            </a:r>
+            <a:endParaRPr lang="zh-CN" altLang="zh-CN" sz="1600" kern="100" dirty="0">
+              <a:latin typeface="DengXian" charset="-122"/>
+              <a:ea typeface="DengXian" charset="-122"/>
+              <a:cs typeface="Times New Roman" charset="0"/>
+            </a:endParaRPr>
+          </a:p>
+          <a:p>
+            <a:pPr algn="just">
+              <a:spcAft>
+                <a:spcPts val="0"/>
+              </a:spcAft>
+            </a:pPr>
+            <a:r>
+              <a:rPr lang="en-US" altLang="zh-CN" sz="1600" kern="100" dirty="0">
+                <a:latin typeface="DengXian" charset="-122"/>
+                <a:ea typeface="DengXian" charset="-122"/>
+                <a:cs typeface="Times New Roman" charset="0"/>
+              </a:rPr>
+              <a:t> </a:t>
+            </a:r>
+            <a:endParaRPr lang="en-US" altLang="zh-CN" sz="1600" kern="100" dirty="0" smtClean="0">
+              <a:latin typeface="DengXian" charset="-122"/>
+              <a:ea typeface="DengXian" charset="-122"/>
+              <a:cs typeface="Times New Roman" charset="0"/>
+            </a:endParaRPr>
+          </a:p>
+          <a:p>
+            <a:pPr algn="just">
+              <a:spcAft>
+                <a:spcPts val="0"/>
+              </a:spcAft>
+            </a:pPr>
+            <a:r>
+              <a:rPr lang="zh-CN" altLang="en-US" sz="1600" kern="100" dirty="0" smtClean="0">
+                <a:effectLst/>
+                <a:latin typeface="DengXian" charset="-122"/>
+                <a:ea typeface="DengXian" charset="-122"/>
+                <a:cs typeface="Times New Roman" charset="0"/>
+              </a:rPr>
+              <a:t>详细功能将在第三章进行介绍</a:t>
+            </a:r>
+            <a:endParaRPr lang="zh-CN" altLang="zh-CN" sz="1600" kern="100" dirty="0">
+              <a:effectLst/>
+              <a:latin typeface="DengXian" charset="-122"/>
+              <a:ea typeface="DengXian" charset="-122"/>
+              <a:cs typeface="Times New Roman" charset="0"/>
+            </a:endParaRPr>
+          </a:p>
+        </p:txBody>
+      </p:sp>
+    </p:spTree>
+    <p:extLst>
+      <p:ext uri="{BB962C8B-B14F-4D97-AF65-F5344CB8AC3E}">
+        <p14:creationId xmlns:p14="http://schemas.microsoft.com/office/powerpoint/2010/main" val="1952555423"/>
+      </p:ext>
+    </p:extLst>
+  </p:cSld>
+  <p:clrMapOvr>
+    <a:masterClrMapping/>
+  </p:clrMapOvr>
+  <p:timing>
+    <p:tnLst>
+      <p:par>
+        <p:cTn id="1" dur="indefinite" restart="never" nodeType="tmRoot"/>
+      </p:par>
+    </p:tnLst>
+  </p:timing>
+</p:sld>
+</file>
+
+<file path=ppt/slides/slide15.xml><?xml version="1.0" encoding="utf-8"?>
 <p:sld xmlns:a="http://schemas.openxmlformats.org/drawingml/2006/main" xmlns:r="http://schemas.openxmlformats.org/officeDocument/2006/relationships" xmlns:p="http://schemas.openxmlformats.org/presentationml/2006/main">
   <p:cSld>
     <p:spTree>
@@ -12353,12 +13594,12 @@
                         </a:spcAft>
                       </a:pPr>
                       <a:r>
-                        <a:rPr lang="en-US" sz="1800" kern="100">
+                        <a:rPr lang="en-US" sz="1800" kern="100" dirty="0">
                           <a:effectLst/>
                         </a:rPr>
                         <a:t>ROM</a:t>
                       </a:r>
-                      <a:endParaRPr lang="zh-CN" sz="1800" kern="100">
+                      <a:endParaRPr lang="zh-CN" sz="1800" kern="100" dirty="0">
                         <a:effectLst/>
                         <a:latin typeface="等线" charset="-122"/>
                         <a:ea typeface="等线" charset="-122"/>
@@ -12431,7 +13672,7 @@
 </p:sld>
 </file>
 
-<file path=ppt/slides/slide12.xml><?xml version="1.0" encoding="utf-8"?>
+<file path=ppt/slides/slide16.xml><?xml version="1.0" encoding="utf-8"?>
 <p:sld xmlns:a="http://schemas.openxmlformats.org/drawingml/2006/main" xmlns:r="http://schemas.openxmlformats.org/officeDocument/2006/relationships" xmlns:p="http://schemas.openxmlformats.org/presentationml/2006/main">
   <p:cSld>
     <p:spTree>
@@ -12566,7 +13807,7 @@
 </p:sld>
 </file>
 
-<file path=ppt/slides/slide13.xml><?xml version="1.0" encoding="utf-8"?>
+<file path=ppt/slides/slide17.xml><?xml version="1.0" encoding="utf-8"?>
 <p:sld xmlns:a="http://schemas.openxmlformats.org/drawingml/2006/main" xmlns:r="http://schemas.openxmlformats.org/officeDocument/2006/relationships" xmlns:p="http://schemas.openxmlformats.org/presentationml/2006/main">
   <p:cSld>
     <p:spTree>
@@ -12975,7 +14216,7 @@
 </p:sld>
 </file>
 
-<file path=ppt/slides/slide14.xml><?xml version="1.0" encoding="utf-8"?>
+<file path=ppt/slides/slide18.xml><?xml version="1.0" encoding="utf-8"?>
 <p:sld xmlns:a="http://schemas.openxmlformats.org/drawingml/2006/main" xmlns:r="http://schemas.openxmlformats.org/officeDocument/2006/relationships" xmlns:p="http://schemas.openxmlformats.org/presentationml/2006/main">
   <p:cSld>
     <p:spTree>
@@ -13390,7 +14631,7 @@
 </p:sld>
 </file>
 
-<file path=ppt/slides/slide15.xml><?xml version="1.0" encoding="utf-8"?>
+<file path=ppt/slides/slide19.xml><?xml version="1.0" encoding="utf-8"?>
 <p:sld xmlns:a="http://schemas.openxmlformats.org/drawingml/2006/main" xmlns:r="http://schemas.openxmlformats.org/officeDocument/2006/relationships" xmlns:p="http://schemas.openxmlformats.org/presentationml/2006/main">
   <p:cSld>
     <p:spTree>
@@ -13782,7 +15023,421 @@
 </p:sld>
 </file>
 
-<file path=ppt/slides/slide16.xml><?xml version="1.0" encoding="utf-8"?>
+<file path=ppt/slides/slide2.xml><?xml version="1.0" encoding="utf-8"?>
+<p:sld xmlns:a="http://schemas.openxmlformats.org/drawingml/2006/main" xmlns:r="http://schemas.openxmlformats.org/officeDocument/2006/relationships" xmlns:p="http://schemas.openxmlformats.org/presentationml/2006/main">
+  <p:cSld>
+    <p:spTree>
+      <p:nvGrpSpPr>
+        <p:cNvPr id="1" name=""/>
+        <p:cNvGrpSpPr/>
+        <p:nvPr/>
+      </p:nvGrpSpPr>
+      <p:grpSpPr>
+        <a:xfrm>
+          <a:off x="0" y="0"/>
+          <a:ext cx="0" cy="0"/>
+          <a:chOff x="0" y="0"/>
+          <a:chExt cx="0" cy="0"/>
+        </a:xfrm>
+      </p:grpSpPr>
+      <p:sp>
+        <p:nvSpPr>
+          <p:cNvPr id="2" name="文本占位符 1"/>
+          <p:cNvSpPr>
+            <a:spLocks noGrp="1"/>
+          </p:cNvSpPr>
+          <p:nvPr>
+            <p:ph type="body" sz="quarter" idx="12"/>
+          </p:nvPr>
+        </p:nvSpPr>
+        <p:spPr>
+          <a:xfrm>
+            <a:off x="7192822" y="1067617"/>
+            <a:ext cx="835026" cy="651828"/>
+          </a:xfrm>
+        </p:spPr>
+        <p:txBody>
+          <a:bodyPr/>
+          <a:lstStyle/>
+          <a:p>
+            <a:r>
+              <a:rPr kumimoji="1" lang="en-US" altLang="zh-CN" dirty="0" smtClean="0"/>
+              <a:t>01</a:t>
+            </a:r>
+            <a:endParaRPr kumimoji="1" lang="zh-CN" altLang="en-US" dirty="0"/>
+          </a:p>
+        </p:txBody>
+      </p:sp>
+      <p:sp>
+        <p:nvSpPr>
+          <p:cNvPr id="3" name="文本占位符 2"/>
+          <p:cNvSpPr>
+            <a:spLocks noGrp="1"/>
+          </p:cNvSpPr>
+          <p:nvPr>
+            <p:ph type="body" sz="quarter" idx="13"/>
+          </p:nvPr>
+        </p:nvSpPr>
+        <p:spPr>
+          <a:xfrm>
+            <a:off x="8027847" y="1170956"/>
+            <a:ext cx="3234689" cy="445150"/>
+          </a:xfrm>
+        </p:spPr>
+        <p:txBody>
+          <a:bodyPr/>
+          <a:lstStyle/>
+          <a:p>
+            <a:r>
+              <a:rPr kumimoji="1" lang="zh-CN" altLang="en-US" dirty="0"/>
+              <a:t>引言</a:t>
+            </a:r>
+          </a:p>
+        </p:txBody>
+      </p:sp>
+      <p:sp>
+        <p:nvSpPr>
+          <p:cNvPr id="4" name="文本占位符 3"/>
+          <p:cNvSpPr>
+            <a:spLocks noGrp="1"/>
+          </p:cNvSpPr>
+          <p:nvPr>
+            <p:ph type="body" sz="quarter" idx="14"/>
+          </p:nvPr>
+        </p:nvSpPr>
+        <p:spPr>
+          <a:xfrm>
+            <a:off x="7192822" y="1901693"/>
+            <a:ext cx="835026" cy="651828"/>
+          </a:xfrm>
+        </p:spPr>
+        <p:txBody>
+          <a:bodyPr/>
+          <a:lstStyle/>
+          <a:p>
+            <a:r>
+              <a:rPr kumimoji="1" lang="en-US" altLang="zh-CN" dirty="0" smtClean="0"/>
+              <a:t>02</a:t>
+            </a:r>
+            <a:endParaRPr kumimoji="1" lang="zh-CN" altLang="en-US" dirty="0"/>
+          </a:p>
+        </p:txBody>
+      </p:sp>
+      <p:sp>
+        <p:nvSpPr>
+          <p:cNvPr id="5" name="文本占位符 4"/>
+          <p:cNvSpPr>
+            <a:spLocks noGrp="1"/>
+          </p:cNvSpPr>
+          <p:nvPr>
+            <p:ph type="body" sz="quarter" idx="15"/>
+          </p:nvPr>
+        </p:nvSpPr>
+        <p:spPr>
+          <a:xfrm>
+            <a:off x="8054224" y="2018041"/>
+            <a:ext cx="3234689" cy="445150"/>
+          </a:xfrm>
+        </p:spPr>
+        <p:txBody>
+          <a:bodyPr/>
+          <a:lstStyle/>
+          <a:p>
+            <a:r>
+              <a:rPr kumimoji="1" lang="zh-CN" altLang="en-US" dirty="0" smtClean="0"/>
+              <a:t>需求概述</a:t>
+            </a:r>
+            <a:endParaRPr kumimoji="1" lang="zh-CN" altLang="en-US" dirty="0"/>
+          </a:p>
+        </p:txBody>
+      </p:sp>
+      <p:sp>
+        <p:nvSpPr>
+          <p:cNvPr id="6" name="文本占位符 5"/>
+          <p:cNvSpPr>
+            <a:spLocks noGrp="1"/>
+          </p:cNvSpPr>
+          <p:nvPr>
+            <p:ph type="body" sz="quarter" idx="16"/>
+          </p:nvPr>
+        </p:nvSpPr>
+        <p:spPr>
+          <a:xfrm>
+            <a:off x="7192822" y="2658447"/>
+            <a:ext cx="835026" cy="651828"/>
+          </a:xfrm>
+        </p:spPr>
+        <p:txBody>
+          <a:bodyPr/>
+          <a:lstStyle/>
+          <a:p>
+            <a:r>
+              <a:rPr kumimoji="1" lang="en-US" altLang="zh-CN" dirty="0" smtClean="0"/>
+              <a:t>03</a:t>
+            </a:r>
+            <a:endParaRPr kumimoji="1" lang="zh-CN" altLang="en-US" dirty="0"/>
+          </a:p>
+        </p:txBody>
+      </p:sp>
+      <p:pic>
+        <p:nvPicPr>
+          <p:cNvPr id="15" name="图片 14"/>
+          <p:cNvPicPr>
+            <a:picLocks noChangeAspect="1"/>
+          </p:cNvPicPr>
+          <p:nvPr/>
+        </p:nvPicPr>
+        <p:blipFill>
+          <a:blip r:embed="rId2">
+            <a:extLst>
+              <a:ext uri="{28A0092B-C50C-407E-A947-70E740481C1C}">
+                <a14:useLocalDpi xmlns:a14="http://schemas.microsoft.com/office/drawing/2010/main" val="0"/>
+              </a:ext>
+            </a:extLst>
+          </a:blip>
+          <a:stretch>
+            <a:fillRect/>
+          </a:stretch>
+        </p:blipFill>
+        <p:spPr>
+          <a:xfrm>
+            <a:off x="4470402" y="6144237"/>
+            <a:ext cx="2244436" cy="713763"/>
+          </a:xfrm>
+          <a:prstGeom prst="rect">
+            <a:avLst/>
+          </a:prstGeom>
+        </p:spPr>
+      </p:pic>
+      <p:sp>
+        <p:nvSpPr>
+          <p:cNvPr id="25" name="文本占位符 24"/>
+          <p:cNvSpPr>
+            <a:spLocks noGrp="1"/>
+          </p:cNvSpPr>
+          <p:nvPr>
+            <p:ph type="body" sz="quarter" idx="17"/>
+          </p:nvPr>
+        </p:nvSpPr>
+        <p:spPr>
+          <a:xfrm>
+            <a:off x="8027847" y="2761786"/>
+            <a:ext cx="3234689" cy="445150"/>
+          </a:xfrm>
+        </p:spPr>
+        <p:txBody>
+          <a:bodyPr/>
+          <a:lstStyle/>
+          <a:p>
+            <a:r>
+              <a:rPr lang="zh-CN" altLang="en-US" dirty="0" smtClean="0"/>
+              <a:t>系统功能需求</a:t>
+            </a:r>
+            <a:endParaRPr lang="zh-CN" altLang="en-US" dirty="0"/>
+          </a:p>
+        </p:txBody>
+      </p:sp>
+      <p:sp>
+        <p:nvSpPr>
+          <p:cNvPr id="9" name="文本占位符 5"/>
+          <p:cNvSpPr>
+            <a:spLocks noGrp="1"/>
+          </p:cNvSpPr>
+          <p:nvPr>
+            <p:ph type="body" sz="quarter" idx="16"/>
+          </p:nvPr>
+        </p:nvSpPr>
+        <p:spPr>
+          <a:xfrm>
+            <a:off x="7210406" y="3417521"/>
+            <a:ext cx="835026" cy="651828"/>
+          </a:xfrm>
+        </p:spPr>
+        <p:txBody>
+          <a:bodyPr/>
+          <a:lstStyle/>
+          <a:p>
+            <a:r>
+              <a:rPr kumimoji="1" lang="en-US" altLang="zh-CN" dirty="0" smtClean="0"/>
+              <a:t>04</a:t>
+            </a:r>
+            <a:endParaRPr kumimoji="1" lang="zh-CN" altLang="en-US" dirty="0"/>
+          </a:p>
+        </p:txBody>
+      </p:sp>
+      <p:sp>
+        <p:nvSpPr>
+          <p:cNvPr id="10" name="文本占位符 24"/>
+          <p:cNvSpPr>
+            <a:spLocks noGrp="1"/>
+          </p:cNvSpPr>
+          <p:nvPr>
+            <p:ph type="body" sz="quarter" idx="17"/>
+          </p:nvPr>
+        </p:nvSpPr>
+        <p:spPr>
+          <a:xfrm>
+            <a:off x="8074742" y="3535605"/>
+            <a:ext cx="3234689" cy="445150"/>
+          </a:xfrm>
+        </p:spPr>
+        <p:txBody>
+          <a:bodyPr/>
+          <a:lstStyle/>
+          <a:p>
+            <a:r>
+              <a:rPr lang="zh-CN" altLang="en-US" dirty="0" smtClean="0"/>
+              <a:t>外部接口需求</a:t>
+            </a:r>
+            <a:endParaRPr lang="zh-CN" altLang="en-US" dirty="0"/>
+          </a:p>
+        </p:txBody>
+      </p:sp>
+      <p:sp>
+        <p:nvSpPr>
+          <p:cNvPr id="11" name="文本占位符 24"/>
+          <p:cNvSpPr>
+            <a:spLocks noGrp="1"/>
+          </p:cNvSpPr>
+          <p:nvPr>
+            <p:ph type="body" sz="quarter" idx="17"/>
+          </p:nvPr>
+        </p:nvSpPr>
+        <p:spPr>
+          <a:xfrm>
+            <a:off x="8126078" y="4227591"/>
+            <a:ext cx="3234689" cy="445150"/>
+          </a:xfrm>
+        </p:spPr>
+        <p:txBody>
+          <a:bodyPr/>
+          <a:lstStyle/>
+          <a:p>
+            <a:r>
+              <a:rPr lang="zh-CN" altLang="en-US" dirty="0" smtClean="0"/>
+              <a:t>其他非功能需求</a:t>
+            </a:r>
+            <a:endParaRPr lang="en-US" altLang="zh-CN" dirty="0" smtClean="0"/>
+          </a:p>
+        </p:txBody>
+      </p:sp>
+      <p:sp>
+        <p:nvSpPr>
+          <p:cNvPr id="12" name="文本占位符 5"/>
+          <p:cNvSpPr>
+            <a:spLocks noGrp="1"/>
+          </p:cNvSpPr>
+          <p:nvPr>
+            <p:ph type="body" sz="quarter" idx="16"/>
+          </p:nvPr>
+        </p:nvSpPr>
+        <p:spPr>
+          <a:xfrm>
+            <a:off x="7219198" y="4124252"/>
+            <a:ext cx="835026" cy="651828"/>
+          </a:xfrm>
+        </p:spPr>
+        <p:txBody>
+          <a:bodyPr/>
+          <a:lstStyle/>
+          <a:p>
+            <a:r>
+              <a:rPr kumimoji="1" lang="en-US" altLang="zh-CN" dirty="0" smtClean="0"/>
+              <a:t>05</a:t>
+            </a:r>
+            <a:endParaRPr kumimoji="1" lang="zh-CN" altLang="en-US" dirty="0"/>
+          </a:p>
+        </p:txBody>
+      </p:sp>
+      <p:sp>
+        <p:nvSpPr>
+          <p:cNvPr id="13" name="文本占位符 24"/>
+          <p:cNvSpPr>
+            <a:spLocks noGrp="1"/>
+          </p:cNvSpPr>
+          <p:nvPr>
+            <p:ph type="body" sz="quarter" idx="17"/>
+          </p:nvPr>
+        </p:nvSpPr>
+        <p:spPr>
+          <a:xfrm>
+            <a:off x="8137803" y="4995458"/>
+            <a:ext cx="3234689" cy="445150"/>
+          </a:xfrm>
+        </p:spPr>
+        <p:txBody>
+          <a:bodyPr/>
+          <a:lstStyle/>
+          <a:p>
+            <a:r>
+              <a:rPr lang="zh-CN" altLang="en-US" dirty="0" smtClean="0"/>
+              <a:t>进度表和活动网络图</a:t>
+            </a:r>
+            <a:endParaRPr lang="en-US" altLang="zh-CN" dirty="0" smtClean="0"/>
+          </a:p>
+        </p:txBody>
+      </p:sp>
+      <p:sp>
+        <p:nvSpPr>
+          <p:cNvPr id="14" name="文本占位符 5"/>
+          <p:cNvSpPr>
+            <a:spLocks noGrp="1"/>
+          </p:cNvSpPr>
+          <p:nvPr>
+            <p:ph type="body" sz="quarter" idx="16"/>
+          </p:nvPr>
+        </p:nvSpPr>
+        <p:spPr>
+          <a:xfrm>
+            <a:off x="7230923" y="4892119"/>
+            <a:ext cx="835026" cy="651828"/>
+          </a:xfrm>
+        </p:spPr>
+        <p:txBody>
+          <a:bodyPr/>
+          <a:lstStyle/>
+          <a:p>
+            <a:r>
+              <a:rPr kumimoji="1" lang="en-US" altLang="zh-CN" dirty="0" smtClean="0"/>
+              <a:t>06</a:t>
+            </a:r>
+            <a:endParaRPr kumimoji="1" lang="zh-CN" altLang="en-US" dirty="0"/>
+          </a:p>
+        </p:txBody>
+      </p:sp>
+    </p:spTree>
+    <p:extLst>
+      <p:ext uri="{BB962C8B-B14F-4D97-AF65-F5344CB8AC3E}">
+        <p14:creationId xmlns:p14="http://schemas.microsoft.com/office/powerpoint/2010/main" val="753959819"/>
+      </p:ext>
+    </p:extLst>
+  </p:cSld>
+  <p:clrMapOvr>
+    <a:masterClrMapping/>
+  </p:clrMapOvr>
+  <mc:AlternateContent xmlns:mc="http://schemas.openxmlformats.org/markup-compatibility/2006" xmlns:p14="http://schemas.microsoft.com/office/powerpoint/2010/main">
+    <mc:Choice Requires="p14">
+      <p:transition spd="slow" p14:dur="1500">
+        <p:split orient="vert"/>
+      </p:transition>
+    </mc:Choice>
+    <mc:Fallback xmlns="">
+      <p:transition spd="slow">
+        <p:split orient="vert"/>
+      </p:transition>
+    </mc:Fallback>
+  </mc:AlternateContent>
+  <p:timing>
+    <p:tnLst>
+      <p:par>
+        <p:cTn id="1" dur="indefinite" restart="never" nodeType="tmRoot"/>
+      </p:par>
+    </p:tnLst>
+  </p:timing>
+</p:sld>
+</file>
+
+<file path=ppt/slides/slide20.xml><?xml version="1.0" encoding="utf-8"?>
 <p:sld xmlns:a="http://schemas.openxmlformats.org/drawingml/2006/main" xmlns:r="http://schemas.openxmlformats.org/officeDocument/2006/relationships" xmlns:p="http://schemas.openxmlformats.org/presentationml/2006/main">
   <p:cSld>
     <p:spTree>
@@ -14233,7 +15888,7 @@
 </p:sld>
 </file>
 
-<file path=ppt/slides/slide17.xml><?xml version="1.0" encoding="utf-8"?>
+<file path=ppt/slides/slide21.xml><?xml version="1.0" encoding="utf-8"?>
 <p:sld xmlns:a="http://schemas.openxmlformats.org/drawingml/2006/main" xmlns:r="http://schemas.openxmlformats.org/officeDocument/2006/relationships" xmlns:p="http://schemas.openxmlformats.org/presentationml/2006/main">
   <p:cSld>
     <p:spTree>
@@ -14415,14 +16070,14 @@
       </p:sp>
       <p:sp>
         <p:nvSpPr>
-          <p:cNvPr id="11" name="矩形 10"/>
+          <p:cNvPr id="10" name="矩形 9"/>
           <p:cNvSpPr/>
           <p:nvPr/>
         </p:nvSpPr>
         <p:spPr>
           <a:xfrm>
-            <a:off x="1524000" y="1454245"/>
-            <a:ext cx="1435008" cy="513474"/>
+            <a:off x="1524000" y="1460563"/>
+            <a:ext cx="1459054" cy="571567"/>
           </a:xfrm>
           <a:prstGeom prst="rect">
             <a:avLst/>
@@ -14459,7 +16114,7 @@
                 <a:ea typeface="DengXian Light" charset="-122"/>
                 <a:cs typeface="Times New Roman" charset="0"/>
               </a:rPr>
-              <a:t>数据字典</a:t>
+              <a:t> 数据字典</a:t>
             </a:r>
             <a:endParaRPr lang="zh-CN" altLang="zh-CN" b="1" kern="100" dirty="0">
               <a:effectLst/>
@@ -14472,14 +16127,14 @@
       </p:sp>
       <p:sp>
         <p:nvSpPr>
-          <p:cNvPr id="13" name="矩形 12"/>
+          <p:cNvPr id="14" name="矩形 13"/>
           <p:cNvSpPr/>
           <p:nvPr/>
         </p:nvSpPr>
         <p:spPr>
           <a:xfrm>
-            <a:off x="1523999" y="2209082"/>
-            <a:ext cx="2031325" cy="571567"/>
+            <a:off x="1844161" y="2032130"/>
+            <a:ext cx="2069797" cy="513474"/>
           </a:xfrm>
           <a:prstGeom prst="rect">
             <a:avLst/>
@@ -14508,7 +16163,7 @@
                 <a:ea typeface="DengXian Light" charset="-122"/>
                 <a:cs typeface="Times New Roman" charset="0"/>
               </a:rPr>
-              <a:t>详见数据字典文档</a:t>
+              <a:t>详见附件数据字典</a:t>
             </a:r>
             <a:endParaRPr lang="zh-CN" altLang="zh-CN" b="1" kern="100" dirty="0">
               <a:effectLst/>
@@ -14519,6 +16174,321 @@
           </a:p>
         </p:txBody>
       </p:sp>
+    </p:spTree>
+    <p:extLst>
+      <p:ext uri="{BB962C8B-B14F-4D97-AF65-F5344CB8AC3E}">
+        <p14:creationId xmlns:p14="http://schemas.microsoft.com/office/powerpoint/2010/main" val="1088198562"/>
+      </p:ext>
+    </p:extLst>
+  </p:cSld>
+  <p:clrMapOvr>
+    <a:masterClrMapping/>
+  </p:clrMapOvr>
+  <mc:AlternateContent xmlns:mc="http://schemas.openxmlformats.org/markup-compatibility/2006" xmlns:p14="http://schemas.microsoft.com/office/powerpoint/2010/main">
+    <mc:Choice Requires="p14">
+      <p:transition spd="med" p14:dur="700">
+        <p:fade/>
+      </p:transition>
+    </mc:Choice>
+    <mc:Fallback xmlns="">
+      <p:transition spd="med">
+        <p:fade/>
+      </p:transition>
+    </mc:Fallback>
+  </mc:AlternateContent>
+  <p:timing>
+    <p:tnLst>
+      <p:par>
+        <p:cTn id="1" dur="indefinite" restart="never" nodeType="tmRoot"/>
+      </p:par>
+    </p:tnLst>
+  </p:timing>
+</p:sld>
+</file>
+
+<file path=ppt/slides/slide22.xml><?xml version="1.0" encoding="utf-8"?>
+<p:sld xmlns:a="http://schemas.openxmlformats.org/drawingml/2006/main" xmlns:r="http://schemas.openxmlformats.org/officeDocument/2006/relationships" xmlns:p="http://schemas.openxmlformats.org/presentationml/2006/main">
+  <p:cSld>
+    <p:spTree>
+      <p:nvGrpSpPr>
+        <p:cNvPr id="1" name=""/>
+        <p:cNvGrpSpPr/>
+        <p:nvPr/>
+      </p:nvGrpSpPr>
+      <p:grpSpPr>
+        <a:xfrm>
+          <a:off x="0" y="0"/>
+          <a:ext cx="0" cy="0"/>
+          <a:chOff x="0" y="0"/>
+          <a:chExt cx="0" cy="0"/>
+        </a:xfrm>
+      </p:grpSpPr>
+      <p:sp>
+        <p:nvSpPr>
+          <p:cNvPr id="2" name="文本占位符 1"/>
+          <p:cNvSpPr>
+            <a:spLocks noGrp="1"/>
+          </p:cNvSpPr>
+          <p:nvPr>
+            <p:ph type="body" sz="quarter" idx="12"/>
+          </p:nvPr>
+        </p:nvSpPr>
+        <p:spPr/>
+        <p:txBody>
+          <a:bodyPr/>
+          <a:lstStyle/>
+          <a:p>
+            <a:r>
+              <a:rPr kumimoji="1" lang="en-US" altLang="zh-CN" dirty="0" smtClean="0"/>
+              <a:t>03</a:t>
+            </a:r>
+            <a:endParaRPr kumimoji="1" lang="zh-CN" altLang="en-US" dirty="0"/>
+          </a:p>
+        </p:txBody>
+      </p:sp>
+      <p:sp>
+        <p:nvSpPr>
+          <p:cNvPr id="3" name="文本占位符 2"/>
+          <p:cNvSpPr>
+            <a:spLocks noGrp="1"/>
+          </p:cNvSpPr>
+          <p:nvPr>
+            <p:ph type="body" sz="quarter" idx="13"/>
+          </p:nvPr>
+        </p:nvSpPr>
+        <p:spPr/>
+        <p:txBody>
+          <a:bodyPr/>
+          <a:lstStyle/>
+          <a:p>
+            <a:r>
+              <a:rPr kumimoji="1" lang="zh-CN" altLang="en-US" dirty="0" smtClean="0"/>
+              <a:t>系统功能需求</a:t>
+            </a:r>
+            <a:endParaRPr kumimoji="1" lang="zh-CN" altLang="en-US" dirty="0"/>
+          </a:p>
+        </p:txBody>
+      </p:sp>
+      <p:sp>
+        <p:nvSpPr>
+          <p:cNvPr id="4" name="矩形 3"/>
+          <p:cNvSpPr/>
+          <p:nvPr/>
+        </p:nvSpPr>
+        <p:spPr>
+          <a:xfrm>
+            <a:off x="1524000" y="1123982"/>
+            <a:ext cx="2031325" cy="88900"/>
+          </a:xfrm>
+          <a:prstGeom prst="rect">
+            <a:avLst/>
+          </a:prstGeom>
+          <a:solidFill>
+            <a:schemeClr val="accent1">
+              <a:lumMod val="75000"/>
+            </a:schemeClr>
+          </a:solidFill>
+          <a:ln>
+            <a:noFill/>
+          </a:ln>
+        </p:spPr>
+        <p:style>
+          <a:lnRef idx="2">
+            <a:schemeClr val="accent1">
+              <a:shade val="50000"/>
+            </a:schemeClr>
+          </a:lnRef>
+          <a:fillRef idx="1">
+            <a:schemeClr val="accent1"/>
+          </a:fillRef>
+          <a:effectRef idx="0">
+            <a:schemeClr val="accent1"/>
+          </a:effectRef>
+          <a:fontRef idx="minor">
+            <a:schemeClr val="lt1"/>
+          </a:fontRef>
+        </p:style>
+        <p:txBody>
+          <a:bodyPr rtlCol="0" anchor="ctr"/>
+          <a:lstStyle/>
+          <a:p>
+            <a:pPr algn="ctr"/>
+            <a:endParaRPr kumimoji="1" lang="zh-CN" altLang="en-US"/>
+          </a:p>
+        </p:txBody>
+      </p:sp>
+      <p:pic>
+        <p:nvPicPr>
+          <p:cNvPr id="21" name="图片 20"/>
+          <p:cNvPicPr>
+            <a:picLocks noChangeAspect="1"/>
+          </p:cNvPicPr>
+          <p:nvPr/>
+        </p:nvPicPr>
+        <p:blipFill>
+          <a:blip r:embed="rId3">
+            <a:extLst>
+              <a:ext uri="{28A0092B-C50C-407E-A947-70E740481C1C}">
+                <a14:useLocalDpi xmlns:a14="http://schemas.microsoft.com/office/drawing/2010/main" val="0"/>
+              </a:ext>
+            </a:extLst>
+          </a:blip>
+          <a:stretch>
+            <a:fillRect/>
+          </a:stretch>
+        </p:blipFill>
+        <p:spPr>
+          <a:xfrm>
+            <a:off x="9781311" y="162538"/>
+            <a:ext cx="2244436" cy="713763"/>
+          </a:xfrm>
+          <a:prstGeom prst="rect">
+            <a:avLst/>
+          </a:prstGeom>
+        </p:spPr>
+      </p:pic>
+      <p:sp>
+        <p:nvSpPr>
+          <p:cNvPr id="7" name="AutoShape 2" descr="https://timgsa.baidu.com/timg?image&amp;quality=80&amp;size=b9999_10000&amp;sec=1508644358879&amp;di=ad8dab2c14263e092edb301109512333&amp;imgtype=0&amp;src=http%3A%2F%2Fkjwy.5any.com%2FRjgc%2Fcontent%2Fimages%2F01%2Frjgc-tp-0111.jpg"/>
+          <p:cNvSpPr>
+            <a:spLocks noChangeAspect="1" noChangeArrowheads="1"/>
+          </p:cNvSpPr>
+          <p:nvPr/>
+        </p:nvSpPr>
+        <p:spPr bwMode="auto">
+          <a:xfrm>
+            <a:off x="155575" y="-144463"/>
+            <a:ext cx="304800" cy="304801"/>
+          </a:xfrm>
+          <a:prstGeom prst="rect">
+            <a:avLst/>
+          </a:prstGeom>
+          <a:noFill/>
+          <a:extLst>
+            <a:ext uri="{909E8E84-426E-40DD-AFC4-6F175D3DCCD1}">
+              <a14:hiddenFill xmlns:a14="http://schemas.microsoft.com/office/drawing/2010/main">
+                <a:solidFill>
+                  <a:srgbClr val="FFFFFF"/>
+                </a:solidFill>
+              </a14:hiddenFill>
+            </a:ext>
+          </a:extLst>
+        </p:spPr>
+        <p:txBody>
+          <a:bodyPr vert="horz" wrap="square" lIns="91440" tIns="45720" rIns="91440" bIns="45720" numCol="1" anchor="t" anchorCtr="0" compatLnSpc="1">
+            <a:prstTxWarp prst="textNoShape">
+              <a:avLst/>
+            </a:prstTxWarp>
+          </a:bodyPr>
+          <a:lstStyle/>
+          <a:p>
+            <a:endParaRPr lang="zh-CN" altLang="en-US"/>
+          </a:p>
+        </p:txBody>
+      </p:sp>
+      <p:sp>
+        <p:nvSpPr>
+          <p:cNvPr id="11" name="矩形 10"/>
+          <p:cNvSpPr/>
+          <p:nvPr/>
+        </p:nvSpPr>
+        <p:spPr>
+          <a:xfrm>
+            <a:off x="1524000" y="1255532"/>
+            <a:ext cx="1010213" cy="571567"/>
+          </a:xfrm>
+          <a:prstGeom prst="rect">
+            <a:avLst/>
+          </a:prstGeom>
+        </p:spPr>
+        <p:txBody>
+          <a:bodyPr wrap="none">
+            <a:spAutoFit/>
+          </a:bodyPr>
+          <a:lstStyle/>
+          <a:p>
+            <a:pPr algn="just">
+              <a:lnSpc>
+                <a:spcPct val="173000"/>
+              </a:lnSpc>
+              <a:spcBef>
+                <a:spcPts val="1300"/>
+              </a:spcBef>
+              <a:spcAft>
+                <a:spcPts val="1300"/>
+              </a:spcAft>
+            </a:pPr>
+            <a:r>
+              <a:rPr lang="en-US" altLang="zh-CN" b="1" kern="100" dirty="0" smtClean="0">
+                <a:latin typeface="DengXian Light" charset="-122"/>
+                <a:ea typeface="DengXian Light" charset="-122"/>
+                <a:cs typeface="Times New Roman" charset="0"/>
+              </a:rPr>
+              <a:t>3.4</a:t>
+            </a:r>
+            <a:r>
+              <a:rPr lang="zh-CN" altLang="en-US" b="1" kern="100" dirty="0" smtClean="0">
+                <a:latin typeface="DengXian Light" charset="-122"/>
+                <a:ea typeface="DengXian Light" charset="-122"/>
+                <a:cs typeface="Times New Roman" charset="0"/>
+              </a:rPr>
+              <a:t> </a:t>
+            </a:r>
+            <a:r>
+              <a:rPr lang="en-US" altLang="zh-CN" b="1" kern="100" dirty="0" smtClean="0">
+                <a:latin typeface="DengXian Light" charset="-122"/>
+                <a:ea typeface="DengXian Light" charset="-122"/>
+                <a:cs typeface="Times New Roman" charset="0"/>
+              </a:rPr>
+              <a:t>ER</a:t>
+            </a:r>
+            <a:r>
+              <a:rPr lang="zh-CN" altLang="en-US" b="1" kern="100" dirty="0" smtClean="0">
+                <a:latin typeface="DengXian Light" charset="-122"/>
+                <a:ea typeface="DengXian Light" charset="-122"/>
+                <a:cs typeface="Times New Roman" charset="0"/>
+              </a:rPr>
+              <a:t>图</a:t>
+            </a:r>
+            <a:endParaRPr lang="zh-CN" altLang="zh-CN" b="1" kern="100" dirty="0">
+              <a:effectLst/>
+              <a:latin typeface="DengXian Light" charset="-122"/>
+              <a:ea typeface="DengXian Light" charset="-122"/>
+              <a:cs typeface="Times New Roman" charset="0"/>
+            </a:endParaRPr>
+          </a:p>
+        </p:txBody>
+      </p:sp>
+      <p:pic>
+        <p:nvPicPr>
+          <p:cNvPr id="5" name="图片 4"/>
+          <p:cNvPicPr>
+            <a:picLocks noChangeAspect="1"/>
+          </p:cNvPicPr>
+          <p:nvPr/>
+        </p:nvPicPr>
+        <p:blipFill>
+          <a:blip r:embed="rId4">
+            <a:extLst>
+              <a:ext uri="{28A0092B-C50C-407E-A947-70E740481C1C}">
+                <a14:useLocalDpi xmlns:a14="http://schemas.microsoft.com/office/drawing/2010/main" val="0"/>
+              </a:ext>
+            </a:extLst>
+          </a:blip>
+          <a:stretch>
+            <a:fillRect/>
+          </a:stretch>
+        </p:blipFill>
+        <p:spPr>
+          <a:xfrm>
+            <a:off x="2813015" y="1255532"/>
+            <a:ext cx="7983322" cy="5037862"/>
+          </a:xfrm>
+          <a:prstGeom prst="rect">
+            <a:avLst/>
+          </a:prstGeom>
+        </p:spPr>
+      </p:pic>
     </p:spTree>
     <p:extLst>
       <p:ext uri="{BB962C8B-B14F-4D97-AF65-F5344CB8AC3E}">
@@ -14551,7 +16521,640 @@
 </p:sld>
 </file>
 
-<file path=ppt/slides/slide18.xml><?xml version="1.0" encoding="utf-8"?>
+<file path=ppt/slides/slide23.xml><?xml version="1.0" encoding="utf-8"?>
+<p:sld xmlns:a="http://schemas.openxmlformats.org/drawingml/2006/main" xmlns:r="http://schemas.openxmlformats.org/officeDocument/2006/relationships" xmlns:p="http://schemas.openxmlformats.org/presentationml/2006/main">
+  <p:cSld>
+    <p:spTree>
+      <p:nvGrpSpPr>
+        <p:cNvPr id="1" name=""/>
+        <p:cNvGrpSpPr/>
+        <p:nvPr/>
+      </p:nvGrpSpPr>
+      <p:grpSpPr>
+        <a:xfrm>
+          <a:off x="0" y="0"/>
+          <a:ext cx="0" cy="0"/>
+          <a:chOff x="0" y="0"/>
+          <a:chExt cx="0" cy="0"/>
+        </a:xfrm>
+      </p:grpSpPr>
+      <p:sp>
+        <p:nvSpPr>
+          <p:cNvPr id="2" name="文本占位符 1"/>
+          <p:cNvSpPr>
+            <a:spLocks noGrp="1"/>
+          </p:cNvSpPr>
+          <p:nvPr>
+            <p:ph type="body" sz="quarter" idx="12"/>
+          </p:nvPr>
+        </p:nvSpPr>
+        <p:spPr/>
+        <p:txBody>
+          <a:bodyPr/>
+          <a:lstStyle/>
+          <a:p>
+            <a:r>
+              <a:rPr kumimoji="1" lang="en-US" altLang="zh-CN" dirty="0" smtClean="0"/>
+              <a:t>03</a:t>
+            </a:r>
+            <a:endParaRPr kumimoji="1" lang="zh-CN" altLang="en-US" dirty="0"/>
+          </a:p>
+        </p:txBody>
+      </p:sp>
+      <p:sp>
+        <p:nvSpPr>
+          <p:cNvPr id="3" name="文本占位符 2"/>
+          <p:cNvSpPr>
+            <a:spLocks noGrp="1"/>
+          </p:cNvSpPr>
+          <p:nvPr>
+            <p:ph type="body" sz="quarter" idx="13"/>
+          </p:nvPr>
+        </p:nvSpPr>
+        <p:spPr/>
+        <p:txBody>
+          <a:bodyPr/>
+          <a:lstStyle/>
+          <a:p>
+            <a:r>
+              <a:rPr kumimoji="1" lang="zh-CN" altLang="en-US" dirty="0" smtClean="0"/>
+              <a:t>系统功能需求</a:t>
+            </a:r>
+            <a:endParaRPr kumimoji="1" lang="zh-CN" altLang="en-US" dirty="0"/>
+          </a:p>
+        </p:txBody>
+      </p:sp>
+      <p:sp>
+        <p:nvSpPr>
+          <p:cNvPr id="4" name="矩形 3"/>
+          <p:cNvSpPr/>
+          <p:nvPr/>
+        </p:nvSpPr>
+        <p:spPr>
+          <a:xfrm>
+            <a:off x="1524000" y="1123982"/>
+            <a:ext cx="2031325" cy="88900"/>
+          </a:xfrm>
+          <a:prstGeom prst="rect">
+            <a:avLst/>
+          </a:prstGeom>
+          <a:solidFill>
+            <a:schemeClr val="accent1">
+              <a:lumMod val="75000"/>
+            </a:schemeClr>
+          </a:solidFill>
+          <a:ln>
+            <a:noFill/>
+          </a:ln>
+        </p:spPr>
+        <p:style>
+          <a:lnRef idx="2">
+            <a:schemeClr val="accent1">
+              <a:shade val="50000"/>
+            </a:schemeClr>
+          </a:lnRef>
+          <a:fillRef idx="1">
+            <a:schemeClr val="accent1"/>
+          </a:fillRef>
+          <a:effectRef idx="0">
+            <a:schemeClr val="accent1"/>
+          </a:effectRef>
+          <a:fontRef idx="minor">
+            <a:schemeClr val="lt1"/>
+          </a:fontRef>
+        </p:style>
+        <p:txBody>
+          <a:bodyPr rtlCol="0" anchor="ctr"/>
+          <a:lstStyle/>
+          <a:p>
+            <a:pPr algn="ctr"/>
+            <a:endParaRPr kumimoji="1" lang="zh-CN" altLang="en-US"/>
+          </a:p>
+        </p:txBody>
+      </p:sp>
+      <p:pic>
+        <p:nvPicPr>
+          <p:cNvPr id="21" name="图片 20"/>
+          <p:cNvPicPr>
+            <a:picLocks noChangeAspect="1"/>
+          </p:cNvPicPr>
+          <p:nvPr/>
+        </p:nvPicPr>
+        <p:blipFill>
+          <a:blip r:embed="rId3">
+            <a:extLst>
+              <a:ext uri="{28A0092B-C50C-407E-A947-70E740481C1C}">
+                <a14:useLocalDpi xmlns:a14="http://schemas.microsoft.com/office/drawing/2010/main" val="0"/>
+              </a:ext>
+            </a:extLst>
+          </a:blip>
+          <a:stretch>
+            <a:fillRect/>
+          </a:stretch>
+        </p:blipFill>
+        <p:spPr>
+          <a:xfrm>
+            <a:off x="9781311" y="162538"/>
+            <a:ext cx="2244436" cy="713763"/>
+          </a:xfrm>
+          <a:prstGeom prst="rect">
+            <a:avLst/>
+          </a:prstGeom>
+        </p:spPr>
+      </p:pic>
+      <p:sp>
+        <p:nvSpPr>
+          <p:cNvPr id="7" name="AutoShape 2" descr="https://timgsa.baidu.com/timg?image&amp;quality=80&amp;size=b9999_10000&amp;sec=1508644358879&amp;di=ad8dab2c14263e092edb301109512333&amp;imgtype=0&amp;src=http%3A%2F%2Fkjwy.5any.com%2FRjgc%2Fcontent%2Fimages%2F01%2Frjgc-tp-0111.jpg"/>
+          <p:cNvSpPr>
+            <a:spLocks noChangeAspect="1" noChangeArrowheads="1"/>
+          </p:cNvSpPr>
+          <p:nvPr/>
+        </p:nvSpPr>
+        <p:spPr bwMode="auto">
+          <a:xfrm>
+            <a:off x="155575" y="-144463"/>
+            <a:ext cx="304800" cy="304801"/>
+          </a:xfrm>
+          <a:prstGeom prst="rect">
+            <a:avLst/>
+          </a:prstGeom>
+          <a:noFill/>
+          <a:extLst>
+            <a:ext uri="{909E8E84-426E-40DD-AFC4-6F175D3DCCD1}">
+              <a14:hiddenFill xmlns:a14="http://schemas.microsoft.com/office/drawing/2010/main">
+                <a:solidFill>
+                  <a:srgbClr val="FFFFFF"/>
+                </a:solidFill>
+              </a14:hiddenFill>
+            </a:ext>
+          </a:extLst>
+        </p:spPr>
+        <p:txBody>
+          <a:bodyPr vert="horz" wrap="square" lIns="91440" tIns="45720" rIns="91440" bIns="45720" numCol="1" anchor="t" anchorCtr="0" compatLnSpc="1">
+            <a:prstTxWarp prst="textNoShape">
+              <a:avLst/>
+            </a:prstTxWarp>
+          </a:bodyPr>
+          <a:lstStyle/>
+          <a:p>
+            <a:endParaRPr lang="zh-CN" altLang="en-US"/>
+          </a:p>
+        </p:txBody>
+      </p:sp>
+      <p:sp>
+        <p:nvSpPr>
+          <p:cNvPr id="11" name="矩形 10"/>
+          <p:cNvSpPr/>
+          <p:nvPr/>
+        </p:nvSpPr>
+        <p:spPr>
+          <a:xfrm>
+            <a:off x="1700330" y="1255532"/>
+            <a:ext cx="657552" cy="513474"/>
+          </a:xfrm>
+          <a:prstGeom prst="rect">
+            <a:avLst/>
+          </a:prstGeom>
+        </p:spPr>
+        <p:txBody>
+          <a:bodyPr wrap="none">
+            <a:spAutoFit/>
+          </a:bodyPr>
+          <a:lstStyle/>
+          <a:p>
+            <a:pPr algn="just">
+              <a:lnSpc>
+                <a:spcPct val="173000"/>
+              </a:lnSpc>
+              <a:spcBef>
+                <a:spcPts val="1300"/>
+              </a:spcBef>
+              <a:spcAft>
+                <a:spcPts val="1300"/>
+              </a:spcAft>
+            </a:pPr>
+            <a:r>
+              <a:rPr lang="en-US" altLang="zh-CN" b="1" kern="100" dirty="0" smtClean="0">
+                <a:latin typeface="DengXian Light" charset="-122"/>
+                <a:ea typeface="DengXian Light" charset="-122"/>
+                <a:cs typeface="Times New Roman" charset="0"/>
+              </a:rPr>
+              <a:t>PDM</a:t>
+            </a:r>
+            <a:endParaRPr lang="zh-CN" altLang="zh-CN" b="1" kern="100" dirty="0">
+              <a:effectLst/>
+              <a:latin typeface="DengXian Light" charset="-122"/>
+              <a:ea typeface="DengXian Light" charset="-122"/>
+              <a:cs typeface="Times New Roman" charset="0"/>
+            </a:endParaRPr>
+          </a:p>
+        </p:txBody>
+      </p:sp>
+      <p:pic>
+        <p:nvPicPr>
+          <p:cNvPr id="6" name="图片 5"/>
+          <p:cNvPicPr>
+            <a:picLocks noChangeAspect="1"/>
+          </p:cNvPicPr>
+          <p:nvPr/>
+        </p:nvPicPr>
+        <p:blipFill>
+          <a:blip r:embed="rId4">
+            <a:extLst>
+              <a:ext uri="{28A0092B-C50C-407E-A947-70E740481C1C}">
+                <a14:useLocalDpi xmlns:a14="http://schemas.microsoft.com/office/drawing/2010/main" val="0"/>
+              </a:ext>
+            </a:extLst>
+          </a:blip>
+          <a:stretch>
+            <a:fillRect/>
+          </a:stretch>
+        </p:blipFill>
+        <p:spPr>
+          <a:xfrm>
+            <a:off x="2539662" y="1212882"/>
+            <a:ext cx="7541897" cy="5125394"/>
+          </a:xfrm>
+          <a:prstGeom prst="rect">
+            <a:avLst/>
+          </a:prstGeom>
+        </p:spPr>
+      </p:pic>
+    </p:spTree>
+    <p:extLst>
+      <p:ext uri="{BB962C8B-B14F-4D97-AF65-F5344CB8AC3E}">
+        <p14:creationId xmlns:p14="http://schemas.microsoft.com/office/powerpoint/2010/main" val="1500914927"/>
+      </p:ext>
+    </p:extLst>
+  </p:cSld>
+  <p:clrMapOvr>
+    <a:masterClrMapping/>
+  </p:clrMapOvr>
+  <mc:AlternateContent xmlns:mc="http://schemas.openxmlformats.org/markup-compatibility/2006" xmlns:p14="http://schemas.microsoft.com/office/powerpoint/2010/main">
+    <mc:Choice Requires="p14">
+      <p:transition spd="med" p14:dur="700">
+        <p:fade/>
+      </p:transition>
+    </mc:Choice>
+    <mc:Fallback xmlns="">
+      <p:transition spd="med">
+        <p:fade/>
+      </p:transition>
+    </mc:Fallback>
+  </mc:AlternateContent>
+  <p:timing>
+    <p:tnLst>
+      <p:par>
+        <p:cTn id="1" dur="indefinite" restart="never" nodeType="tmRoot"/>
+      </p:par>
+    </p:tnLst>
+  </p:timing>
+</p:sld>
+</file>
+
+<file path=ppt/slides/slide24.xml><?xml version="1.0" encoding="utf-8"?>
+<p:sld xmlns:a="http://schemas.openxmlformats.org/drawingml/2006/main" xmlns:r="http://schemas.openxmlformats.org/officeDocument/2006/relationships" xmlns:p="http://schemas.openxmlformats.org/presentationml/2006/main">
+  <p:cSld>
+    <p:spTree>
+      <p:nvGrpSpPr>
+        <p:cNvPr id="1" name=""/>
+        <p:cNvGrpSpPr/>
+        <p:nvPr/>
+      </p:nvGrpSpPr>
+      <p:grpSpPr>
+        <a:xfrm>
+          <a:off x="0" y="0"/>
+          <a:ext cx="0" cy="0"/>
+          <a:chOff x="0" y="0"/>
+          <a:chExt cx="0" cy="0"/>
+        </a:xfrm>
+      </p:grpSpPr>
+      <p:sp>
+        <p:nvSpPr>
+          <p:cNvPr id="2" name="文本占位符 1"/>
+          <p:cNvSpPr>
+            <a:spLocks noGrp="1"/>
+          </p:cNvSpPr>
+          <p:nvPr>
+            <p:ph type="body" sz="quarter" idx="12"/>
+          </p:nvPr>
+        </p:nvSpPr>
+        <p:spPr/>
+        <p:txBody>
+          <a:bodyPr/>
+          <a:lstStyle/>
+          <a:p>
+            <a:r>
+              <a:rPr kumimoji="1" lang="en-US" altLang="zh-CN" dirty="0" smtClean="0"/>
+              <a:t>03</a:t>
+            </a:r>
+            <a:endParaRPr kumimoji="1" lang="zh-CN" altLang="en-US" dirty="0"/>
+          </a:p>
+        </p:txBody>
+      </p:sp>
+      <p:sp>
+        <p:nvSpPr>
+          <p:cNvPr id="3" name="文本占位符 2"/>
+          <p:cNvSpPr>
+            <a:spLocks noGrp="1"/>
+          </p:cNvSpPr>
+          <p:nvPr>
+            <p:ph type="body" sz="quarter" idx="13"/>
+          </p:nvPr>
+        </p:nvSpPr>
+        <p:spPr/>
+        <p:txBody>
+          <a:bodyPr/>
+          <a:lstStyle/>
+          <a:p>
+            <a:r>
+              <a:rPr kumimoji="1" lang="zh-CN" altLang="en-US" dirty="0" smtClean="0"/>
+              <a:t>系统功能需求</a:t>
+            </a:r>
+            <a:endParaRPr kumimoji="1" lang="zh-CN" altLang="en-US" dirty="0"/>
+          </a:p>
+        </p:txBody>
+      </p:sp>
+      <p:sp>
+        <p:nvSpPr>
+          <p:cNvPr id="4" name="矩形 3"/>
+          <p:cNvSpPr/>
+          <p:nvPr/>
+        </p:nvSpPr>
+        <p:spPr>
+          <a:xfrm>
+            <a:off x="1524000" y="1123982"/>
+            <a:ext cx="2031325" cy="88900"/>
+          </a:xfrm>
+          <a:prstGeom prst="rect">
+            <a:avLst/>
+          </a:prstGeom>
+          <a:solidFill>
+            <a:schemeClr val="accent1">
+              <a:lumMod val="75000"/>
+            </a:schemeClr>
+          </a:solidFill>
+          <a:ln>
+            <a:noFill/>
+          </a:ln>
+        </p:spPr>
+        <p:style>
+          <a:lnRef idx="2">
+            <a:schemeClr val="accent1">
+              <a:shade val="50000"/>
+            </a:schemeClr>
+          </a:lnRef>
+          <a:fillRef idx="1">
+            <a:schemeClr val="accent1"/>
+          </a:fillRef>
+          <a:effectRef idx="0">
+            <a:schemeClr val="accent1"/>
+          </a:effectRef>
+          <a:fontRef idx="minor">
+            <a:schemeClr val="lt1"/>
+          </a:fontRef>
+        </p:style>
+        <p:txBody>
+          <a:bodyPr rtlCol="0" anchor="ctr"/>
+          <a:lstStyle/>
+          <a:p>
+            <a:pPr algn="ctr"/>
+            <a:endParaRPr kumimoji="1" lang="zh-CN" altLang="en-US"/>
+          </a:p>
+        </p:txBody>
+      </p:sp>
+      <p:pic>
+        <p:nvPicPr>
+          <p:cNvPr id="21" name="图片 20"/>
+          <p:cNvPicPr>
+            <a:picLocks noChangeAspect="1"/>
+          </p:cNvPicPr>
+          <p:nvPr/>
+        </p:nvPicPr>
+        <p:blipFill>
+          <a:blip r:embed="rId3">
+            <a:extLst>
+              <a:ext uri="{28A0092B-C50C-407E-A947-70E740481C1C}">
+                <a14:useLocalDpi xmlns:a14="http://schemas.microsoft.com/office/drawing/2010/main" val="0"/>
+              </a:ext>
+            </a:extLst>
+          </a:blip>
+          <a:stretch>
+            <a:fillRect/>
+          </a:stretch>
+        </p:blipFill>
+        <p:spPr>
+          <a:xfrm>
+            <a:off x="9781311" y="162538"/>
+            <a:ext cx="2244436" cy="713763"/>
+          </a:xfrm>
+          <a:prstGeom prst="rect">
+            <a:avLst/>
+          </a:prstGeom>
+        </p:spPr>
+      </p:pic>
+      <p:sp>
+        <p:nvSpPr>
+          <p:cNvPr id="7" name="AutoShape 2" descr="https://timgsa.baidu.com/timg?image&amp;quality=80&amp;size=b9999_10000&amp;sec=1508644358879&amp;di=ad8dab2c14263e092edb301109512333&amp;imgtype=0&amp;src=http%3A%2F%2Fkjwy.5any.com%2FRjgc%2Fcontent%2Fimages%2F01%2Frjgc-tp-0111.jpg"/>
+          <p:cNvSpPr>
+            <a:spLocks noChangeAspect="1" noChangeArrowheads="1"/>
+          </p:cNvSpPr>
+          <p:nvPr/>
+        </p:nvSpPr>
+        <p:spPr bwMode="auto">
+          <a:xfrm>
+            <a:off x="155575" y="-144463"/>
+            <a:ext cx="304800" cy="304801"/>
+          </a:xfrm>
+          <a:prstGeom prst="rect">
+            <a:avLst/>
+          </a:prstGeom>
+          <a:noFill/>
+          <a:extLst>
+            <a:ext uri="{909E8E84-426E-40DD-AFC4-6F175D3DCCD1}">
+              <a14:hiddenFill xmlns:a14="http://schemas.microsoft.com/office/drawing/2010/main">
+                <a:solidFill>
+                  <a:srgbClr val="FFFFFF"/>
+                </a:solidFill>
+              </a14:hiddenFill>
+            </a:ext>
+          </a:extLst>
+        </p:spPr>
+        <p:txBody>
+          <a:bodyPr vert="horz" wrap="square" lIns="91440" tIns="45720" rIns="91440" bIns="45720" numCol="1" anchor="t" anchorCtr="0" compatLnSpc="1">
+            <a:prstTxWarp prst="textNoShape">
+              <a:avLst/>
+            </a:prstTxWarp>
+          </a:bodyPr>
+          <a:lstStyle/>
+          <a:p>
+            <a:endParaRPr lang="zh-CN" altLang="en-US"/>
+          </a:p>
+        </p:txBody>
+      </p:sp>
+      <p:sp>
+        <p:nvSpPr>
+          <p:cNvPr id="10" name="矩形 9"/>
+          <p:cNvSpPr/>
+          <p:nvPr/>
+        </p:nvSpPr>
+        <p:spPr>
+          <a:xfrm>
+            <a:off x="1670675" y="1460563"/>
+            <a:ext cx="1165704" cy="513474"/>
+          </a:xfrm>
+          <a:prstGeom prst="rect">
+            <a:avLst/>
+          </a:prstGeom>
+        </p:spPr>
+        <p:txBody>
+          <a:bodyPr wrap="none">
+            <a:spAutoFit/>
+          </a:bodyPr>
+          <a:lstStyle/>
+          <a:p>
+            <a:pPr algn="just">
+              <a:lnSpc>
+                <a:spcPct val="173000"/>
+              </a:lnSpc>
+              <a:spcBef>
+                <a:spcPts val="1300"/>
+              </a:spcBef>
+              <a:spcAft>
+                <a:spcPts val="1300"/>
+              </a:spcAft>
+            </a:pPr>
+            <a:r>
+              <a:rPr lang="en-US" altLang="zh-CN" b="1" kern="100" dirty="0" smtClean="0">
+                <a:latin typeface="DengXian Light" charset="-122"/>
+                <a:ea typeface="DengXian Light" charset="-122"/>
+                <a:cs typeface="Times New Roman" charset="0"/>
+              </a:rPr>
+              <a:t>3.5</a:t>
+            </a:r>
+            <a:r>
+              <a:rPr lang="zh-CN" altLang="en-US" b="1" kern="100" dirty="0" smtClean="0">
+                <a:latin typeface="DengXian Light" charset="-122"/>
+                <a:ea typeface="DengXian Light" charset="-122"/>
+                <a:cs typeface="Times New Roman" charset="0"/>
+              </a:rPr>
+              <a:t>状态图</a:t>
+            </a:r>
+            <a:endParaRPr lang="zh-CN" altLang="zh-CN" b="1" kern="100" dirty="0">
+              <a:effectLst/>
+              <a:latin typeface="DengXian Light" charset="-122"/>
+              <a:ea typeface="DengXian Light" charset="-122"/>
+              <a:cs typeface="Times New Roman" charset="0"/>
+            </a:endParaRPr>
+          </a:p>
+        </p:txBody>
+      </p:sp>
+      <p:sp>
+        <p:nvSpPr>
+          <p:cNvPr id="14" name="矩形 13"/>
+          <p:cNvSpPr/>
+          <p:nvPr/>
+        </p:nvSpPr>
+        <p:spPr>
+          <a:xfrm>
+            <a:off x="1978813" y="2032130"/>
+            <a:ext cx="1800493" cy="513474"/>
+          </a:xfrm>
+          <a:prstGeom prst="rect">
+            <a:avLst/>
+          </a:prstGeom>
+        </p:spPr>
+        <p:txBody>
+          <a:bodyPr wrap="none">
+            <a:spAutoFit/>
+          </a:bodyPr>
+          <a:lstStyle/>
+          <a:p>
+            <a:pPr algn="just">
+              <a:lnSpc>
+                <a:spcPct val="173000"/>
+              </a:lnSpc>
+              <a:spcBef>
+                <a:spcPts val="1300"/>
+              </a:spcBef>
+              <a:spcAft>
+                <a:spcPts val="1300"/>
+              </a:spcAft>
+            </a:pPr>
+            <a:r>
+              <a:rPr lang="zh-CN" altLang="en-US" b="1" kern="100" dirty="0" smtClean="0">
+                <a:latin typeface="DengXian Light" charset="-122"/>
+                <a:ea typeface="DengXian Light" charset="-122"/>
+                <a:cs typeface="Times New Roman" charset="0"/>
+              </a:rPr>
+              <a:t>详见</a:t>
+            </a:r>
+            <a:r>
+              <a:rPr lang="zh-CN" altLang="en-US" b="1" kern="100" dirty="0" smtClean="0">
+                <a:latin typeface="DengXian Light" charset="-122"/>
+                <a:ea typeface="DengXian Light" charset="-122"/>
+                <a:cs typeface="Times New Roman" charset="0"/>
+              </a:rPr>
+              <a:t>附件</a:t>
+            </a:r>
+            <a:r>
+              <a:rPr lang="zh-CN" altLang="en-US" b="1" kern="100" dirty="0" smtClean="0">
+                <a:latin typeface="DengXian Light" charset="-122"/>
+                <a:ea typeface="DengXian Light" charset="-122"/>
+                <a:cs typeface="Times New Roman" charset="0"/>
+              </a:rPr>
+              <a:t>状态</a:t>
+            </a:r>
+            <a:r>
+              <a:rPr lang="zh-CN" altLang="en-US" b="1" kern="100" dirty="0" smtClean="0">
+                <a:latin typeface="DengXian Light" charset="-122"/>
+                <a:ea typeface="DengXian Light" charset="-122"/>
+                <a:cs typeface="Times New Roman" charset="0"/>
+              </a:rPr>
+              <a:t>图</a:t>
+            </a:r>
+            <a:endParaRPr lang="zh-CN" altLang="zh-CN" b="1" kern="100" dirty="0">
+              <a:effectLst/>
+              <a:latin typeface="DengXian Light" charset="-122"/>
+              <a:ea typeface="DengXian Light" charset="-122"/>
+              <a:cs typeface="Times New Roman" charset="0"/>
+            </a:endParaRPr>
+          </a:p>
+        </p:txBody>
+      </p:sp>
+    </p:spTree>
+    <p:extLst>
+      <p:ext uri="{BB962C8B-B14F-4D97-AF65-F5344CB8AC3E}">
+        <p14:creationId xmlns:p14="http://schemas.microsoft.com/office/powerpoint/2010/main" val="98114060"/>
+      </p:ext>
+    </p:extLst>
+  </p:cSld>
+  <p:clrMapOvr>
+    <a:masterClrMapping/>
+  </p:clrMapOvr>
+  <mc:AlternateContent xmlns:mc="http://schemas.openxmlformats.org/markup-compatibility/2006" xmlns:p14="http://schemas.microsoft.com/office/powerpoint/2010/main">
+    <mc:Choice Requires="p14">
+      <p:transition spd="med" p14:dur="700">
+        <p:fade/>
+      </p:transition>
+    </mc:Choice>
+    <mc:Fallback xmlns="">
+      <p:transition spd="med">
+        <p:fade/>
+      </p:transition>
+    </mc:Fallback>
+  </mc:AlternateContent>
+  <p:timing>
+    <p:tnLst>
+      <p:par>
+        <p:cTn id="1" dur="indefinite" restart="never" nodeType="tmRoot"/>
+      </p:par>
+    </p:tnLst>
+  </p:timing>
+</p:sld>
+</file>
+
+<file path=ppt/slides/slide25.xml><?xml version="1.0" encoding="utf-8"?>
 <p:sld xmlns:a="http://schemas.openxmlformats.org/drawingml/2006/main" xmlns:r="http://schemas.openxmlformats.org/officeDocument/2006/relationships" xmlns:p="http://schemas.openxmlformats.org/presentationml/2006/main">
   <p:cSld>
     <p:spTree>
@@ -14686,7 +17289,7 @@
 </p:sld>
 </file>
 
-<file path=ppt/slides/slide19.xml><?xml version="1.0" encoding="utf-8"?>
+<file path=ppt/slides/slide26.xml><?xml version="1.0" encoding="utf-8"?>
 <p:sld xmlns:a="http://schemas.openxmlformats.org/drawingml/2006/main" xmlns:r="http://schemas.openxmlformats.org/officeDocument/2006/relationships" xmlns:p="http://schemas.openxmlformats.org/presentationml/2006/main">
   <p:cSld>
     <p:spTree>
@@ -15854,421 +18457,7 @@
 </p:sld>
 </file>
 
-<file path=ppt/slides/slide2.xml><?xml version="1.0" encoding="utf-8"?>
-<p:sld xmlns:a="http://schemas.openxmlformats.org/drawingml/2006/main" xmlns:r="http://schemas.openxmlformats.org/officeDocument/2006/relationships" xmlns:p="http://schemas.openxmlformats.org/presentationml/2006/main">
-  <p:cSld>
-    <p:spTree>
-      <p:nvGrpSpPr>
-        <p:cNvPr id="1" name=""/>
-        <p:cNvGrpSpPr/>
-        <p:nvPr/>
-      </p:nvGrpSpPr>
-      <p:grpSpPr>
-        <a:xfrm>
-          <a:off x="0" y="0"/>
-          <a:ext cx="0" cy="0"/>
-          <a:chOff x="0" y="0"/>
-          <a:chExt cx="0" cy="0"/>
-        </a:xfrm>
-      </p:grpSpPr>
-      <p:sp>
-        <p:nvSpPr>
-          <p:cNvPr id="2" name="文本占位符 1"/>
-          <p:cNvSpPr>
-            <a:spLocks noGrp="1"/>
-          </p:cNvSpPr>
-          <p:nvPr>
-            <p:ph type="body" sz="quarter" idx="12"/>
-          </p:nvPr>
-        </p:nvSpPr>
-        <p:spPr>
-          <a:xfrm>
-            <a:off x="7192822" y="1067617"/>
-            <a:ext cx="835026" cy="651828"/>
-          </a:xfrm>
-        </p:spPr>
-        <p:txBody>
-          <a:bodyPr/>
-          <a:lstStyle/>
-          <a:p>
-            <a:r>
-              <a:rPr kumimoji="1" lang="en-US" altLang="zh-CN" dirty="0" smtClean="0"/>
-              <a:t>01</a:t>
-            </a:r>
-            <a:endParaRPr kumimoji="1" lang="zh-CN" altLang="en-US" dirty="0"/>
-          </a:p>
-        </p:txBody>
-      </p:sp>
-      <p:sp>
-        <p:nvSpPr>
-          <p:cNvPr id="3" name="文本占位符 2"/>
-          <p:cNvSpPr>
-            <a:spLocks noGrp="1"/>
-          </p:cNvSpPr>
-          <p:nvPr>
-            <p:ph type="body" sz="quarter" idx="13"/>
-          </p:nvPr>
-        </p:nvSpPr>
-        <p:spPr>
-          <a:xfrm>
-            <a:off x="8027847" y="1170956"/>
-            <a:ext cx="3234689" cy="445150"/>
-          </a:xfrm>
-        </p:spPr>
-        <p:txBody>
-          <a:bodyPr/>
-          <a:lstStyle/>
-          <a:p>
-            <a:r>
-              <a:rPr kumimoji="1" lang="zh-CN" altLang="en-US" dirty="0"/>
-              <a:t>引言</a:t>
-            </a:r>
-          </a:p>
-        </p:txBody>
-      </p:sp>
-      <p:sp>
-        <p:nvSpPr>
-          <p:cNvPr id="4" name="文本占位符 3"/>
-          <p:cNvSpPr>
-            <a:spLocks noGrp="1"/>
-          </p:cNvSpPr>
-          <p:nvPr>
-            <p:ph type="body" sz="quarter" idx="14"/>
-          </p:nvPr>
-        </p:nvSpPr>
-        <p:spPr>
-          <a:xfrm>
-            <a:off x="7192822" y="1901693"/>
-            <a:ext cx="835026" cy="651828"/>
-          </a:xfrm>
-        </p:spPr>
-        <p:txBody>
-          <a:bodyPr/>
-          <a:lstStyle/>
-          <a:p>
-            <a:r>
-              <a:rPr kumimoji="1" lang="en-US" altLang="zh-CN" dirty="0" smtClean="0"/>
-              <a:t>02</a:t>
-            </a:r>
-            <a:endParaRPr kumimoji="1" lang="zh-CN" altLang="en-US" dirty="0"/>
-          </a:p>
-        </p:txBody>
-      </p:sp>
-      <p:sp>
-        <p:nvSpPr>
-          <p:cNvPr id="5" name="文本占位符 4"/>
-          <p:cNvSpPr>
-            <a:spLocks noGrp="1"/>
-          </p:cNvSpPr>
-          <p:nvPr>
-            <p:ph type="body" sz="quarter" idx="15"/>
-          </p:nvPr>
-        </p:nvSpPr>
-        <p:spPr>
-          <a:xfrm>
-            <a:off x="8054224" y="2018041"/>
-            <a:ext cx="3234689" cy="445150"/>
-          </a:xfrm>
-        </p:spPr>
-        <p:txBody>
-          <a:bodyPr/>
-          <a:lstStyle/>
-          <a:p>
-            <a:r>
-              <a:rPr kumimoji="1" lang="zh-CN" altLang="en-US" dirty="0" smtClean="0"/>
-              <a:t>需求概述</a:t>
-            </a:r>
-            <a:endParaRPr kumimoji="1" lang="zh-CN" altLang="en-US" dirty="0"/>
-          </a:p>
-        </p:txBody>
-      </p:sp>
-      <p:sp>
-        <p:nvSpPr>
-          <p:cNvPr id="6" name="文本占位符 5"/>
-          <p:cNvSpPr>
-            <a:spLocks noGrp="1"/>
-          </p:cNvSpPr>
-          <p:nvPr>
-            <p:ph type="body" sz="quarter" idx="16"/>
-          </p:nvPr>
-        </p:nvSpPr>
-        <p:spPr>
-          <a:xfrm>
-            <a:off x="7192822" y="2658447"/>
-            <a:ext cx="835026" cy="651828"/>
-          </a:xfrm>
-        </p:spPr>
-        <p:txBody>
-          <a:bodyPr/>
-          <a:lstStyle/>
-          <a:p>
-            <a:r>
-              <a:rPr kumimoji="1" lang="en-US" altLang="zh-CN" dirty="0" smtClean="0"/>
-              <a:t>03</a:t>
-            </a:r>
-            <a:endParaRPr kumimoji="1" lang="zh-CN" altLang="en-US" dirty="0"/>
-          </a:p>
-        </p:txBody>
-      </p:sp>
-      <p:pic>
-        <p:nvPicPr>
-          <p:cNvPr id="15" name="图片 14"/>
-          <p:cNvPicPr>
-            <a:picLocks noChangeAspect="1"/>
-          </p:cNvPicPr>
-          <p:nvPr/>
-        </p:nvPicPr>
-        <p:blipFill>
-          <a:blip r:embed="rId2">
-            <a:extLst>
-              <a:ext uri="{28A0092B-C50C-407E-A947-70E740481C1C}">
-                <a14:useLocalDpi xmlns:a14="http://schemas.microsoft.com/office/drawing/2010/main" val="0"/>
-              </a:ext>
-            </a:extLst>
-          </a:blip>
-          <a:stretch>
-            <a:fillRect/>
-          </a:stretch>
-        </p:blipFill>
-        <p:spPr>
-          <a:xfrm>
-            <a:off x="4470402" y="6144237"/>
-            <a:ext cx="2244436" cy="713763"/>
-          </a:xfrm>
-          <a:prstGeom prst="rect">
-            <a:avLst/>
-          </a:prstGeom>
-        </p:spPr>
-      </p:pic>
-      <p:sp>
-        <p:nvSpPr>
-          <p:cNvPr id="25" name="文本占位符 24"/>
-          <p:cNvSpPr>
-            <a:spLocks noGrp="1"/>
-          </p:cNvSpPr>
-          <p:nvPr>
-            <p:ph type="body" sz="quarter" idx="17"/>
-          </p:nvPr>
-        </p:nvSpPr>
-        <p:spPr>
-          <a:xfrm>
-            <a:off x="8027847" y="2761786"/>
-            <a:ext cx="3234689" cy="445150"/>
-          </a:xfrm>
-        </p:spPr>
-        <p:txBody>
-          <a:bodyPr/>
-          <a:lstStyle/>
-          <a:p>
-            <a:r>
-              <a:rPr lang="zh-CN" altLang="en-US" dirty="0" smtClean="0"/>
-              <a:t>系统功能需求</a:t>
-            </a:r>
-            <a:endParaRPr lang="zh-CN" altLang="en-US" dirty="0"/>
-          </a:p>
-        </p:txBody>
-      </p:sp>
-      <p:sp>
-        <p:nvSpPr>
-          <p:cNvPr id="9" name="文本占位符 5"/>
-          <p:cNvSpPr>
-            <a:spLocks noGrp="1"/>
-          </p:cNvSpPr>
-          <p:nvPr>
-            <p:ph type="body" sz="quarter" idx="16"/>
-          </p:nvPr>
-        </p:nvSpPr>
-        <p:spPr>
-          <a:xfrm>
-            <a:off x="7210406" y="3417521"/>
-            <a:ext cx="835026" cy="651828"/>
-          </a:xfrm>
-        </p:spPr>
-        <p:txBody>
-          <a:bodyPr/>
-          <a:lstStyle/>
-          <a:p>
-            <a:r>
-              <a:rPr kumimoji="1" lang="en-US" altLang="zh-CN" dirty="0" smtClean="0"/>
-              <a:t>04</a:t>
-            </a:r>
-            <a:endParaRPr kumimoji="1" lang="zh-CN" altLang="en-US" dirty="0"/>
-          </a:p>
-        </p:txBody>
-      </p:sp>
-      <p:sp>
-        <p:nvSpPr>
-          <p:cNvPr id="10" name="文本占位符 24"/>
-          <p:cNvSpPr>
-            <a:spLocks noGrp="1"/>
-          </p:cNvSpPr>
-          <p:nvPr>
-            <p:ph type="body" sz="quarter" idx="17"/>
-          </p:nvPr>
-        </p:nvSpPr>
-        <p:spPr>
-          <a:xfrm>
-            <a:off x="8074742" y="3535605"/>
-            <a:ext cx="3234689" cy="445150"/>
-          </a:xfrm>
-        </p:spPr>
-        <p:txBody>
-          <a:bodyPr/>
-          <a:lstStyle/>
-          <a:p>
-            <a:r>
-              <a:rPr lang="zh-CN" altLang="en-US" dirty="0" smtClean="0"/>
-              <a:t>外部接口需求</a:t>
-            </a:r>
-            <a:endParaRPr lang="zh-CN" altLang="en-US" dirty="0"/>
-          </a:p>
-        </p:txBody>
-      </p:sp>
-      <p:sp>
-        <p:nvSpPr>
-          <p:cNvPr id="11" name="文本占位符 24"/>
-          <p:cNvSpPr>
-            <a:spLocks noGrp="1"/>
-          </p:cNvSpPr>
-          <p:nvPr>
-            <p:ph type="body" sz="quarter" idx="17"/>
-          </p:nvPr>
-        </p:nvSpPr>
-        <p:spPr>
-          <a:xfrm>
-            <a:off x="8126078" y="4227591"/>
-            <a:ext cx="3234689" cy="445150"/>
-          </a:xfrm>
-        </p:spPr>
-        <p:txBody>
-          <a:bodyPr/>
-          <a:lstStyle/>
-          <a:p>
-            <a:r>
-              <a:rPr lang="zh-CN" altLang="en-US" dirty="0" smtClean="0"/>
-              <a:t>其他非功能需求</a:t>
-            </a:r>
-            <a:endParaRPr lang="en-US" altLang="zh-CN" dirty="0" smtClean="0"/>
-          </a:p>
-        </p:txBody>
-      </p:sp>
-      <p:sp>
-        <p:nvSpPr>
-          <p:cNvPr id="12" name="文本占位符 5"/>
-          <p:cNvSpPr>
-            <a:spLocks noGrp="1"/>
-          </p:cNvSpPr>
-          <p:nvPr>
-            <p:ph type="body" sz="quarter" idx="16"/>
-          </p:nvPr>
-        </p:nvSpPr>
-        <p:spPr>
-          <a:xfrm>
-            <a:off x="7219198" y="4124252"/>
-            <a:ext cx="835026" cy="651828"/>
-          </a:xfrm>
-        </p:spPr>
-        <p:txBody>
-          <a:bodyPr/>
-          <a:lstStyle/>
-          <a:p>
-            <a:r>
-              <a:rPr kumimoji="1" lang="en-US" altLang="zh-CN" dirty="0" smtClean="0"/>
-              <a:t>05</a:t>
-            </a:r>
-            <a:endParaRPr kumimoji="1" lang="zh-CN" altLang="en-US" dirty="0"/>
-          </a:p>
-        </p:txBody>
-      </p:sp>
-      <p:sp>
-        <p:nvSpPr>
-          <p:cNvPr id="13" name="文本占位符 24"/>
-          <p:cNvSpPr>
-            <a:spLocks noGrp="1"/>
-          </p:cNvSpPr>
-          <p:nvPr>
-            <p:ph type="body" sz="quarter" idx="17"/>
-          </p:nvPr>
-        </p:nvSpPr>
-        <p:spPr>
-          <a:xfrm>
-            <a:off x="8137803" y="4995458"/>
-            <a:ext cx="3234689" cy="445150"/>
-          </a:xfrm>
-        </p:spPr>
-        <p:txBody>
-          <a:bodyPr/>
-          <a:lstStyle/>
-          <a:p>
-            <a:r>
-              <a:rPr lang="zh-CN" altLang="en-US" dirty="0" smtClean="0"/>
-              <a:t>进度表和活动网络图</a:t>
-            </a:r>
-            <a:endParaRPr lang="en-US" altLang="zh-CN" dirty="0" smtClean="0"/>
-          </a:p>
-        </p:txBody>
-      </p:sp>
-      <p:sp>
-        <p:nvSpPr>
-          <p:cNvPr id="14" name="文本占位符 5"/>
-          <p:cNvSpPr>
-            <a:spLocks noGrp="1"/>
-          </p:cNvSpPr>
-          <p:nvPr>
-            <p:ph type="body" sz="quarter" idx="16"/>
-          </p:nvPr>
-        </p:nvSpPr>
-        <p:spPr>
-          <a:xfrm>
-            <a:off x="7230923" y="4892119"/>
-            <a:ext cx="835026" cy="651828"/>
-          </a:xfrm>
-        </p:spPr>
-        <p:txBody>
-          <a:bodyPr/>
-          <a:lstStyle/>
-          <a:p>
-            <a:r>
-              <a:rPr kumimoji="1" lang="en-US" altLang="zh-CN" dirty="0" smtClean="0"/>
-              <a:t>06</a:t>
-            </a:r>
-            <a:endParaRPr kumimoji="1" lang="zh-CN" altLang="en-US" dirty="0"/>
-          </a:p>
-        </p:txBody>
-      </p:sp>
-    </p:spTree>
-    <p:extLst>
-      <p:ext uri="{BB962C8B-B14F-4D97-AF65-F5344CB8AC3E}">
-        <p14:creationId xmlns:p14="http://schemas.microsoft.com/office/powerpoint/2010/main" val="753959819"/>
-      </p:ext>
-    </p:extLst>
-  </p:cSld>
-  <p:clrMapOvr>
-    <a:masterClrMapping/>
-  </p:clrMapOvr>
-  <mc:AlternateContent xmlns:mc="http://schemas.openxmlformats.org/markup-compatibility/2006" xmlns:p14="http://schemas.microsoft.com/office/powerpoint/2010/main">
-    <mc:Choice Requires="p14">
-      <p:transition spd="slow" p14:dur="1500">
-        <p:split orient="vert"/>
-      </p:transition>
-    </mc:Choice>
-    <mc:Fallback xmlns="">
-      <p:transition spd="slow">
-        <p:split orient="vert"/>
-      </p:transition>
-    </mc:Fallback>
-  </mc:AlternateContent>
-  <p:timing>
-    <p:tnLst>
-      <p:par>
-        <p:cTn id="1" dur="indefinite" restart="never" nodeType="tmRoot"/>
-      </p:par>
-    </p:tnLst>
-  </p:timing>
-</p:sld>
-</file>
-
-<file path=ppt/slides/slide20.xml><?xml version="1.0" encoding="utf-8"?>
+<file path=ppt/slides/slide27.xml><?xml version="1.0" encoding="utf-8"?>
 <p:sld xmlns:a="http://schemas.openxmlformats.org/drawingml/2006/main" xmlns:r="http://schemas.openxmlformats.org/officeDocument/2006/relationships" xmlns:p="http://schemas.openxmlformats.org/presentationml/2006/main">
   <p:cSld>
     <p:spTree>
@@ -17264,7 +19453,7 @@
 </p:sld>
 </file>
 
-<file path=ppt/slides/slide21.xml><?xml version="1.0" encoding="utf-8"?>
+<file path=ppt/slides/slide28.xml><?xml version="1.0" encoding="utf-8"?>
 <p:sld xmlns:a="http://schemas.openxmlformats.org/drawingml/2006/main" xmlns:r="http://schemas.openxmlformats.org/officeDocument/2006/relationships" xmlns:p="http://schemas.openxmlformats.org/presentationml/2006/main">
   <p:cSld>
     <p:spTree>
@@ -18401,7 +20590,7 @@
 </p:sld>
 </file>
 
-<file path=ppt/slides/slide22.xml><?xml version="1.0" encoding="utf-8"?>
+<file path=ppt/slides/slide29.xml><?xml version="1.0" encoding="utf-8"?>
 <p:sld xmlns:a="http://schemas.openxmlformats.org/drawingml/2006/main" xmlns:r="http://schemas.openxmlformats.org/officeDocument/2006/relationships" xmlns:p="http://schemas.openxmlformats.org/presentationml/2006/main">
   <p:cSld>
     <p:spTree>
@@ -19019,7 +21208,131 @@
 </p:sld>
 </file>
 
-<file path=ppt/slides/slide23.xml><?xml version="1.0" encoding="utf-8"?>
+<file path=ppt/slides/slide3.xml><?xml version="1.0" encoding="utf-8"?>
+<p:sld xmlns:a="http://schemas.openxmlformats.org/drawingml/2006/main" xmlns:r="http://schemas.openxmlformats.org/officeDocument/2006/relationships" xmlns:p="http://schemas.openxmlformats.org/presentationml/2006/main">
+  <p:cSld>
+    <p:spTree>
+      <p:nvGrpSpPr>
+        <p:cNvPr id="1" name=""/>
+        <p:cNvGrpSpPr/>
+        <p:nvPr/>
+      </p:nvGrpSpPr>
+      <p:grpSpPr>
+        <a:xfrm>
+          <a:off x="0" y="0"/>
+          <a:ext cx="0" cy="0"/>
+          <a:chOff x="0" y="0"/>
+          <a:chExt cx="0" cy="0"/>
+        </a:xfrm>
+      </p:grpSpPr>
+      <p:sp>
+        <p:nvSpPr>
+          <p:cNvPr id="2" name="文本占位符 1"/>
+          <p:cNvSpPr>
+            <a:spLocks noGrp="1"/>
+          </p:cNvSpPr>
+          <p:nvPr>
+            <p:ph type="body" sz="quarter" idx="12"/>
+          </p:nvPr>
+        </p:nvSpPr>
+        <p:spPr/>
+        <p:txBody>
+          <a:bodyPr/>
+          <a:lstStyle/>
+          <a:p>
+            <a:r>
+              <a:rPr kumimoji="1" lang="en-US" altLang="zh-CN" dirty="0" smtClean="0"/>
+              <a:t>01</a:t>
+            </a:r>
+            <a:endParaRPr kumimoji="1" lang="zh-CN" altLang="en-US" dirty="0"/>
+          </a:p>
+        </p:txBody>
+      </p:sp>
+      <p:sp>
+        <p:nvSpPr>
+          <p:cNvPr id="3" name="文本占位符 2"/>
+          <p:cNvSpPr>
+            <a:spLocks noGrp="1"/>
+          </p:cNvSpPr>
+          <p:nvPr>
+            <p:ph type="body" sz="quarter" idx="13"/>
+          </p:nvPr>
+        </p:nvSpPr>
+        <p:spPr/>
+        <p:txBody>
+          <a:bodyPr/>
+          <a:lstStyle/>
+          <a:p>
+            <a:r>
+              <a:rPr kumimoji="1" lang="zh-CN" altLang="en-US" dirty="0"/>
+              <a:t>引言</a:t>
+            </a:r>
+          </a:p>
+        </p:txBody>
+      </p:sp>
+      <p:pic>
+        <p:nvPicPr>
+          <p:cNvPr id="5" name="图片 4"/>
+          <p:cNvPicPr>
+            <a:picLocks noChangeAspect="1"/>
+          </p:cNvPicPr>
+          <p:nvPr/>
+        </p:nvPicPr>
+        <p:blipFill>
+          <a:blip r:embed="rId2">
+            <a:extLst>
+              <a:ext uri="{28A0092B-C50C-407E-A947-70E740481C1C}">
+                <a14:useLocalDpi xmlns:a14="http://schemas.microsoft.com/office/drawing/2010/main" val="0"/>
+              </a:ext>
+            </a:extLst>
+          </a:blip>
+          <a:stretch>
+            <a:fillRect/>
+          </a:stretch>
+        </p:blipFill>
+        <p:spPr>
+          <a:xfrm>
+            <a:off x="4470402" y="6144237"/>
+            <a:ext cx="2244436" cy="713763"/>
+          </a:xfrm>
+          <a:prstGeom prst="rect">
+            <a:avLst/>
+          </a:prstGeom>
+        </p:spPr>
+      </p:pic>
+    </p:spTree>
+    <p:extLst>
+      <p:ext uri="{BB962C8B-B14F-4D97-AF65-F5344CB8AC3E}">
+        <p14:creationId xmlns:p14="http://schemas.microsoft.com/office/powerpoint/2010/main" val="777635325"/>
+      </p:ext>
+    </p:extLst>
+  </p:cSld>
+  <p:clrMapOvr>
+    <a:masterClrMapping/>
+  </p:clrMapOvr>
+  <mc:AlternateContent xmlns:mc="http://schemas.openxmlformats.org/markup-compatibility/2006" xmlns:p14="http://schemas.microsoft.com/office/powerpoint/2010/main">
+    <mc:Choice Requires="p14">
+      <p:transition spd="slow" p14:dur="1200">
+        <p14:prism/>
+      </p:transition>
+    </mc:Choice>
+    <mc:Fallback xmlns="">
+      <p:transition spd="slow">
+        <p:fade/>
+      </p:transition>
+    </mc:Fallback>
+  </mc:AlternateContent>
+  <p:timing>
+    <p:tnLst>
+      <p:par>
+        <p:cTn id="1" dur="indefinite" restart="never" nodeType="tmRoot"/>
+      </p:par>
+    </p:tnLst>
+  </p:timing>
+</p:sld>
+</file>
+
+<file path=ppt/slides/slide30.xml><?xml version="1.0" encoding="utf-8"?>
 <p:sld xmlns:a="http://schemas.openxmlformats.org/drawingml/2006/main" xmlns:r="http://schemas.openxmlformats.org/officeDocument/2006/relationships" xmlns:p="http://schemas.openxmlformats.org/presentationml/2006/main">
   <p:cSld>
     <p:spTree>
@@ -19924,7 +22237,7 @@
 </p:sld>
 </file>
 
-<file path=ppt/slides/slide24.xml><?xml version="1.0" encoding="utf-8"?>
+<file path=ppt/slides/slide31.xml><?xml version="1.0" encoding="utf-8"?>
 <p:sld xmlns:a="http://schemas.openxmlformats.org/drawingml/2006/main" xmlns:r="http://schemas.openxmlformats.org/officeDocument/2006/relationships" xmlns:p="http://schemas.openxmlformats.org/presentationml/2006/main">
   <p:cSld>
     <p:spTree>
@@ -20049,7 +22362,7 @@
 </p:sld>
 </file>
 
-<file path=ppt/slides/slide25.xml><?xml version="1.0" encoding="utf-8"?>
+<file path=ppt/slides/slide32.xml><?xml version="1.0" encoding="utf-8"?>
 <p:sld xmlns:a="http://schemas.openxmlformats.org/drawingml/2006/main" xmlns:r="http://schemas.openxmlformats.org/officeDocument/2006/relationships" xmlns:p="http://schemas.openxmlformats.org/presentationml/2006/main">
   <p:cSld>
     <p:spTree>
@@ -20492,7 +22805,7 @@
 </p:sld>
 </file>
 
-<file path=ppt/slides/slide26.xml><?xml version="1.0" encoding="utf-8"?>
+<file path=ppt/slides/slide33.xml><?xml version="1.0" encoding="utf-8"?>
 <p:sld xmlns:a="http://schemas.openxmlformats.org/drawingml/2006/main" xmlns:r="http://schemas.openxmlformats.org/officeDocument/2006/relationships" xmlns:p="http://schemas.openxmlformats.org/presentationml/2006/main">
   <p:cSld>
     <p:spTree>
@@ -20594,7 +22907,7 @@
         <p:spPr>
           <a:xfrm>
             <a:off x="1110083" y="1189440"/>
-            <a:ext cx="6096000" cy="4363374"/>
+            <a:ext cx="6096000" cy="4640373"/>
           </a:xfrm>
           <a:prstGeom prst="rect">
             <a:avLst/>
@@ -20662,7 +22975,39 @@
                 <a:ea typeface="DengXian" charset="-122"/>
                 <a:cs typeface="Times New Roman" charset="0"/>
               </a:rPr>
-              <a:t>以上的安卓系统手机内正常运行</a:t>
+              <a:t>以上</a:t>
+            </a:r>
+            <a:r>
+              <a:rPr lang="zh-CN" altLang="zh-CN" kern="100" dirty="0" smtClean="0">
+                <a:latin typeface="DengXian" charset="-122"/>
+                <a:ea typeface="DengXian" charset="-122"/>
+                <a:cs typeface="Times New Roman" charset="0"/>
+              </a:rPr>
+              <a:t>的</a:t>
+            </a:r>
+            <a:r>
+              <a:rPr lang="zh-CN" altLang="en-US" kern="100" dirty="0" smtClean="0">
+                <a:latin typeface="DengXian" charset="-122"/>
+                <a:ea typeface="DengXian" charset="-122"/>
+                <a:cs typeface="Times New Roman" charset="0"/>
+              </a:rPr>
+              <a:t>，符合约束的</a:t>
+            </a:r>
+            <a:r>
+              <a:rPr lang="zh-CN" altLang="zh-CN" kern="100" dirty="0" smtClean="0">
+                <a:latin typeface="DengXian" charset="-122"/>
+                <a:ea typeface="DengXian" charset="-122"/>
+                <a:cs typeface="Times New Roman" charset="0"/>
+              </a:rPr>
+              <a:t>安卓</a:t>
+            </a:r>
+            <a:r>
+              <a:rPr lang="zh-CN" altLang="zh-CN" kern="100" dirty="0">
+                <a:latin typeface="DengXian" charset="-122"/>
+                <a:ea typeface="DengXian" charset="-122"/>
+                <a:cs typeface="Times New Roman" charset="0"/>
+              </a:rPr>
+              <a:t>系统手机内正常运行</a:t>
             </a:r>
           </a:p>
           <a:p>
@@ -20799,7 +23144,7 @@
 </p:sld>
 </file>
 
-<file path=ppt/slides/slide27.xml><?xml version="1.0" encoding="utf-8"?>
+<file path=ppt/slides/slide34.xml><?xml version="1.0" encoding="utf-8"?>
 <p:sld xmlns:a="http://schemas.openxmlformats.org/drawingml/2006/main" xmlns:r="http://schemas.openxmlformats.org/officeDocument/2006/relationships" xmlns:p="http://schemas.openxmlformats.org/presentationml/2006/main">
   <p:cSld>
     <p:spTree>
@@ -20900,15 +23245,15 @@
         </p:nvSpPr>
         <p:spPr>
           <a:xfrm>
-            <a:off x="1110083" y="1165947"/>
-            <a:ext cx="6096000" cy="3113994"/>
+            <a:off x="1110082" y="1165946"/>
+            <a:ext cx="9758545" cy="2282997"/>
           </a:xfrm>
           <a:prstGeom prst="rect">
             <a:avLst/>
           </a:prstGeom>
         </p:spPr>
         <p:txBody>
-          <a:bodyPr>
+          <a:bodyPr wrap="square">
             <a:spAutoFit/>
           </a:bodyPr>
           <a:lstStyle/>
@@ -20925,7 +23270,7 @@
               </a:spcAft>
             </a:pPr>
             <a:r>
-              <a:rPr lang="en-US" altLang="zh-CN" sz="2400" b="1" kern="100">
+              <a:rPr lang="en-US" altLang="zh-CN" sz="2400" b="1" kern="100" dirty="0">
                 <a:latin typeface="DengXian Light" charset="-122"/>
                 <a:ea typeface="DengXian Light" charset="-122"/>
                 <a:cs typeface="Times New Roman" charset="0"/>
@@ -21017,12 +23362,36 @@
               </a:spcAft>
             </a:pPr>
             <a:r>
+              <a:rPr lang="zh-CN" altLang="en-US" kern="100" dirty="0">
+                <a:latin typeface="DengXian" charset="-122"/>
+                <a:ea typeface="DengXian" charset="-122"/>
+                <a:cs typeface="Times New Roman" charset="0"/>
+              </a:rPr>
+              <a:t> </a:t>
+            </a:r>
+            <a:r>
+              <a:rPr lang="zh-CN" altLang="en-US" kern="100" dirty="0" smtClean="0">
+                <a:latin typeface="DengXian" charset="-122"/>
+                <a:ea typeface="DengXian" charset="-122"/>
+                <a:cs typeface="Times New Roman" charset="0"/>
+              </a:rPr>
+              <a:t>   </a:t>
+            </a:r>
+            <a:r>
+              <a:rPr lang="en-US" altLang="zh-CN" kern="100" dirty="0" smtClean="0">
+                <a:latin typeface="DengXian" charset="-122"/>
+                <a:ea typeface="DengXian" charset="-122"/>
+                <a:cs typeface="Times New Roman" charset="0"/>
+              </a:rPr>
+              <a:t> </a:t>
+            </a:r>
+            <a:r>
               <a:rPr lang="en-US" altLang="zh-CN" kern="100" dirty="0">
                 <a:latin typeface="DengXian" charset="-122"/>
                 <a:ea typeface="DengXian" charset="-122"/>
                 <a:cs typeface="Times New Roman" charset="0"/>
               </a:rPr>
-              <a:t>	 4</a:t>
+              <a:t>4</a:t>
             </a:r>
             <a:r>
               <a:rPr lang="zh-CN" altLang="zh-CN" kern="100" dirty="0">
@@ -21096,7 +23465,7 @@
 </p:sld>
 </file>
 
-<file path=ppt/slides/slide28.xml><?xml version="1.0" encoding="utf-8"?>
+<file path=ppt/slides/slide35.xml><?xml version="1.0" encoding="utf-8"?>
 <p:sld xmlns:a="http://schemas.openxmlformats.org/drawingml/2006/main" xmlns:r="http://schemas.openxmlformats.org/officeDocument/2006/relationships" xmlns:p="http://schemas.openxmlformats.org/presentationml/2006/main">
   <p:cSld>
     <p:spTree>
@@ -21367,7 +23736,7 @@
 </p:sld>
 </file>
 
-<file path=ppt/slides/slide29.xml><?xml version="1.0" encoding="utf-8"?>
+<file path=ppt/slides/slide36.xml><?xml version="1.0" encoding="utf-8"?>
 <p:sld xmlns:a="http://schemas.openxmlformats.org/drawingml/2006/main" xmlns:r="http://schemas.openxmlformats.org/officeDocument/2006/relationships" xmlns:p="http://schemas.openxmlformats.org/presentationml/2006/main">
   <p:cSld>
     <p:spTree>
@@ -21473,8 +23842,8 @@
         </p:nvSpPr>
         <p:spPr>
           <a:xfrm>
-            <a:off x="5334540" y="3564123"/>
-            <a:ext cx="5513832" cy="1477328"/>
+            <a:off x="4848403" y="3515351"/>
+            <a:ext cx="5513832" cy="1754326"/>
           </a:xfrm>
           <a:prstGeom prst="rect">
             <a:avLst/>
@@ -21501,7 +23870,15 @@
             </a:r>
             <a:r>
               <a:rPr lang="zh-CN" altLang="en-US" dirty="0" smtClean="0"/>
-              <a:t>文档编写</a:t>
+              <a:t>文档编写，数据字典制作，</a:t>
+            </a:r>
+            <a:r>
+              <a:rPr lang="en-US" altLang="zh-CN" dirty="0" err="1" smtClean="0"/>
+              <a:t>appdemo</a:t>
+            </a:r>
+            <a:r>
+              <a:rPr lang="zh-CN" altLang="en-US" dirty="0" smtClean="0"/>
+              <a:t>制作</a:t>
             </a:r>
             <a:r>
               <a:rPr lang="en-US" altLang="zh-CN" dirty="0" smtClean="0"/>
@@ -21553,15 +23930,7 @@
             </a:r>
             <a:r>
               <a:rPr lang="zh-CN" altLang="en-US" dirty="0" smtClean="0"/>
-              <a:t>模板</a:t>
-            </a:r>
-            <a:r>
-              <a:rPr lang="zh-CN" altLang="en-US" dirty="0"/>
-              <a:t>制作</a:t>
-            </a:r>
-            <a:r>
-              <a:rPr lang="zh-CN" altLang="en-US" dirty="0" smtClean="0"/>
-              <a:t>、</a:t>
+              <a:t>制作、</a:t>
             </a:r>
             <a:r>
               <a:rPr lang="en-US" altLang="zh-CN" dirty="0" smtClean="0"/>
@@ -21623,131 +23992,7 @@
 </p:sld>
 </file>
 
-<file path=ppt/slides/slide3.xml><?xml version="1.0" encoding="utf-8"?>
-<p:sld xmlns:a="http://schemas.openxmlformats.org/drawingml/2006/main" xmlns:r="http://schemas.openxmlformats.org/officeDocument/2006/relationships" xmlns:p="http://schemas.openxmlformats.org/presentationml/2006/main">
-  <p:cSld>
-    <p:spTree>
-      <p:nvGrpSpPr>
-        <p:cNvPr id="1" name=""/>
-        <p:cNvGrpSpPr/>
-        <p:nvPr/>
-      </p:nvGrpSpPr>
-      <p:grpSpPr>
-        <a:xfrm>
-          <a:off x="0" y="0"/>
-          <a:ext cx="0" cy="0"/>
-          <a:chOff x="0" y="0"/>
-          <a:chExt cx="0" cy="0"/>
-        </a:xfrm>
-      </p:grpSpPr>
-      <p:sp>
-        <p:nvSpPr>
-          <p:cNvPr id="2" name="文本占位符 1"/>
-          <p:cNvSpPr>
-            <a:spLocks noGrp="1"/>
-          </p:cNvSpPr>
-          <p:nvPr>
-            <p:ph type="body" sz="quarter" idx="12"/>
-          </p:nvPr>
-        </p:nvSpPr>
-        <p:spPr/>
-        <p:txBody>
-          <a:bodyPr/>
-          <a:lstStyle/>
-          <a:p>
-            <a:r>
-              <a:rPr kumimoji="1" lang="en-US" altLang="zh-CN" dirty="0" smtClean="0"/>
-              <a:t>01</a:t>
-            </a:r>
-            <a:endParaRPr kumimoji="1" lang="zh-CN" altLang="en-US" dirty="0"/>
-          </a:p>
-        </p:txBody>
-      </p:sp>
-      <p:sp>
-        <p:nvSpPr>
-          <p:cNvPr id="3" name="文本占位符 2"/>
-          <p:cNvSpPr>
-            <a:spLocks noGrp="1"/>
-          </p:cNvSpPr>
-          <p:nvPr>
-            <p:ph type="body" sz="quarter" idx="13"/>
-          </p:nvPr>
-        </p:nvSpPr>
-        <p:spPr/>
-        <p:txBody>
-          <a:bodyPr/>
-          <a:lstStyle/>
-          <a:p>
-            <a:r>
-              <a:rPr kumimoji="1" lang="zh-CN" altLang="en-US" dirty="0"/>
-              <a:t>引言</a:t>
-            </a:r>
-          </a:p>
-        </p:txBody>
-      </p:sp>
-      <p:pic>
-        <p:nvPicPr>
-          <p:cNvPr id="5" name="图片 4"/>
-          <p:cNvPicPr>
-            <a:picLocks noChangeAspect="1"/>
-          </p:cNvPicPr>
-          <p:nvPr/>
-        </p:nvPicPr>
-        <p:blipFill>
-          <a:blip r:embed="rId2">
-            <a:extLst>
-              <a:ext uri="{28A0092B-C50C-407E-A947-70E740481C1C}">
-                <a14:useLocalDpi xmlns:a14="http://schemas.microsoft.com/office/drawing/2010/main" val="0"/>
-              </a:ext>
-            </a:extLst>
-          </a:blip>
-          <a:stretch>
-            <a:fillRect/>
-          </a:stretch>
-        </p:blipFill>
-        <p:spPr>
-          <a:xfrm>
-            <a:off x="4470402" y="6144237"/>
-            <a:ext cx="2244436" cy="713763"/>
-          </a:xfrm>
-          <a:prstGeom prst="rect">
-            <a:avLst/>
-          </a:prstGeom>
-        </p:spPr>
-      </p:pic>
-    </p:spTree>
-    <p:extLst>
-      <p:ext uri="{BB962C8B-B14F-4D97-AF65-F5344CB8AC3E}">
-        <p14:creationId xmlns:p14="http://schemas.microsoft.com/office/powerpoint/2010/main" val="777635325"/>
-      </p:ext>
-    </p:extLst>
-  </p:cSld>
-  <p:clrMapOvr>
-    <a:masterClrMapping/>
-  </p:clrMapOvr>
-  <mc:AlternateContent xmlns:mc="http://schemas.openxmlformats.org/markup-compatibility/2006" xmlns:p14="http://schemas.microsoft.com/office/powerpoint/2010/main">
-    <mc:Choice Requires="p14">
-      <p:transition spd="slow" p14:dur="1200">
-        <p14:prism/>
-      </p:transition>
-    </mc:Choice>
-    <mc:Fallback xmlns="">
-      <p:transition spd="slow">
-        <p:fade/>
-      </p:transition>
-    </mc:Fallback>
-  </mc:AlternateContent>
-  <p:timing>
-    <p:tnLst>
-      <p:par>
-        <p:cTn id="1" dur="indefinite" restart="never" nodeType="tmRoot"/>
-      </p:par>
-    </p:tnLst>
-  </p:timing>
-</p:sld>
-</file>
-
-<file path=ppt/slides/slide30.xml><?xml version="1.0" encoding="utf-8"?>
+<file path=ppt/slides/slide37.xml><?xml version="1.0" encoding="utf-8"?>
 <p:sld xmlns:a="http://schemas.openxmlformats.org/drawingml/2006/main" xmlns:r="http://schemas.openxmlformats.org/officeDocument/2006/relationships" xmlns:p="http://schemas.openxmlformats.org/presentationml/2006/main">
   <p:cSld>
     <p:spTree>
@@ -23434,73 +25679,6 @@
           </a:prstGeom>
         </p:spPr>
       </p:pic>
-      <p:sp>
-        <p:nvSpPr>
-          <p:cNvPr id="4" name="文本框 3"/>
-          <p:cNvSpPr txBox="1"/>
-          <p:nvPr/>
-        </p:nvSpPr>
-        <p:spPr>
-          <a:xfrm>
-            <a:off x="5477256" y="3447288"/>
-            <a:ext cx="4828032" cy="1200329"/>
-          </a:xfrm>
-          <a:prstGeom prst="rect">
-            <a:avLst/>
-          </a:prstGeom>
-          <a:noFill/>
-        </p:spPr>
-        <p:txBody>
-          <a:bodyPr wrap="square" rtlCol="0">
-            <a:spAutoFit/>
-          </a:bodyPr>
-          <a:lstStyle/>
-          <a:p>
-            <a:r>
-              <a:rPr lang="en-US" altLang="zh-CN" dirty="0" smtClean="0"/>
-              <a:t>2.1 </a:t>
-            </a:r>
-            <a:r>
-              <a:rPr lang="zh-CN" altLang="en-US" dirty="0" smtClean="0"/>
-              <a:t>项目背景</a:t>
-            </a:r>
-            <a:endParaRPr lang="en-US" altLang="zh-CN" dirty="0" smtClean="0"/>
-          </a:p>
-          <a:p>
-            <a:r>
-              <a:rPr lang="en-US" altLang="zh-CN" dirty="0" smtClean="0"/>
-              <a:t>2.2 </a:t>
-            </a:r>
-            <a:r>
-              <a:rPr lang="zh-CN" altLang="en-US" dirty="0" smtClean="0"/>
-              <a:t>主要功能</a:t>
-            </a:r>
-            <a:endParaRPr lang="en-US" altLang="zh-CN" dirty="0" smtClean="0"/>
-          </a:p>
-          <a:p>
-            <a:r>
-              <a:rPr lang="en-US" altLang="zh-CN" dirty="0" smtClean="0"/>
-              <a:t>2.3 </a:t>
-            </a:r>
-            <a:r>
-              <a:rPr lang="zh-CN" altLang="en-US" dirty="0" smtClean="0"/>
-              <a:t>用户特点</a:t>
-            </a:r>
-            <a:endParaRPr lang="en-US" altLang="zh-CN" dirty="0" smtClean="0"/>
-          </a:p>
-          <a:p>
-            <a:r>
-              <a:rPr lang="en-US" altLang="zh-CN" dirty="0" smtClean="0"/>
-              <a:t>2.4 </a:t>
-            </a:r>
-            <a:r>
-              <a:rPr lang="zh-CN" altLang="en-US" dirty="0" smtClean="0"/>
-              <a:t>约束</a:t>
-            </a:r>
-            <a:endParaRPr lang="zh-CN" altLang="en-US" dirty="0"/>
-          </a:p>
-        </p:txBody>
-      </p:sp>
       <p:pic>
         <p:nvPicPr>
           <p:cNvPr id="6" name="图片 5"/>
@@ -23659,7 +25837,7 @@
               </a:spcAft>
             </a:pPr>
             <a:r>
-              <a:rPr lang="en-US" altLang="zh-CN" sz="2400" b="1" kern="100">
+              <a:rPr lang="en-US" altLang="zh-CN" sz="2400" b="1" kern="100" dirty="0">
                 <a:latin typeface="DengXian Light" charset="-122"/>
                 <a:ea typeface="DengXian Light" charset="-122"/>
                 <a:cs typeface="Times New Roman" charset="0"/>
@@ -23874,21 +26052,21 @@
       </p:pic>
       <p:sp>
         <p:nvSpPr>
-          <p:cNvPr id="6" name="矩形 5"/>
+          <p:cNvPr id="4" name="矩形 3"/>
           <p:cNvSpPr/>
           <p:nvPr/>
         </p:nvSpPr>
         <p:spPr>
           <a:xfrm>
-            <a:off x="1279589" y="1268518"/>
-            <a:ext cx="6096000" cy="2668936"/>
+            <a:off x="970383" y="1305240"/>
+            <a:ext cx="10419106" cy="4221990"/>
           </a:xfrm>
           <a:prstGeom prst="rect">
             <a:avLst/>
           </a:prstGeom>
         </p:spPr>
         <p:txBody>
-          <a:bodyPr>
+          <a:bodyPr wrap="square">
             <a:spAutoFit/>
           </a:bodyPr>
           <a:lstStyle/>
@@ -23905,7 +26083,7 @@
               </a:spcAft>
             </a:pPr>
             <a:r>
-              <a:rPr lang="en-US" altLang="zh-CN" sz="2000" b="1" kern="100" dirty="0">
+              <a:rPr lang="en-US" altLang="zh-CN" sz="2400" b="1" kern="100" dirty="0" smtClean="0">
                 <a:latin typeface="DengXian Light" charset="-122"/>
                 <a:ea typeface="DengXian Light" charset="-122"/>
                 <a:cs typeface="Times New Roman" charset="0"/>
@@ -23913,225 +26091,32 @@
               <a:t>2.2</a:t>
             </a:r>
             <a:r>
-              <a:rPr lang="zh-CN" altLang="zh-CN" sz="2000" b="1" kern="100" dirty="0">
+              <a:rPr lang="zh-CN" altLang="zh-CN" sz="2400" b="1" kern="100" dirty="0" smtClean="0">
                 <a:latin typeface="DengXian Light" charset="-122"/>
                 <a:ea typeface="DengXian Light" charset="-122"/>
                 <a:cs typeface="Times New Roman" charset="0"/>
               </a:rPr>
-              <a:t>主要功能</a:t>
-            </a:r>
-          </a:p>
-          <a:p>
-            <a:pPr indent="266700" algn="just">
-              <a:spcAft>
-                <a:spcPts val="0"/>
-              </a:spcAft>
-              <a:tabLst>
-                <a:tab pos="355600" algn="l"/>
-                <a:tab pos="711200" algn="l"/>
-                <a:tab pos="1066800" algn="l"/>
-                <a:tab pos="1422400" algn="l"/>
-                <a:tab pos="1778000" algn="l"/>
-                <a:tab pos="2133600" algn="l"/>
-                <a:tab pos="2489200" algn="l"/>
-                <a:tab pos="2844800" algn="l"/>
-                <a:tab pos="3200400" algn="l"/>
-                <a:tab pos="3556000" algn="l"/>
-                <a:tab pos="3911600" algn="l"/>
-                <a:tab pos="4267200" algn="l"/>
-              </a:tabLst>
-            </a:pPr>
-            <a:r>
-              <a:rPr lang="zh-CN" altLang="zh-CN" kern="0" dirty="0">
-                <a:solidFill>
-                  <a:srgbClr val="000000"/>
-                </a:solidFill>
-                <a:latin typeface="Helvetica" charset="0"/>
-                <a:ea typeface="DengXian" charset="-122"/>
-                <a:cs typeface="Helvetica" charset="0"/>
-              </a:rPr>
-              <a:t>活动浏览模块：浏览活动</a:t>
-            </a:r>
-            <a:r>
-              <a:rPr lang="en-US" altLang="zh-CN" kern="0" dirty="0">
-                <a:solidFill>
-                  <a:srgbClr val="000000"/>
-                </a:solidFill>
-                <a:latin typeface="Helvetica" charset="0"/>
-                <a:ea typeface="DengXian" charset="-122"/>
-                <a:cs typeface="Helvetica" charset="0"/>
-              </a:rPr>
-              <a:t>/</a:t>
-            </a:r>
-            <a:r>
-              <a:rPr lang="zh-CN" altLang="zh-CN" kern="0" dirty="0">
-                <a:solidFill>
-                  <a:srgbClr val="000000"/>
-                </a:solidFill>
-                <a:latin typeface="Helvetica" charset="0"/>
-                <a:ea typeface="DengXian" charset="-122"/>
-                <a:cs typeface="Helvetica" charset="0"/>
-              </a:rPr>
-              <a:t>搜索活动</a:t>
-            </a:r>
-            <a:r>
-              <a:rPr lang="en-US" altLang="zh-CN" kern="0" dirty="0">
-                <a:solidFill>
-                  <a:srgbClr val="000000"/>
-                </a:solidFill>
-                <a:latin typeface="Helvetica" charset="0"/>
-                <a:ea typeface="DengXian" charset="-122"/>
-                <a:cs typeface="Helvetica" charset="0"/>
-              </a:rPr>
-              <a:t>/</a:t>
-            </a:r>
-            <a:r>
-              <a:rPr lang="zh-CN" altLang="zh-CN" kern="0" dirty="0">
-                <a:solidFill>
-                  <a:srgbClr val="000000"/>
-                </a:solidFill>
-                <a:latin typeface="Helvetica" charset="0"/>
-                <a:ea typeface="DengXian" charset="-122"/>
-                <a:cs typeface="Helvetica" charset="0"/>
-              </a:rPr>
-              <a:t>活动详细信息（活动本身信息、参与者点评评论回复）</a:t>
-            </a:r>
-            <a:endParaRPr lang="zh-CN" altLang="zh-CN" sz="1600" kern="100" dirty="0">
-              <a:latin typeface="DengXian" charset="-122"/>
-              <a:ea typeface="DengXian" charset="-122"/>
-              <a:cs typeface="Times New Roman" charset="0"/>
-            </a:endParaRPr>
-          </a:p>
-          <a:p>
-            <a:pPr indent="266700" algn="just">
-              <a:spcAft>
-                <a:spcPts val="0"/>
-              </a:spcAft>
-              <a:tabLst>
-                <a:tab pos="355600" algn="l"/>
-                <a:tab pos="711200" algn="l"/>
-                <a:tab pos="1066800" algn="l"/>
-                <a:tab pos="1422400" algn="l"/>
-                <a:tab pos="1778000" algn="l"/>
-                <a:tab pos="2133600" algn="l"/>
-                <a:tab pos="2489200" algn="l"/>
-                <a:tab pos="2844800" algn="l"/>
-                <a:tab pos="3200400" algn="l"/>
-                <a:tab pos="3556000" algn="l"/>
-                <a:tab pos="3911600" algn="l"/>
-                <a:tab pos="4267200" algn="l"/>
-              </a:tabLst>
-            </a:pPr>
-            <a:r>
-              <a:rPr lang="zh-CN" altLang="zh-CN" kern="0" dirty="0">
-                <a:solidFill>
-                  <a:srgbClr val="000000"/>
-                </a:solidFill>
-                <a:latin typeface="Helvetica" charset="0"/>
-                <a:ea typeface="DengXian" charset="-122"/>
-                <a:cs typeface="Helvetica" charset="0"/>
-              </a:rPr>
-              <a:t>活动申请模块：填写活动申请表、查看活动申请进程</a:t>
-            </a:r>
-            <a:endParaRPr lang="zh-CN" altLang="zh-CN" sz="1600" kern="100" dirty="0">
-              <a:latin typeface="DengXian" charset="-122"/>
-              <a:ea typeface="DengXian" charset="-122"/>
-              <a:cs typeface="Times New Roman" charset="0"/>
-            </a:endParaRPr>
-          </a:p>
-          <a:p>
-            <a:pPr indent="266700" algn="just">
-              <a:spcAft>
-                <a:spcPts val="0"/>
-              </a:spcAft>
-              <a:tabLst>
-                <a:tab pos="355600" algn="l"/>
-                <a:tab pos="711200" algn="l"/>
-                <a:tab pos="1066800" algn="l"/>
-                <a:tab pos="1422400" algn="l"/>
-                <a:tab pos="1778000" algn="l"/>
-                <a:tab pos="2133600" algn="l"/>
-                <a:tab pos="2489200" algn="l"/>
-                <a:tab pos="2844800" algn="l"/>
-                <a:tab pos="3200400" algn="l"/>
-                <a:tab pos="3556000" algn="l"/>
-                <a:tab pos="3911600" algn="l"/>
-                <a:tab pos="4267200" algn="l"/>
-              </a:tabLst>
-            </a:pPr>
-            <a:r>
-              <a:rPr lang="zh-CN" altLang="zh-CN" kern="0" dirty="0">
-                <a:solidFill>
-                  <a:srgbClr val="000000"/>
-                </a:solidFill>
-                <a:latin typeface="Helvetica" charset="0"/>
-                <a:ea typeface="DengXian" charset="-122"/>
-                <a:cs typeface="Helvetica" charset="0"/>
-              </a:rPr>
-              <a:t>个人活动模块：浏览已参加、准备参加的活动</a:t>
-            </a:r>
-            <a:r>
-              <a:rPr lang="en-US" altLang="zh-CN" kern="0" dirty="0">
-                <a:solidFill>
-                  <a:srgbClr val="000000"/>
-                </a:solidFill>
-                <a:latin typeface="Helvetica" charset="0"/>
-                <a:ea typeface="DengXian" charset="-122"/>
-                <a:cs typeface="Helvetica" charset="0"/>
-              </a:rPr>
-              <a:t>/</a:t>
-            </a:r>
-            <a:r>
-              <a:rPr lang="zh-CN" altLang="zh-CN" kern="0" dirty="0">
-                <a:solidFill>
-                  <a:srgbClr val="000000"/>
-                </a:solidFill>
-                <a:latin typeface="Helvetica" charset="0"/>
-                <a:ea typeface="DengXian" charset="-122"/>
-                <a:cs typeface="Helvetica" charset="0"/>
-              </a:rPr>
-              <a:t>查看信息</a:t>
-            </a:r>
-            <a:endParaRPr lang="zh-CN" altLang="zh-CN" sz="1600" kern="100" dirty="0">
-              <a:latin typeface="DengXian" charset="-122"/>
-              <a:ea typeface="DengXian" charset="-122"/>
-              <a:cs typeface="Times New Roman" charset="0"/>
-            </a:endParaRPr>
-          </a:p>
-          <a:p>
-            <a:pPr indent="266700" algn="just">
-              <a:spcAft>
-                <a:spcPts val="0"/>
-              </a:spcAft>
-              <a:tabLst>
-                <a:tab pos="355600" algn="l"/>
-                <a:tab pos="711200" algn="l"/>
-                <a:tab pos="1066800" algn="l"/>
-                <a:tab pos="1422400" algn="l"/>
-                <a:tab pos="1778000" algn="l"/>
-                <a:tab pos="2133600" algn="l"/>
-                <a:tab pos="2489200" algn="l"/>
-                <a:tab pos="2844800" algn="l"/>
-                <a:tab pos="3200400" algn="l"/>
-                <a:tab pos="3556000" algn="l"/>
-                <a:tab pos="3911600" algn="l"/>
-                <a:tab pos="4267200" algn="l"/>
-              </a:tabLst>
-            </a:pPr>
-            <a:r>
-              <a:rPr lang="zh-CN" altLang="zh-CN" kern="0" dirty="0">
-                <a:solidFill>
-                  <a:srgbClr val="000000"/>
-                </a:solidFill>
-                <a:latin typeface="Helvetica" charset="0"/>
-                <a:ea typeface="DengXian" charset="-122"/>
-                <a:cs typeface="Helvetica" charset="0"/>
-              </a:rPr>
-              <a:t>个人界面模块：查看、更改个人信息</a:t>
-            </a:r>
-            <a:endParaRPr lang="zh-CN" altLang="zh-CN" sz="1600" kern="100" dirty="0">
-              <a:latin typeface="DengXian" charset="-122"/>
-              <a:ea typeface="DengXian" charset="-122"/>
+              <a:t>用户</a:t>
+            </a:r>
+            <a:r>
+              <a:rPr lang="zh-CN" altLang="en-US" sz="2400" b="1" kern="100" dirty="0" smtClean="0">
+                <a:latin typeface="DengXian Light" charset="-122"/>
+                <a:ea typeface="DengXian Light" charset="-122"/>
+                <a:cs typeface="Times New Roman" charset="0"/>
+              </a:rPr>
+              <a:t>类型及</a:t>
+            </a:r>
+            <a:r>
+              <a:rPr lang="zh-CN" altLang="zh-CN" sz="2400" b="1" kern="100" dirty="0" smtClean="0">
+                <a:latin typeface="DengXian Light" charset="-122"/>
+                <a:ea typeface="DengXian Light" charset="-122"/>
+                <a:cs typeface="Times New Roman" charset="0"/>
+              </a:rPr>
+              <a:t>特点</a:t>
+            </a:r>
+            <a:endParaRPr lang="zh-CN" altLang="zh-CN" sz="2400" b="1" kern="100" dirty="0">
+              <a:latin typeface="DengXian Light" charset="-122"/>
+              <a:ea typeface="DengXian Light" charset="-122"/>
               <a:cs typeface="Times New Roman" charset="0"/>
             </a:endParaRPr>
           </a:p>
@@ -24142,14 +26127,46 @@
               </a:spcAft>
             </a:pPr>
             <a:r>
-              <a:rPr lang="en-US" altLang="zh-CN" sz="1600" kern="100" dirty="0">
+              <a:rPr lang="en-US" altLang="zh-CN" kern="100" dirty="0" smtClean="0">
                 <a:latin typeface="DengXian" charset="-122"/>
                 <a:ea typeface="DengXian" charset="-122"/>
                 <a:cs typeface="Times New Roman" charset="0"/>
               </a:rPr>
-              <a:t> </a:t>
-            </a:r>
-            <a:endParaRPr lang="en-US" altLang="zh-CN" sz="1600" kern="100" dirty="0" smtClean="0">
+              <a:t>1</a:t>
+            </a:r>
+            <a:r>
+              <a:rPr lang="en-US" altLang="zh-CN" kern="100" dirty="0">
+                <a:latin typeface="DengXian" charset="-122"/>
+                <a:ea typeface="DengXian" charset="-122"/>
+                <a:cs typeface="Times New Roman" charset="0"/>
+              </a:rPr>
+              <a:t>:</a:t>
+            </a:r>
+            <a:r>
+              <a:rPr lang="zh-CN" altLang="zh-CN" kern="100" dirty="0">
+                <a:latin typeface="DengXian" charset="-122"/>
+                <a:ea typeface="DengXian" charset="-122"/>
+                <a:cs typeface="Times New Roman" charset="0"/>
+              </a:rPr>
+              <a:t>城院</a:t>
+            </a:r>
+            <a:r>
+              <a:rPr lang="zh-CN" altLang="zh-CN" kern="100" dirty="0" smtClean="0">
+                <a:latin typeface="DengXian" charset="-122"/>
+                <a:ea typeface="DengXian" charset="-122"/>
+                <a:cs typeface="Times New Roman" charset="0"/>
+              </a:rPr>
+              <a:t>学生</a:t>
+            </a:r>
+            <a:r>
+              <a:rPr lang="zh-CN" altLang="en-US" kern="100" dirty="0" smtClean="0">
+                <a:latin typeface="DengXian" charset="-122"/>
+                <a:ea typeface="DengXian" charset="-122"/>
+                <a:cs typeface="Times New Roman" charset="0"/>
+              </a:rPr>
+              <a:t>：</a:t>
+            </a:r>
+            <a:endParaRPr lang="en-US" altLang="zh-CN" kern="100" dirty="0" smtClean="0">
               <a:latin typeface="DengXian" charset="-122"/>
               <a:ea typeface="DengXian" charset="-122"/>
               <a:cs typeface="Times New Roman" charset="0"/>
@@ -24162,15 +26179,234 @@
               </a:spcAft>
             </a:pPr>
             <a:r>
-              <a:rPr lang="zh-CN" altLang="en-US" sz="1600" kern="100" dirty="0" smtClean="0">
-                <a:effectLst/>
+              <a:rPr lang="zh-CN" altLang="zh-CN" kern="100" dirty="0" smtClean="0">
                 <a:latin typeface="DengXian" charset="-122"/>
                 <a:ea typeface="DengXian" charset="-122"/>
                 <a:cs typeface="Times New Roman" charset="0"/>
               </a:rPr>
-              <a:t>详细功能将在第三章进行介绍</a:t>
-            </a:r>
-            <a:endParaRPr lang="zh-CN" altLang="zh-CN" sz="1600" kern="100" dirty="0">
+              <a:t>该</a:t>
+            </a:r>
+            <a:r>
+              <a:rPr lang="zh-CN" altLang="zh-CN" kern="100" dirty="0">
+                <a:latin typeface="DengXian" charset="-122"/>
+                <a:ea typeface="DengXian" charset="-122"/>
+                <a:cs typeface="Times New Roman" charset="0"/>
+              </a:rPr>
+              <a:t>群体接受能力强，并且熟练使用智能手机。该群体是本产品的主要使用者。城院学生在学习生活中会参加大量的学生活动，但是缺乏一个便于申请的平台，所以为满足该群体的需求，我们针对该群体进行设计开发我们的产品</a:t>
+            </a:r>
+            <a:r>
+              <a:rPr lang="zh-CN" altLang="zh-CN" kern="100" dirty="0" smtClean="0">
+                <a:latin typeface="DengXian" charset="-122"/>
+                <a:ea typeface="DengXian" charset="-122"/>
+                <a:cs typeface="Times New Roman" charset="0"/>
+              </a:rPr>
+              <a:t>。</a:t>
+            </a:r>
+            <a:endParaRPr lang="en-US" altLang="zh-CN" kern="100" dirty="0" smtClean="0">
+              <a:latin typeface="DengXian" charset="-122"/>
+              <a:ea typeface="DengXian" charset="-122"/>
+              <a:cs typeface="Times New Roman" charset="0"/>
+            </a:endParaRPr>
+          </a:p>
+          <a:p>
+            <a:pPr algn="just"/>
+            <a:r>
+              <a:rPr lang="zh-CN" altLang="zh-CN" dirty="0">
+                <a:latin typeface="DengXian" charset="-122"/>
+                <a:ea typeface="DengXian" charset="-122"/>
+                <a:cs typeface="DengXian" charset="-122"/>
+              </a:rPr>
+              <a:t>用户代表：钱金港。该同学在学生组织任职多年，了解学生活动</a:t>
+            </a:r>
+            <a:r>
+              <a:rPr lang="zh-CN" altLang="zh-CN" dirty="0" smtClean="0">
+                <a:latin typeface="DengXian" charset="-122"/>
+                <a:ea typeface="DengXian" charset="-122"/>
+                <a:cs typeface="DengXian" charset="-122"/>
+              </a:rPr>
+              <a:t>。</a:t>
+            </a:r>
+            <a:endParaRPr lang="en-US" altLang="zh-CN" dirty="0" smtClean="0">
+              <a:latin typeface="DengXian" charset="-122"/>
+              <a:ea typeface="DengXian" charset="-122"/>
+              <a:cs typeface="DengXian" charset="-122"/>
+            </a:endParaRPr>
+          </a:p>
+          <a:p>
+            <a:pPr algn="just"/>
+            <a:endParaRPr lang="zh-CN" altLang="zh-CN" kern="100" dirty="0">
+              <a:latin typeface="DengXian" charset="-122"/>
+              <a:ea typeface="DengXian" charset="-122"/>
+              <a:cs typeface="Times New Roman" charset="0"/>
+            </a:endParaRPr>
+          </a:p>
+          <a:p>
+            <a:pPr algn="just">
+              <a:spcAft>
+                <a:spcPts val="0"/>
+              </a:spcAft>
+            </a:pPr>
+            <a:r>
+              <a:rPr lang="en-US" altLang="zh-CN" kern="100" dirty="0">
+                <a:latin typeface="DengXian" charset="-122"/>
+                <a:ea typeface="DengXian" charset="-122"/>
+                <a:cs typeface="Times New Roman" charset="0"/>
+              </a:rPr>
+              <a:t>2:</a:t>
+            </a:r>
+            <a:r>
+              <a:rPr lang="zh-CN" altLang="zh-CN" kern="100" dirty="0">
+                <a:latin typeface="DengXian" charset="-122"/>
+                <a:ea typeface="DengXian" charset="-122"/>
+                <a:cs typeface="Times New Roman" charset="0"/>
+              </a:rPr>
+              <a:t>城院</a:t>
+            </a:r>
+            <a:r>
+              <a:rPr lang="zh-CN" altLang="zh-CN" kern="100" dirty="0" smtClean="0">
+                <a:latin typeface="DengXian" charset="-122"/>
+                <a:ea typeface="DengXian" charset="-122"/>
+                <a:cs typeface="Times New Roman" charset="0"/>
+              </a:rPr>
+              <a:t>教师</a:t>
+            </a:r>
+            <a:r>
+              <a:rPr lang="zh-CN" altLang="en-US" kern="100" dirty="0" smtClean="0">
+                <a:latin typeface="DengXian" charset="-122"/>
+                <a:ea typeface="DengXian" charset="-122"/>
+                <a:cs typeface="Times New Roman" charset="0"/>
+              </a:rPr>
+              <a:t>：</a:t>
+            </a:r>
+            <a:endParaRPr lang="en-US" altLang="zh-CN" kern="100" dirty="0" smtClean="0">
+              <a:latin typeface="DengXian" charset="-122"/>
+              <a:ea typeface="DengXian" charset="-122"/>
+              <a:cs typeface="Times New Roman" charset="0"/>
+            </a:endParaRPr>
+          </a:p>
+          <a:p>
+            <a:pPr algn="just">
+              <a:spcAft>
+                <a:spcPts val="0"/>
+              </a:spcAft>
+            </a:pPr>
+            <a:r>
+              <a:rPr lang="zh-CN" altLang="zh-CN" kern="100" dirty="0" smtClean="0">
+                <a:latin typeface="DengXian" charset="-122"/>
+                <a:ea typeface="DengXian" charset="-122"/>
+                <a:cs typeface="Times New Roman" charset="0"/>
+              </a:rPr>
+              <a:t>由于</a:t>
+            </a:r>
+            <a:r>
+              <a:rPr lang="zh-CN" altLang="zh-CN" kern="100" dirty="0">
+                <a:latin typeface="DengXian" charset="-122"/>
+                <a:ea typeface="DengXian" charset="-122"/>
+                <a:cs typeface="Times New Roman" charset="0"/>
+              </a:rPr>
+              <a:t>城院学生活动主要由教师进行审批通过，该群体也是我们产品的主要用户。该群体对智能手机的使用有一定的了解。进行一定的指导之后就能熟练使用</a:t>
+            </a:r>
+            <a:r>
+              <a:rPr lang="zh-CN" altLang="zh-CN" kern="100" dirty="0" smtClean="0">
+                <a:latin typeface="DengXian" charset="-122"/>
+                <a:ea typeface="DengXian" charset="-122"/>
+                <a:cs typeface="Times New Roman" charset="0"/>
+              </a:rPr>
+              <a:t>。</a:t>
+            </a:r>
+            <a:endParaRPr lang="en-US" altLang="zh-CN" kern="100" dirty="0" smtClean="0">
+              <a:latin typeface="DengXian" charset="-122"/>
+              <a:ea typeface="DengXian" charset="-122"/>
+              <a:cs typeface="Times New Roman" charset="0"/>
+            </a:endParaRPr>
+          </a:p>
+          <a:p>
+            <a:pPr algn="just">
+              <a:spcAft>
+                <a:spcPts val="0"/>
+              </a:spcAft>
+            </a:pPr>
+            <a:r>
+              <a:rPr lang="zh-CN" altLang="en-US" kern="100" dirty="0" smtClean="0">
+                <a:latin typeface="DengXian" charset="-122"/>
+                <a:ea typeface="DengXian" charset="-122"/>
+                <a:cs typeface="Times New Roman" charset="0"/>
+              </a:rPr>
+              <a:t>用户代表：杨枨老师</a:t>
+            </a:r>
+            <a:endParaRPr lang="en-US" altLang="zh-CN" kern="100" dirty="0" smtClean="0">
+              <a:latin typeface="DengXian" charset="-122"/>
+              <a:ea typeface="DengXian" charset="-122"/>
+              <a:cs typeface="Times New Roman" charset="0"/>
+            </a:endParaRPr>
+          </a:p>
+          <a:p>
+            <a:pPr algn="just">
+              <a:spcAft>
+                <a:spcPts val="0"/>
+              </a:spcAft>
+            </a:pPr>
+            <a:endParaRPr lang="zh-CN" altLang="zh-CN" kern="100" dirty="0">
+              <a:latin typeface="DengXian" charset="-122"/>
+              <a:ea typeface="DengXian" charset="-122"/>
+              <a:cs typeface="Times New Roman" charset="0"/>
+            </a:endParaRPr>
+          </a:p>
+          <a:p>
+            <a:pPr algn="just">
+              <a:spcAft>
+                <a:spcPts val="0"/>
+              </a:spcAft>
+            </a:pPr>
+            <a:r>
+              <a:rPr lang="en-US" altLang="zh-CN" kern="100" dirty="0">
+                <a:latin typeface="DengXian" charset="-122"/>
+                <a:ea typeface="DengXian" charset="-122"/>
+                <a:cs typeface="Times New Roman" charset="0"/>
+              </a:rPr>
+              <a:t>3:</a:t>
+            </a:r>
+            <a:r>
+              <a:rPr lang="zh-CN" altLang="zh-CN" kern="100" dirty="0">
+                <a:latin typeface="DengXian" charset="-122"/>
+                <a:ea typeface="DengXian" charset="-122"/>
+                <a:cs typeface="Times New Roman" charset="0"/>
+              </a:rPr>
+              <a:t>杨枨</a:t>
+            </a:r>
+            <a:r>
+              <a:rPr lang="zh-CN" altLang="zh-CN" kern="100" dirty="0" smtClean="0">
+                <a:latin typeface="DengXian" charset="-122"/>
+                <a:ea typeface="DengXian" charset="-122"/>
+                <a:cs typeface="Times New Roman" charset="0"/>
+              </a:rPr>
+              <a:t>老师</a:t>
+            </a:r>
+            <a:r>
+              <a:rPr lang="zh-CN" altLang="en-US" kern="100" dirty="0" smtClean="0">
+                <a:latin typeface="DengXian" charset="-122"/>
+                <a:ea typeface="DengXian" charset="-122"/>
+                <a:cs typeface="Times New Roman" charset="0"/>
+              </a:rPr>
+              <a:t>：</a:t>
+            </a:r>
+            <a:r>
+              <a:rPr lang="zh-CN" altLang="zh-CN" kern="100" dirty="0" smtClean="0">
+                <a:latin typeface="DengXian" charset="-122"/>
+                <a:ea typeface="DengXian" charset="-122"/>
+                <a:cs typeface="Times New Roman" charset="0"/>
+              </a:rPr>
+              <a:t>杨枨</a:t>
+            </a:r>
+            <a:r>
+              <a:rPr lang="zh-CN" altLang="zh-CN" kern="100" dirty="0">
+                <a:latin typeface="DengXian" charset="-122"/>
+                <a:ea typeface="DengXian" charset="-122"/>
+                <a:cs typeface="Times New Roman" charset="0"/>
+              </a:rPr>
+              <a:t>老师作为课程教师，也是产品用户。</a:t>
+            </a:r>
+            <a:endParaRPr lang="zh-CN" altLang="zh-CN" kern="100" dirty="0">
               <a:effectLst/>
               <a:latin typeface="DengXian" charset="-122"/>
               <a:ea typeface="DengXian" charset="-122"/>
@@ -24182,7 +26418,7 @@
     </p:spTree>
     <p:extLst>
       <p:ext uri="{BB962C8B-B14F-4D97-AF65-F5344CB8AC3E}">
-        <p14:creationId xmlns:p14="http://schemas.microsoft.com/office/powerpoint/2010/main" val="1952555423"/>
+        <p14:creationId xmlns:p14="http://schemas.microsoft.com/office/powerpoint/2010/main" val="1254770814"/>
       </p:ext>
     </p:extLst>
   </p:cSld>

--- a/doc/软件规格说明ppt.pptx
+++ b/doc/软件规格说明ppt.pptx
@@ -237,7 +237,7 @@
           <a:p>
             <a:fld id="{3E6E1E63-6347-BD4F-A808-7F54FA34CE72}" type="datetimeFigureOut">
               <a:rPr kumimoji="1" lang="zh-CN" altLang="en-US" smtClean="0"/>
-              <a:t>2017/11/14</a:t>
+              <a:t>2017/11/15</a:t>
             </a:fld>
             <a:endParaRPr kumimoji="1" lang="zh-CN" altLang="en-US"/>
           </a:p>
@@ -17087,31 +17087,7 @@
                 <a:ea typeface="DengXian Light" charset="-122"/>
                 <a:cs typeface="Times New Roman" charset="0"/>
               </a:rPr>
-              <a:t>详见</a:t>
-            </a:r>
-            <a:r>
-              <a:rPr lang="zh-CN" altLang="en-US" b="1" kern="100" dirty="0" smtClean="0">
-                <a:latin typeface="DengXian Light" charset="-122"/>
-                <a:ea typeface="DengXian Light" charset="-122"/>
-                <a:cs typeface="Times New Roman" charset="0"/>
-              </a:rPr>
-              <a:t>附件</a:t>
-            </a:r>
-            <a:r>
-              <a:rPr lang="zh-CN" altLang="en-US" b="1" kern="100" dirty="0" smtClean="0">
-                <a:latin typeface="DengXian Light" charset="-122"/>
-                <a:ea typeface="DengXian Light" charset="-122"/>
-                <a:cs typeface="Times New Roman" charset="0"/>
-              </a:rPr>
-              <a:t>状态</a:t>
-            </a:r>
-            <a:r>
-              <a:rPr lang="zh-CN" altLang="en-US" b="1" kern="100" dirty="0" smtClean="0">
-                <a:latin typeface="DengXian Light" charset="-122"/>
-                <a:ea typeface="DengXian Light" charset="-122"/>
-                <a:cs typeface="Times New Roman" charset="0"/>
-              </a:rPr>
-              <a:t>图</a:t>
+              <a:t>详见附件状态图</a:t>
             </a:r>
             <a:endParaRPr lang="zh-CN" altLang="zh-CN" b="1" kern="100" dirty="0">
               <a:effectLst/>
@@ -23843,7 +23819,7 @@
         <p:spPr>
           <a:xfrm>
             <a:off x="4848403" y="3515351"/>
-            <a:ext cx="5513832" cy="1754326"/>
+            <a:ext cx="5513832" cy="1477328"/>
           </a:xfrm>
           <a:prstGeom prst="rect">
             <a:avLst/>
@@ -23870,11 +23846,7 @@
             </a:r>
             <a:r>
               <a:rPr lang="zh-CN" altLang="en-US" dirty="0" smtClean="0"/>
-              <a:t>文档编写，数据字典制作，</a:t>
-            </a:r>
-            <a:r>
-              <a:rPr lang="en-US" altLang="zh-CN" dirty="0" err="1" smtClean="0"/>
-              <a:t>appdemo</a:t>
+              <a:t>文档编写，数据字典</a:t>
             </a:r>
             <a:r>
               <a:rPr lang="zh-CN" altLang="en-US" dirty="0" smtClean="0"/>
@@ -23882,7 +23854,11 @@
             </a:r>
             <a:r>
               <a:rPr lang="en-US" altLang="zh-CN" dirty="0" smtClean="0"/>
-              <a:t>——5</a:t>
+              <a:t>——</a:t>
+            </a:r>
+            <a:r>
+              <a:rPr lang="en-US" altLang="zh-CN" dirty="0" smtClean="0"/>
+              <a:t>5</a:t>
             </a:r>
             <a:r>
               <a:rPr lang="zh-CN" altLang="en-US" dirty="0" smtClean="0"/>
@@ -23907,11 +23883,11 @@
               <a:t>文档编写，原型制作</a:t>
             </a:r>
             <a:r>
-              <a:rPr lang="en-US" altLang="zh-CN" dirty="0" smtClean="0"/>
-              <a:t>——5</a:t>
-            </a:r>
-            <a:r>
-              <a:rPr lang="zh-CN" altLang="en-US" dirty="0" smtClean="0"/>
+              <a:rPr lang="en-US" altLang="zh-CN" smtClean="0"/>
+              <a:t>——3</a:t>
+            </a:r>
+            <a:r>
+              <a:rPr lang="zh-CN" altLang="en-US" smtClean="0"/>
               <a:t>分</a:t>
             </a:r>
             <a:endParaRPr lang="en-US" altLang="zh-CN" dirty="0" smtClean="0"/>

--- a/doc/软件规格说明ppt.pptx
+++ b/doc/软件规格说明ppt.pptx
@@ -237,7 +237,7 @@
           <a:p>
             <a:fld id="{3E6E1E63-6347-BD4F-A808-7F54FA34CE72}" type="datetimeFigureOut">
               <a:rPr kumimoji="1" lang="zh-CN" altLang="en-US" smtClean="0"/>
-              <a:t>2017/11/15</a:t>
+              <a:t>2017/11/19</a:t>
             </a:fld>
             <a:endParaRPr kumimoji="1" lang="zh-CN" altLang="en-US"/>
           </a:p>
@@ -23846,19 +23846,11 @@
             </a:r>
             <a:r>
               <a:rPr lang="zh-CN" altLang="en-US" dirty="0" smtClean="0"/>
-              <a:t>文档编写，数据字典</a:t>
-            </a:r>
-            <a:r>
-              <a:rPr lang="zh-CN" altLang="en-US" dirty="0" smtClean="0"/>
-              <a:t>制作</a:t>
+              <a:t>文档编写，数据字典制作</a:t>
             </a:r>
             <a:r>
               <a:rPr lang="en-US" altLang="zh-CN" dirty="0" smtClean="0"/>
-              <a:t>——</a:t>
-            </a:r>
-            <a:r>
-              <a:rPr lang="en-US" altLang="zh-CN" dirty="0" smtClean="0"/>
-              <a:t>5</a:t>
+              <a:t>——5</a:t>
             </a:r>
             <a:r>
               <a:rPr lang="zh-CN" altLang="en-US" dirty="0" smtClean="0"/>
@@ -26192,7 +26184,39 @@
                 <a:ea typeface="DengXian" charset="-122"/>
                 <a:cs typeface="DengXian" charset="-122"/>
               </a:rPr>
-              <a:t>用户代表：钱金港。该同学在学生组织任职多年，了解学生活动</a:t>
+              <a:t>用户</a:t>
+            </a:r>
+            <a:r>
+              <a:rPr lang="zh-CN" altLang="zh-CN" smtClean="0">
+                <a:latin typeface="DengXian" charset="-122"/>
+                <a:ea typeface="DengXian" charset="-122"/>
+                <a:cs typeface="DengXian" charset="-122"/>
+              </a:rPr>
+              <a:t>代表：</a:t>
+            </a:r>
+            <a:r>
+              <a:rPr lang="zh-CN" altLang="en-US" smtClean="0">
+                <a:latin typeface="DengXian" charset="-122"/>
+                <a:ea typeface="DengXian" charset="-122"/>
+                <a:cs typeface="DengXian" charset="-122"/>
+              </a:rPr>
+              <a:t>汤扬</a:t>
+            </a:r>
+            <a:r>
+              <a:rPr lang="zh-CN" altLang="zh-CN" smtClean="0">
+                <a:latin typeface="DengXian" charset="-122"/>
+                <a:ea typeface="DengXian" charset="-122"/>
+                <a:cs typeface="DengXian" charset="-122"/>
+              </a:rPr>
+              <a:t>。</a:t>
+            </a:r>
+            <a:r>
+              <a:rPr lang="zh-CN" altLang="zh-CN" dirty="0">
+                <a:latin typeface="DengXian" charset="-122"/>
+                <a:ea typeface="DengXian" charset="-122"/>
+                <a:cs typeface="DengXian" charset="-122"/>
+              </a:rPr>
+              <a:t>该同学在学生组织任职多年，了解学生活动</a:t>
             </a:r>
             <a:r>
               <a:rPr lang="zh-CN" altLang="zh-CN" dirty="0" smtClean="0">
